--- a/Lectures/Lecture 06_Order Statistics.pptx
+++ b/Lectures/Lecture 06_Order Statistics.pptx
@@ -294,7 +294,7 @@
           <a:p>
             <a:fld id="{2879AAE5-86D0-F24E-8B41-A414CAB64259}" type="datetimeFigureOut">
               <a:rPr lang="en-US" smtClean="0"/>
-              <a:t>2/27/24</a:t>
+              <a:t>4/30/24</a:t>
             </a:fld>
             <a:endParaRPr lang="en-US"/>
           </a:p>
@@ -1194,12 +1194,12 @@
           <a:effectLst/>
           <a:extLst>
             <a:ext uri="{909E8E84-426E-40dd-AFC4-6F175D3DCCD1}">
-              <a14:hiddenFill xmlns:a14="http://schemas.microsoft.com/office/drawing/2010/main" xmlns="">
+              <a14:hiddenFill xmlns="" xmlns:a14="http://schemas.microsoft.com/office/drawing/2010/main">
                 <a:noFill/>
               </a14:hiddenFill>
             </a:ext>
             <a:ext uri="{AF507438-7753-43e0-B8FC-AC1667EBCBE1}">
-              <a14:hiddenEffects xmlns:a14="http://schemas.microsoft.com/office/drawing/2010/main" xmlns="">
+              <a14:hiddenEffects xmlns="" xmlns:a14="http://schemas.microsoft.com/office/drawing/2010/main">
                 <a:effectLst>
                   <a:outerShdw blurRad="63500" dist="38099" dir="2700000" algn="ctr" rotWithShape="0">
                     <a:schemeClr val="bg2">
@@ -1265,7 +1265,7 @@
             <a:effectLst/>
             <a:extLst>
               <a:ext uri="{91240B29-F687-4f45-9708-019B960494DF}">
-                <a14:hiddenLine xmlns:a14="http://schemas.microsoft.com/office/drawing/2010/main" xmlns="" w="9525">
+                <a14:hiddenLine xmlns="" xmlns:a14="http://schemas.microsoft.com/office/drawing/2010/main" w="9525">
                   <a:solidFill>
                     <a:schemeClr val="tx1"/>
                   </a:solidFill>
@@ -1275,7 +1275,7 @@
                 </a14:hiddenLine>
               </a:ext>
               <a:ext uri="{AF507438-7753-43e0-B8FC-AC1667EBCBE1}">
-                <a14:hiddenEffects xmlns:a14="http://schemas.microsoft.com/office/drawing/2010/main" xmlns="">
+                <a14:hiddenEffects xmlns="" xmlns:a14="http://schemas.microsoft.com/office/drawing/2010/main">
                   <a:effectLst>
                     <a:outerShdw blurRad="63500" dist="38099" dir="2700000" algn="ctr" rotWithShape="0">
                       <a:schemeClr val="bg2">
@@ -1325,7 +1325,7 @@
             <a:effectLst/>
             <a:extLst>
               <a:ext uri="{91240B29-F687-4f45-9708-019B960494DF}">
-                <a14:hiddenLine xmlns:a14="http://schemas.microsoft.com/office/drawing/2010/main" xmlns="" w="9525">
+                <a14:hiddenLine xmlns="" xmlns:a14="http://schemas.microsoft.com/office/drawing/2010/main" w="9525">
                   <a:solidFill>
                     <a:schemeClr val="tx1"/>
                   </a:solidFill>
@@ -1335,7 +1335,7 @@
                 </a14:hiddenLine>
               </a:ext>
               <a:ext uri="{AF507438-7753-43e0-B8FC-AC1667EBCBE1}">
-                <a14:hiddenEffects xmlns:a14="http://schemas.microsoft.com/office/drawing/2010/main" xmlns="">
+                <a14:hiddenEffects xmlns="" xmlns:a14="http://schemas.microsoft.com/office/drawing/2010/main">
                   <a:effectLst>
                     <a:outerShdw blurRad="63500" dist="38099" dir="2700000" algn="ctr" rotWithShape="0">
                       <a:schemeClr val="bg2">
@@ -1385,7 +1385,7 @@
             <a:effectLst/>
             <a:extLst>
               <a:ext uri="{91240B29-F687-4f45-9708-019B960494DF}">
-                <a14:hiddenLine xmlns:a14="http://schemas.microsoft.com/office/drawing/2010/main" xmlns="" w="9525">
+                <a14:hiddenLine xmlns="" xmlns:a14="http://schemas.microsoft.com/office/drawing/2010/main" w="9525">
                   <a:solidFill>
                     <a:schemeClr val="tx1"/>
                   </a:solidFill>
@@ -1395,7 +1395,7 @@
                 </a14:hiddenLine>
               </a:ext>
               <a:ext uri="{AF507438-7753-43e0-B8FC-AC1667EBCBE1}">
-                <a14:hiddenEffects xmlns:a14="http://schemas.microsoft.com/office/drawing/2010/main" xmlns="">
+                <a14:hiddenEffects xmlns="" xmlns:a14="http://schemas.microsoft.com/office/drawing/2010/main">
                   <a:effectLst>
                     <a:outerShdw blurRad="63500" dist="38099" dir="2700000" algn="ctr" rotWithShape="0">
                       <a:schemeClr val="bg2">
@@ -1445,7 +1445,7 @@
             <a:effectLst/>
             <a:extLst>
               <a:ext uri="{91240B29-F687-4f45-9708-019B960494DF}">
-                <a14:hiddenLine xmlns:a14="http://schemas.microsoft.com/office/drawing/2010/main" xmlns="" w="9525">
+                <a14:hiddenLine xmlns="" xmlns:a14="http://schemas.microsoft.com/office/drawing/2010/main" w="9525">
                   <a:solidFill>
                     <a:schemeClr val="tx1"/>
                   </a:solidFill>
@@ -1455,7 +1455,7 @@
                 </a14:hiddenLine>
               </a:ext>
               <a:ext uri="{AF507438-7753-43e0-B8FC-AC1667EBCBE1}">
-                <a14:hiddenEffects xmlns:a14="http://schemas.microsoft.com/office/drawing/2010/main" xmlns="">
+                <a14:hiddenEffects xmlns="" xmlns:a14="http://schemas.microsoft.com/office/drawing/2010/main">
                   <a:effectLst>
                     <a:outerShdw blurRad="63500" dist="38099" dir="2700000" algn="ctr" rotWithShape="0">
                       <a:schemeClr val="bg2">
@@ -1505,7 +1505,7 @@
             <a:effectLst/>
             <a:extLst>
               <a:ext uri="{91240B29-F687-4f45-9708-019B960494DF}">
-                <a14:hiddenLine xmlns:a14="http://schemas.microsoft.com/office/drawing/2010/main" xmlns="" w="9525">
+                <a14:hiddenLine xmlns="" xmlns:a14="http://schemas.microsoft.com/office/drawing/2010/main" w="9525">
                   <a:solidFill>
                     <a:schemeClr val="tx1"/>
                   </a:solidFill>
@@ -1515,7 +1515,7 @@
                 </a14:hiddenLine>
               </a:ext>
               <a:ext uri="{AF507438-7753-43e0-B8FC-AC1667EBCBE1}">
-                <a14:hiddenEffects xmlns:a14="http://schemas.microsoft.com/office/drawing/2010/main" xmlns="">
+                <a14:hiddenEffects xmlns="" xmlns:a14="http://schemas.microsoft.com/office/drawing/2010/main">
                   <a:effectLst>
                     <a:outerShdw blurRad="63500" dist="38099" dir="2700000" algn="ctr" rotWithShape="0">
                       <a:schemeClr val="bg2">
@@ -1565,7 +1565,7 @@
             <a:effectLst/>
             <a:extLst>
               <a:ext uri="{91240B29-F687-4f45-9708-019B960494DF}">
-                <a14:hiddenLine xmlns:a14="http://schemas.microsoft.com/office/drawing/2010/main" xmlns="" w="9525">
+                <a14:hiddenLine xmlns="" xmlns:a14="http://schemas.microsoft.com/office/drawing/2010/main" w="9525">
                   <a:solidFill>
                     <a:schemeClr val="tx1"/>
                   </a:solidFill>
@@ -1575,7 +1575,7 @@
                 </a14:hiddenLine>
               </a:ext>
               <a:ext uri="{AF507438-7753-43e0-B8FC-AC1667EBCBE1}">
-                <a14:hiddenEffects xmlns:a14="http://schemas.microsoft.com/office/drawing/2010/main" xmlns="">
+                <a14:hiddenEffects xmlns="" xmlns:a14="http://schemas.microsoft.com/office/drawing/2010/main">
                   <a:effectLst>
                     <a:outerShdw blurRad="63500" dist="38099" dir="2700000" algn="ctr" rotWithShape="0">
                       <a:schemeClr val="bg2">
@@ -1625,7 +1625,7 @@
             <a:effectLst/>
             <a:extLst>
               <a:ext uri="{91240B29-F687-4f45-9708-019B960494DF}">
-                <a14:hiddenLine xmlns:a14="http://schemas.microsoft.com/office/drawing/2010/main" xmlns="" w="9525">
+                <a14:hiddenLine xmlns="" xmlns:a14="http://schemas.microsoft.com/office/drawing/2010/main" w="9525">
                   <a:solidFill>
                     <a:schemeClr val="tx1"/>
                   </a:solidFill>
@@ -1635,7 +1635,7 @@
                 </a14:hiddenLine>
               </a:ext>
               <a:ext uri="{AF507438-7753-43e0-B8FC-AC1667EBCBE1}">
-                <a14:hiddenEffects xmlns:a14="http://schemas.microsoft.com/office/drawing/2010/main" xmlns="">
+                <a14:hiddenEffects xmlns="" xmlns:a14="http://schemas.microsoft.com/office/drawing/2010/main">
                   <a:effectLst>
                     <a:outerShdw blurRad="63500" dist="38099" dir="2700000" algn="ctr" rotWithShape="0">
                       <a:schemeClr val="bg2">
@@ -1685,7 +1685,7 @@
             <a:effectLst/>
             <a:extLst>
               <a:ext uri="{91240B29-F687-4f45-9708-019B960494DF}">
-                <a14:hiddenLine xmlns:a14="http://schemas.microsoft.com/office/drawing/2010/main" xmlns="" w="9525">
+                <a14:hiddenLine xmlns="" xmlns:a14="http://schemas.microsoft.com/office/drawing/2010/main" w="9525">
                   <a:solidFill>
                     <a:schemeClr val="tx1"/>
                   </a:solidFill>
@@ -1695,7 +1695,7 @@
                 </a14:hiddenLine>
               </a:ext>
               <a:ext uri="{AF507438-7753-43e0-B8FC-AC1667EBCBE1}">
-                <a14:hiddenEffects xmlns:a14="http://schemas.microsoft.com/office/drawing/2010/main" xmlns="">
+                <a14:hiddenEffects xmlns="" xmlns:a14="http://schemas.microsoft.com/office/drawing/2010/main">
                   <a:effectLst>
                     <a:outerShdw blurRad="63500" dist="38099" dir="2700000" algn="ctr" rotWithShape="0">
                       <a:schemeClr val="bg2">
@@ -1745,7 +1745,7 @@
             <a:effectLst/>
             <a:extLst>
               <a:ext uri="{91240B29-F687-4f45-9708-019B960494DF}">
-                <a14:hiddenLine xmlns:a14="http://schemas.microsoft.com/office/drawing/2010/main" xmlns="" w="9525">
+                <a14:hiddenLine xmlns="" xmlns:a14="http://schemas.microsoft.com/office/drawing/2010/main" w="9525">
                   <a:solidFill>
                     <a:schemeClr val="tx1"/>
                   </a:solidFill>
@@ -1755,7 +1755,7 @@
                 </a14:hiddenLine>
               </a:ext>
               <a:ext uri="{AF507438-7753-43e0-B8FC-AC1667EBCBE1}">
-                <a14:hiddenEffects xmlns:a14="http://schemas.microsoft.com/office/drawing/2010/main" xmlns="">
+                <a14:hiddenEffects xmlns="" xmlns:a14="http://schemas.microsoft.com/office/drawing/2010/main">
                   <a:effectLst>
                     <a:outerShdw blurRad="63500" dist="38099" dir="2700000" algn="ctr" rotWithShape="0">
                       <a:schemeClr val="bg2">
@@ -1805,7 +1805,7 @@
             <a:effectLst/>
             <a:extLst>
               <a:ext uri="{91240B29-F687-4f45-9708-019B960494DF}">
-                <a14:hiddenLine xmlns:a14="http://schemas.microsoft.com/office/drawing/2010/main" xmlns="" w="9525">
+                <a14:hiddenLine xmlns="" xmlns:a14="http://schemas.microsoft.com/office/drawing/2010/main" w="9525">
                   <a:solidFill>
                     <a:schemeClr val="tx1"/>
                   </a:solidFill>
@@ -1815,7 +1815,7 @@
                 </a14:hiddenLine>
               </a:ext>
               <a:ext uri="{AF507438-7753-43e0-B8FC-AC1667EBCBE1}">
-                <a14:hiddenEffects xmlns:a14="http://schemas.microsoft.com/office/drawing/2010/main" xmlns="">
+                <a14:hiddenEffects xmlns="" xmlns:a14="http://schemas.microsoft.com/office/drawing/2010/main">
                   <a:effectLst>
                     <a:outerShdw blurRad="63500" dist="38099" dir="2700000" algn="ctr" rotWithShape="0">
                       <a:schemeClr val="bg2">
@@ -1865,7 +1865,7 @@
             <a:effectLst/>
             <a:extLst>
               <a:ext uri="{91240B29-F687-4f45-9708-019B960494DF}">
-                <a14:hiddenLine xmlns:a14="http://schemas.microsoft.com/office/drawing/2010/main" xmlns="" w="9525">
+                <a14:hiddenLine xmlns="" xmlns:a14="http://schemas.microsoft.com/office/drawing/2010/main" w="9525">
                   <a:solidFill>
                     <a:schemeClr val="tx1"/>
                   </a:solidFill>
@@ -1875,7 +1875,7 @@
                 </a14:hiddenLine>
               </a:ext>
               <a:ext uri="{AF507438-7753-43e0-B8FC-AC1667EBCBE1}">
-                <a14:hiddenEffects xmlns:a14="http://schemas.microsoft.com/office/drawing/2010/main" xmlns="">
+                <a14:hiddenEffects xmlns="" xmlns:a14="http://schemas.microsoft.com/office/drawing/2010/main">
                   <a:effectLst>
                     <a:outerShdw blurRad="63500" dist="38099" dir="2700000" algn="ctr" rotWithShape="0">
                       <a:schemeClr val="bg2">
@@ -1925,7 +1925,7 @@
             <a:effectLst/>
             <a:extLst>
               <a:ext uri="{91240B29-F687-4f45-9708-019B960494DF}">
-                <a14:hiddenLine xmlns:a14="http://schemas.microsoft.com/office/drawing/2010/main" xmlns="" w="9525">
+                <a14:hiddenLine xmlns="" xmlns:a14="http://schemas.microsoft.com/office/drawing/2010/main" w="9525">
                   <a:solidFill>
                     <a:schemeClr val="tx1"/>
                   </a:solidFill>
@@ -1935,7 +1935,7 @@
                 </a14:hiddenLine>
               </a:ext>
               <a:ext uri="{AF507438-7753-43e0-B8FC-AC1667EBCBE1}">
-                <a14:hiddenEffects xmlns:a14="http://schemas.microsoft.com/office/drawing/2010/main" xmlns="">
+                <a14:hiddenEffects xmlns="" xmlns:a14="http://schemas.microsoft.com/office/drawing/2010/main">
                   <a:effectLst>
                     <a:outerShdw blurRad="63500" dist="38099" dir="2700000" algn="ctr" rotWithShape="0">
                       <a:schemeClr val="bg2">
@@ -1985,7 +1985,7 @@
             <a:effectLst/>
             <a:extLst>
               <a:ext uri="{91240B29-F687-4f45-9708-019B960494DF}">
-                <a14:hiddenLine xmlns:a14="http://schemas.microsoft.com/office/drawing/2010/main" xmlns="" w="9525">
+                <a14:hiddenLine xmlns="" xmlns:a14="http://schemas.microsoft.com/office/drawing/2010/main" w="9525">
                   <a:solidFill>
                     <a:schemeClr val="tx1"/>
                   </a:solidFill>
@@ -1995,7 +1995,7 @@
                 </a14:hiddenLine>
               </a:ext>
               <a:ext uri="{AF507438-7753-43e0-B8FC-AC1667EBCBE1}">
-                <a14:hiddenEffects xmlns:a14="http://schemas.microsoft.com/office/drawing/2010/main" xmlns="">
+                <a14:hiddenEffects xmlns="" xmlns:a14="http://schemas.microsoft.com/office/drawing/2010/main">
                   <a:effectLst>
                     <a:outerShdw blurRad="63500" dist="38099" dir="2700000" algn="ctr" rotWithShape="0">
                       <a:schemeClr val="bg2">
@@ -2045,7 +2045,7 @@
             <a:effectLst/>
             <a:extLst>
               <a:ext uri="{91240B29-F687-4f45-9708-019B960494DF}">
-                <a14:hiddenLine xmlns:a14="http://schemas.microsoft.com/office/drawing/2010/main" xmlns="" w="9525">
+                <a14:hiddenLine xmlns="" xmlns:a14="http://schemas.microsoft.com/office/drawing/2010/main" w="9525">
                   <a:solidFill>
                     <a:schemeClr val="tx1"/>
                   </a:solidFill>
@@ -2055,7 +2055,7 @@
                 </a14:hiddenLine>
               </a:ext>
               <a:ext uri="{AF507438-7753-43e0-B8FC-AC1667EBCBE1}">
-                <a14:hiddenEffects xmlns:a14="http://schemas.microsoft.com/office/drawing/2010/main" xmlns="">
+                <a14:hiddenEffects xmlns="" xmlns:a14="http://schemas.microsoft.com/office/drawing/2010/main">
                   <a:effectLst>
                     <a:outerShdw blurRad="63500" dist="38099" dir="2700000" algn="ctr" rotWithShape="0">
                       <a:schemeClr val="bg2">
@@ -2105,7 +2105,7 @@
             <a:effectLst/>
             <a:extLst>
               <a:ext uri="{91240B29-F687-4f45-9708-019B960494DF}">
-                <a14:hiddenLine xmlns:a14="http://schemas.microsoft.com/office/drawing/2010/main" xmlns="" w="9525">
+                <a14:hiddenLine xmlns="" xmlns:a14="http://schemas.microsoft.com/office/drawing/2010/main" w="9525">
                   <a:solidFill>
                     <a:schemeClr val="tx1"/>
                   </a:solidFill>
@@ -2115,7 +2115,7 @@
                 </a14:hiddenLine>
               </a:ext>
               <a:ext uri="{AF507438-7753-43e0-B8FC-AC1667EBCBE1}">
-                <a14:hiddenEffects xmlns:a14="http://schemas.microsoft.com/office/drawing/2010/main" xmlns="">
+                <a14:hiddenEffects xmlns="" xmlns:a14="http://schemas.microsoft.com/office/drawing/2010/main">
                   <a:effectLst>
                     <a:outerShdw blurRad="63500" dist="38099" dir="2700000" algn="ctr" rotWithShape="0">
                       <a:schemeClr val="bg2">
@@ -2165,7 +2165,7 @@
             <a:effectLst/>
             <a:extLst>
               <a:ext uri="{91240B29-F687-4f45-9708-019B960494DF}">
-                <a14:hiddenLine xmlns:a14="http://schemas.microsoft.com/office/drawing/2010/main" xmlns="" w="9525">
+                <a14:hiddenLine xmlns="" xmlns:a14="http://schemas.microsoft.com/office/drawing/2010/main" w="9525">
                   <a:solidFill>
                     <a:schemeClr val="tx1"/>
                   </a:solidFill>
@@ -2175,7 +2175,7 @@
                 </a14:hiddenLine>
               </a:ext>
               <a:ext uri="{AF507438-7753-43e0-B8FC-AC1667EBCBE1}">
-                <a14:hiddenEffects xmlns:a14="http://schemas.microsoft.com/office/drawing/2010/main" xmlns="">
+                <a14:hiddenEffects xmlns="" xmlns:a14="http://schemas.microsoft.com/office/drawing/2010/main">
                   <a:effectLst>
                     <a:outerShdw blurRad="63500" dist="38099" dir="2700000" algn="ctr" rotWithShape="0">
                       <a:schemeClr val="bg2">
@@ -2225,7 +2225,7 @@
             <a:effectLst/>
             <a:extLst>
               <a:ext uri="{91240B29-F687-4f45-9708-019B960494DF}">
-                <a14:hiddenLine xmlns:a14="http://schemas.microsoft.com/office/drawing/2010/main" xmlns="" w="9525">
+                <a14:hiddenLine xmlns="" xmlns:a14="http://schemas.microsoft.com/office/drawing/2010/main" w="9525">
                   <a:solidFill>
                     <a:schemeClr val="tx1"/>
                   </a:solidFill>
@@ -2235,7 +2235,7 @@
                 </a14:hiddenLine>
               </a:ext>
               <a:ext uri="{AF507438-7753-43e0-B8FC-AC1667EBCBE1}">
-                <a14:hiddenEffects xmlns:a14="http://schemas.microsoft.com/office/drawing/2010/main" xmlns="">
+                <a14:hiddenEffects xmlns="" xmlns:a14="http://schemas.microsoft.com/office/drawing/2010/main">
                   <a:effectLst>
                     <a:outerShdw blurRad="63500" dist="38099" dir="2700000" algn="ctr" rotWithShape="0">
                       <a:schemeClr val="bg2">
@@ -2285,7 +2285,7 @@
             <a:effectLst/>
             <a:extLst>
               <a:ext uri="{91240B29-F687-4f45-9708-019B960494DF}">
-                <a14:hiddenLine xmlns:a14="http://schemas.microsoft.com/office/drawing/2010/main" xmlns="" w="9525">
+                <a14:hiddenLine xmlns="" xmlns:a14="http://schemas.microsoft.com/office/drawing/2010/main" w="9525">
                   <a:solidFill>
                     <a:schemeClr val="tx1"/>
                   </a:solidFill>
@@ -2295,7 +2295,7 @@
                 </a14:hiddenLine>
               </a:ext>
               <a:ext uri="{AF507438-7753-43e0-B8FC-AC1667EBCBE1}">
-                <a14:hiddenEffects xmlns:a14="http://schemas.microsoft.com/office/drawing/2010/main" xmlns="">
+                <a14:hiddenEffects xmlns="" xmlns:a14="http://schemas.microsoft.com/office/drawing/2010/main">
                   <a:effectLst>
                     <a:outerShdw blurRad="63500" dist="38099" dir="2700000" algn="ctr" rotWithShape="0">
                       <a:schemeClr val="bg2">
@@ -2345,7 +2345,7 @@
             <a:effectLst/>
             <a:extLst>
               <a:ext uri="{91240B29-F687-4f45-9708-019B960494DF}">
-                <a14:hiddenLine xmlns:a14="http://schemas.microsoft.com/office/drawing/2010/main" xmlns="" w="9525">
+                <a14:hiddenLine xmlns="" xmlns:a14="http://schemas.microsoft.com/office/drawing/2010/main" w="9525">
                   <a:solidFill>
                     <a:schemeClr val="tx1"/>
                   </a:solidFill>
@@ -2355,7 +2355,7 @@
                 </a14:hiddenLine>
               </a:ext>
               <a:ext uri="{AF507438-7753-43e0-B8FC-AC1667EBCBE1}">
-                <a14:hiddenEffects xmlns:a14="http://schemas.microsoft.com/office/drawing/2010/main" xmlns="">
+                <a14:hiddenEffects xmlns="" xmlns:a14="http://schemas.microsoft.com/office/drawing/2010/main">
                   <a:effectLst>
                     <a:outerShdw blurRad="63500" dist="38099" dir="2700000" algn="ctr" rotWithShape="0">
                       <a:schemeClr val="bg2">
@@ -2405,7 +2405,7 @@
             <a:effectLst/>
             <a:extLst>
               <a:ext uri="{91240B29-F687-4f45-9708-019B960494DF}">
-                <a14:hiddenLine xmlns:a14="http://schemas.microsoft.com/office/drawing/2010/main" xmlns="" w="9525">
+                <a14:hiddenLine xmlns="" xmlns:a14="http://schemas.microsoft.com/office/drawing/2010/main" w="9525">
                   <a:solidFill>
                     <a:schemeClr val="tx1"/>
                   </a:solidFill>
@@ -2415,7 +2415,7 @@
                 </a14:hiddenLine>
               </a:ext>
               <a:ext uri="{AF507438-7753-43e0-B8FC-AC1667EBCBE1}">
-                <a14:hiddenEffects xmlns:a14="http://schemas.microsoft.com/office/drawing/2010/main" xmlns="">
+                <a14:hiddenEffects xmlns="" xmlns:a14="http://schemas.microsoft.com/office/drawing/2010/main">
                   <a:effectLst>
                     <a:outerShdw blurRad="63500" dist="38099" dir="2700000" algn="ctr" rotWithShape="0">
                       <a:schemeClr val="bg2">
@@ -2465,7 +2465,7 @@
             <a:effectLst/>
             <a:extLst>
               <a:ext uri="{91240B29-F687-4f45-9708-019B960494DF}">
-                <a14:hiddenLine xmlns:a14="http://schemas.microsoft.com/office/drawing/2010/main" xmlns="" w="9525">
+                <a14:hiddenLine xmlns="" xmlns:a14="http://schemas.microsoft.com/office/drawing/2010/main" w="9525">
                   <a:solidFill>
                     <a:schemeClr val="tx1"/>
                   </a:solidFill>
@@ -2475,7 +2475,7 @@
                 </a14:hiddenLine>
               </a:ext>
               <a:ext uri="{AF507438-7753-43e0-B8FC-AC1667EBCBE1}">
-                <a14:hiddenEffects xmlns:a14="http://schemas.microsoft.com/office/drawing/2010/main" xmlns="">
+                <a14:hiddenEffects xmlns="" xmlns:a14="http://schemas.microsoft.com/office/drawing/2010/main">
                   <a:effectLst>
                     <a:outerShdw blurRad="63500" dist="38099" dir="2700000" algn="ctr" rotWithShape="0">
                       <a:schemeClr val="bg2">
@@ -2525,7 +2525,7 @@
             <a:effectLst/>
             <a:extLst>
               <a:ext uri="{91240B29-F687-4f45-9708-019B960494DF}">
-                <a14:hiddenLine xmlns:a14="http://schemas.microsoft.com/office/drawing/2010/main" xmlns="" w="9525">
+                <a14:hiddenLine xmlns="" xmlns:a14="http://schemas.microsoft.com/office/drawing/2010/main" w="9525">
                   <a:solidFill>
                     <a:schemeClr val="tx1"/>
                   </a:solidFill>
@@ -2535,7 +2535,7 @@
                 </a14:hiddenLine>
               </a:ext>
               <a:ext uri="{AF507438-7753-43e0-B8FC-AC1667EBCBE1}">
-                <a14:hiddenEffects xmlns:a14="http://schemas.microsoft.com/office/drawing/2010/main" xmlns="">
+                <a14:hiddenEffects xmlns="" xmlns:a14="http://schemas.microsoft.com/office/drawing/2010/main">
                   <a:effectLst>
                     <a:outerShdw blurRad="63500" dist="38099" dir="2700000" algn="ctr" rotWithShape="0">
                       <a:schemeClr val="bg2">
@@ -2585,7 +2585,7 @@
             <a:effectLst/>
             <a:extLst>
               <a:ext uri="{91240B29-F687-4f45-9708-019B960494DF}">
-                <a14:hiddenLine xmlns:a14="http://schemas.microsoft.com/office/drawing/2010/main" xmlns="" w="9525">
+                <a14:hiddenLine xmlns="" xmlns:a14="http://schemas.microsoft.com/office/drawing/2010/main" w="9525">
                   <a:solidFill>
                     <a:schemeClr val="tx1"/>
                   </a:solidFill>
@@ -2595,7 +2595,7 @@
                 </a14:hiddenLine>
               </a:ext>
               <a:ext uri="{AF507438-7753-43e0-B8FC-AC1667EBCBE1}">
-                <a14:hiddenEffects xmlns:a14="http://schemas.microsoft.com/office/drawing/2010/main" xmlns="">
+                <a14:hiddenEffects xmlns="" xmlns:a14="http://schemas.microsoft.com/office/drawing/2010/main">
                   <a:effectLst>
                     <a:outerShdw blurRad="63500" dist="38099" dir="2700000" algn="ctr" rotWithShape="0">
                       <a:schemeClr val="bg2">
@@ -2645,7 +2645,7 @@
             <a:effectLst/>
             <a:extLst>
               <a:ext uri="{91240B29-F687-4f45-9708-019B960494DF}">
-                <a14:hiddenLine xmlns:a14="http://schemas.microsoft.com/office/drawing/2010/main" xmlns="" w="9525">
+                <a14:hiddenLine xmlns="" xmlns:a14="http://schemas.microsoft.com/office/drawing/2010/main" w="9525">
                   <a:solidFill>
                     <a:schemeClr val="tx1"/>
                   </a:solidFill>
@@ -2655,7 +2655,7 @@
                 </a14:hiddenLine>
               </a:ext>
               <a:ext uri="{AF507438-7753-43e0-B8FC-AC1667EBCBE1}">
-                <a14:hiddenEffects xmlns:a14="http://schemas.microsoft.com/office/drawing/2010/main" xmlns="">
+                <a14:hiddenEffects xmlns="" xmlns:a14="http://schemas.microsoft.com/office/drawing/2010/main">
                   <a:effectLst>
                     <a:outerShdw blurRad="63500" dist="38099" dir="2700000" algn="ctr" rotWithShape="0">
                       <a:schemeClr val="bg2">
@@ -2705,7 +2705,7 @@
             <a:effectLst/>
             <a:extLst>
               <a:ext uri="{91240B29-F687-4f45-9708-019B960494DF}">
-                <a14:hiddenLine xmlns:a14="http://schemas.microsoft.com/office/drawing/2010/main" xmlns="" w="9525">
+                <a14:hiddenLine xmlns="" xmlns:a14="http://schemas.microsoft.com/office/drawing/2010/main" w="9525">
                   <a:solidFill>
                     <a:schemeClr val="tx1"/>
                   </a:solidFill>
@@ -2715,7 +2715,7 @@
                 </a14:hiddenLine>
               </a:ext>
               <a:ext uri="{AF507438-7753-43e0-B8FC-AC1667EBCBE1}">
-                <a14:hiddenEffects xmlns:a14="http://schemas.microsoft.com/office/drawing/2010/main" xmlns="">
+                <a14:hiddenEffects xmlns="" xmlns:a14="http://schemas.microsoft.com/office/drawing/2010/main">
                   <a:effectLst>
                     <a:outerShdw blurRad="63500" dist="38099" dir="2700000" algn="ctr" rotWithShape="0">
                       <a:schemeClr val="bg2">
@@ -2765,7 +2765,7 @@
             <a:effectLst/>
             <a:extLst>
               <a:ext uri="{91240B29-F687-4f45-9708-019B960494DF}">
-                <a14:hiddenLine xmlns:a14="http://schemas.microsoft.com/office/drawing/2010/main" xmlns="" w="9525">
+                <a14:hiddenLine xmlns="" xmlns:a14="http://schemas.microsoft.com/office/drawing/2010/main" w="9525">
                   <a:solidFill>
                     <a:schemeClr val="tx1"/>
                   </a:solidFill>
@@ -2775,7 +2775,7 @@
                 </a14:hiddenLine>
               </a:ext>
               <a:ext uri="{AF507438-7753-43e0-B8FC-AC1667EBCBE1}">
-                <a14:hiddenEffects xmlns:a14="http://schemas.microsoft.com/office/drawing/2010/main" xmlns="">
+                <a14:hiddenEffects xmlns="" xmlns:a14="http://schemas.microsoft.com/office/drawing/2010/main">
                   <a:effectLst>
                     <a:outerShdw blurRad="63500" dist="38099" dir="2700000" algn="ctr" rotWithShape="0">
                       <a:schemeClr val="bg2">
@@ -2825,7 +2825,7 @@
             <a:effectLst/>
             <a:extLst>
               <a:ext uri="{91240B29-F687-4f45-9708-019B960494DF}">
-                <a14:hiddenLine xmlns:a14="http://schemas.microsoft.com/office/drawing/2010/main" xmlns="" w="9525">
+                <a14:hiddenLine xmlns="" xmlns:a14="http://schemas.microsoft.com/office/drawing/2010/main" w="9525">
                   <a:solidFill>
                     <a:schemeClr val="tx1"/>
                   </a:solidFill>
@@ -2835,7 +2835,7 @@
                 </a14:hiddenLine>
               </a:ext>
               <a:ext uri="{AF507438-7753-43e0-B8FC-AC1667EBCBE1}">
-                <a14:hiddenEffects xmlns:a14="http://schemas.microsoft.com/office/drawing/2010/main" xmlns="">
+                <a14:hiddenEffects xmlns="" xmlns:a14="http://schemas.microsoft.com/office/drawing/2010/main">
                   <a:effectLst>
                     <a:outerShdw blurRad="63500" dist="38099" dir="2700000" algn="ctr" rotWithShape="0">
                       <a:schemeClr val="bg2">
@@ -2885,7 +2885,7 @@
             <a:effectLst/>
             <a:extLst>
               <a:ext uri="{91240B29-F687-4f45-9708-019B960494DF}">
-                <a14:hiddenLine xmlns:a14="http://schemas.microsoft.com/office/drawing/2010/main" xmlns="" w="9525">
+                <a14:hiddenLine xmlns="" xmlns:a14="http://schemas.microsoft.com/office/drawing/2010/main" w="9525">
                   <a:solidFill>
                     <a:schemeClr val="tx1"/>
                   </a:solidFill>
@@ -2895,7 +2895,7 @@
                 </a14:hiddenLine>
               </a:ext>
               <a:ext uri="{AF507438-7753-43e0-B8FC-AC1667EBCBE1}">
-                <a14:hiddenEffects xmlns:a14="http://schemas.microsoft.com/office/drawing/2010/main" xmlns="">
+                <a14:hiddenEffects xmlns="" xmlns:a14="http://schemas.microsoft.com/office/drawing/2010/main">
                   <a:effectLst>
                     <a:outerShdw blurRad="63500" dist="38099" dir="2700000" algn="ctr" rotWithShape="0">
                       <a:schemeClr val="bg2">
@@ -2945,7 +2945,7 @@
             <a:effectLst/>
             <a:extLst>
               <a:ext uri="{91240B29-F687-4f45-9708-019B960494DF}">
-                <a14:hiddenLine xmlns:a14="http://schemas.microsoft.com/office/drawing/2010/main" xmlns="" w="9525">
+                <a14:hiddenLine xmlns="" xmlns:a14="http://schemas.microsoft.com/office/drawing/2010/main" w="9525">
                   <a:solidFill>
                     <a:schemeClr val="tx1"/>
                   </a:solidFill>
@@ -2955,7 +2955,7 @@
                 </a14:hiddenLine>
               </a:ext>
               <a:ext uri="{AF507438-7753-43e0-B8FC-AC1667EBCBE1}">
-                <a14:hiddenEffects xmlns:a14="http://schemas.microsoft.com/office/drawing/2010/main" xmlns="">
+                <a14:hiddenEffects xmlns="" xmlns:a14="http://schemas.microsoft.com/office/drawing/2010/main">
                   <a:effectLst>
                     <a:outerShdw blurRad="63500" dist="38099" dir="2700000" algn="ctr" rotWithShape="0">
                       <a:schemeClr val="bg2">
@@ -3005,7 +3005,7 @@
             <a:effectLst/>
             <a:extLst>
               <a:ext uri="{91240B29-F687-4f45-9708-019B960494DF}">
-                <a14:hiddenLine xmlns:a14="http://schemas.microsoft.com/office/drawing/2010/main" xmlns="" w="9525">
+                <a14:hiddenLine xmlns="" xmlns:a14="http://schemas.microsoft.com/office/drawing/2010/main" w="9525">
                   <a:solidFill>
                     <a:schemeClr val="tx1"/>
                   </a:solidFill>
@@ -3015,7 +3015,7 @@
                 </a14:hiddenLine>
               </a:ext>
               <a:ext uri="{AF507438-7753-43e0-B8FC-AC1667EBCBE1}">
-                <a14:hiddenEffects xmlns:a14="http://schemas.microsoft.com/office/drawing/2010/main" xmlns="">
+                <a14:hiddenEffects xmlns="" xmlns:a14="http://schemas.microsoft.com/office/drawing/2010/main">
                   <a:effectLst>
                     <a:outerShdw blurRad="63500" dist="38099" dir="2700000" algn="ctr" rotWithShape="0">
                       <a:schemeClr val="bg2">
@@ -3065,7 +3065,7 @@
             <a:effectLst/>
             <a:extLst>
               <a:ext uri="{91240B29-F687-4f45-9708-019B960494DF}">
-                <a14:hiddenLine xmlns:a14="http://schemas.microsoft.com/office/drawing/2010/main" xmlns="" w="9525">
+                <a14:hiddenLine xmlns="" xmlns:a14="http://schemas.microsoft.com/office/drawing/2010/main" w="9525">
                   <a:solidFill>
                     <a:schemeClr val="tx1"/>
                   </a:solidFill>
@@ -3075,7 +3075,7 @@
                 </a14:hiddenLine>
               </a:ext>
               <a:ext uri="{AF507438-7753-43e0-B8FC-AC1667EBCBE1}">
-                <a14:hiddenEffects xmlns:a14="http://schemas.microsoft.com/office/drawing/2010/main" xmlns="">
+                <a14:hiddenEffects xmlns="" xmlns:a14="http://schemas.microsoft.com/office/drawing/2010/main">
                   <a:effectLst>
                     <a:outerShdw blurRad="63500" dist="38099" dir="2700000" algn="ctr" rotWithShape="0">
                       <a:schemeClr val="bg2">
@@ -3129,12 +3129,12 @@
           <a:effectLst/>
           <a:extLst>
             <a:ext uri="{909E8E84-426E-40dd-AFC4-6F175D3DCCD1}">
-              <a14:hiddenFill xmlns:a14="http://schemas.microsoft.com/office/drawing/2010/main" xmlns="">
+              <a14:hiddenFill xmlns="" xmlns:a14="http://schemas.microsoft.com/office/drawing/2010/main">
                 <a:noFill/>
               </a14:hiddenFill>
             </a:ext>
             <a:ext uri="{AF507438-7753-43e0-B8FC-AC1667EBCBE1}">
-              <a14:hiddenEffects xmlns:a14="http://schemas.microsoft.com/office/drawing/2010/main" xmlns="">
+              <a14:hiddenEffects xmlns="" xmlns:a14="http://schemas.microsoft.com/office/drawing/2010/main">
                 <a:effectLst>
                   <a:outerShdw blurRad="63500" dist="38099" dir="2700000" algn="ctr" rotWithShape="0">
                     <a:schemeClr val="bg2">
@@ -5790,12 +5790,12 @@
           <a:effectLst/>
           <a:extLst>
             <a:ext uri="{909E8E84-426E-40dd-AFC4-6F175D3DCCD1}">
-              <a14:hiddenFill xmlns:a14="http://schemas.microsoft.com/office/drawing/2010/main" xmlns="">
+              <a14:hiddenFill xmlns="" xmlns:a14="http://schemas.microsoft.com/office/drawing/2010/main">
                 <a:noFill/>
               </a14:hiddenFill>
             </a:ext>
             <a:ext uri="{AF507438-7753-43e0-B8FC-AC1667EBCBE1}">
-              <a14:hiddenEffects xmlns:a14="http://schemas.microsoft.com/office/drawing/2010/main" xmlns="">
+              <a14:hiddenEffects xmlns="" xmlns:a14="http://schemas.microsoft.com/office/drawing/2010/main">
                 <a:effectLst>
                   <a:outerShdw blurRad="63500" dist="38099" dir="2700000" algn="ctr" rotWithShape="0">
                     <a:schemeClr val="bg2">
@@ -5845,14 +5845,14 @@
           <a:effectLst/>
           <a:extLst>
             <a:ext uri="{909E8E84-426E-40dd-AFC4-6F175D3DCCD1}">
-              <a14:hiddenFill xmlns:a14="http://schemas.microsoft.com/office/drawing/2010/main" xmlns="">
+              <a14:hiddenFill xmlns="" xmlns:a14="http://schemas.microsoft.com/office/drawing/2010/main">
                 <a:solidFill>
                   <a:schemeClr val="accent1"/>
                 </a:solidFill>
               </a14:hiddenFill>
             </a:ext>
             <a:ext uri="{91240B29-F687-4f45-9708-019B960494DF}">
-              <a14:hiddenLine xmlns:a14="http://schemas.microsoft.com/office/drawing/2010/main" xmlns="" w="9525">
+              <a14:hiddenLine xmlns="" xmlns:a14="http://schemas.microsoft.com/office/drawing/2010/main" w="9525">
                 <a:solidFill>
                   <a:schemeClr val="tx1"/>
                 </a:solidFill>
@@ -5862,7 +5862,7 @@
               </a14:hiddenLine>
             </a:ext>
             <a:ext uri="{AF507438-7753-43e0-B8FC-AC1667EBCBE1}">
-              <a14:hiddenEffects xmlns:a14="http://schemas.microsoft.com/office/drawing/2010/main" xmlns="">
+              <a14:hiddenEffects xmlns="" xmlns:a14="http://schemas.microsoft.com/office/drawing/2010/main">
                 <a:effectLst>
                   <a:outerShdw blurRad="63500" dist="38099" dir="2700000" algn="ctr" rotWithShape="0">
                     <a:schemeClr val="bg2">
@@ -5873,7 +5873,7 @@
               </a14:hiddenEffects>
             </a:ext>
             <a:ext uri="{FAA26D3D-D897-4be2-8F04-BA451C77F1D7}">
-              <ma14:placeholderFlag xmlns:ma14="http://schemas.microsoft.com/office/mac/drawingml/2011/main" xmlns="" val="1"/>
+              <ma14:placeholderFlag xmlns="" xmlns:ma14="http://schemas.microsoft.com/office/mac/drawingml/2011/main" val="1"/>
             </a:ext>
           </a:extLst>
         </p:spPr>
@@ -5918,14 +5918,14 @@
           <a:effectLst/>
           <a:extLst>
             <a:ext uri="{909E8E84-426E-40dd-AFC4-6F175D3DCCD1}">
-              <a14:hiddenFill xmlns:a14="http://schemas.microsoft.com/office/drawing/2010/main" xmlns="">
+              <a14:hiddenFill xmlns="" xmlns:a14="http://schemas.microsoft.com/office/drawing/2010/main">
                 <a:solidFill>
                   <a:schemeClr val="accent1"/>
                 </a:solidFill>
               </a14:hiddenFill>
             </a:ext>
             <a:ext uri="{91240B29-F687-4f45-9708-019B960494DF}">
-              <a14:hiddenLine xmlns:a14="http://schemas.microsoft.com/office/drawing/2010/main" xmlns="" w="9525">
+              <a14:hiddenLine xmlns="" xmlns:a14="http://schemas.microsoft.com/office/drawing/2010/main" w="9525">
                 <a:solidFill>
                   <a:schemeClr val="tx1"/>
                 </a:solidFill>
@@ -5935,7 +5935,7 @@
               </a14:hiddenLine>
             </a:ext>
             <a:ext uri="{AF507438-7753-43e0-B8FC-AC1667EBCBE1}">
-              <a14:hiddenEffects xmlns:a14="http://schemas.microsoft.com/office/drawing/2010/main" xmlns="">
+              <a14:hiddenEffects xmlns="" xmlns:a14="http://schemas.microsoft.com/office/drawing/2010/main">
                 <a:effectLst>
                   <a:outerShdw blurRad="63500" dist="38099" dir="2700000" algn="ctr" rotWithShape="0">
                     <a:schemeClr val="bg2">
@@ -5946,7 +5946,7 @@
               </a14:hiddenEffects>
             </a:ext>
             <a:ext uri="{FAA26D3D-D897-4be2-8F04-BA451C77F1D7}">
-              <ma14:placeholderFlag xmlns:ma14="http://schemas.microsoft.com/office/mac/drawingml/2011/main" xmlns="" val="1"/>
+              <ma14:placeholderFlag xmlns="" xmlns:ma14="http://schemas.microsoft.com/office/mac/drawingml/2011/main" val="1"/>
             </a:ext>
           </a:extLst>
         </p:spPr>
@@ -6019,14 +6019,14 @@
           <a:effectLst/>
           <a:extLst>
             <a:ext uri="{909E8E84-426E-40dd-AFC4-6F175D3DCCD1}">
-              <a14:hiddenFill xmlns:a14="http://schemas.microsoft.com/office/drawing/2010/main" xmlns="">
+              <a14:hiddenFill xmlns="" xmlns:a14="http://schemas.microsoft.com/office/drawing/2010/main">
                 <a:solidFill>
                   <a:schemeClr val="accent1"/>
                 </a:solidFill>
               </a14:hiddenFill>
             </a:ext>
             <a:ext uri="{91240B29-F687-4f45-9708-019B960494DF}">
-              <a14:hiddenLine xmlns:a14="http://schemas.microsoft.com/office/drawing/2010/main" xmlns="" w="9525">
+              <a14:hiddenLine xmlns="" xmlns:a14="http://schemas.microsoft.com/office/drawing/2010/main" w="9525">
                 <a:solidFill>
                   <a:schemeClr val="tx1"/>
                 </a:solidFill>
@@ -6036,7 +6036,7 @@
               </a14:hiddenLine>
             </a:ext>
             <a:ext uri="{AF507438-7753-43e0-B8FC-AC1667EBCBE1}">
-              <a14:hiddenEffects xmlns:a14="http://schemas.microsoft.com/office/drawing/2010/main" xmlns="">
+              <a14:hiddenEffects xmlns="" xmlns:a14="http://schemas.microsoft.com/office/drawing/2010/main">
                 <a:effectLst>
                   <a:outerShdw blurRad="63500" dist="38099" dir="2700000" algn="ctr" rotWithShape="0">
                     <a:schemeClr val="bg2">
@@ -6047,7 +6047,7 @@
               </a14:hiddenEffects>
             </a:ext>
             <a:ext uri="{FAA26D3D-D897-4be2-8F04-BA451C77F1D7}">
-              <ma14:placeholderFlag xmlns:ma14="http://schemas.microsoft.com/office/mac/drawingml/2011/main" xmlns="" val="1"/>
+              <ma14:placeholderFlag xmlns="" xmlns:ma14="http://schemas.microsoft.com/office/mac/drawingml/2011/main" val="1"/>
             </a:ext>
           </a:extLst>
         </p:spPr>
@@ -6097,14 +6097,14 @@
           <a:effectLst/>
           <a:extLst>
             <a:ext uri="{909E8E84-426E-40dd-AFC4-6F175D3DCCD1}">
-              <a14:hiddenFill xmlns:a14="http://schemas.microsoft.com/office/drawing/2010/main" xmlns="">
+              <a14:hiddenFill xmlns="" xmlns:a14="http://schemas.microsoft.com/office/drawing/2010/main">
                 <a:solidFill>
                   <a:schemeClr val="accent1"/>
                 </a:solidFill>
               </a14:hiddenFill>
             </a:ext>
             <a:ext uri="{91240B29-F687-4f45-9708-019B960494DF}">
-              <a14:hiddenLine xmlns:a14="http://schemas.microsoft.com/office/drawing/2010/main" xmlns="" w="9525">
+              <a14:hiddenLine xmlns="" xmlns:a14="http://schemas.microsoft.com/office/drawing/2010/main" w="9525">
                 <a:solidFill>
                   <a:schemeClr val="tx1"/>
                 </a:solidFill>
@@ -6114,7 +6114,7 @@
               </a14:hiddenLine>
             </a:ext>
             <a:ext uri="{AF507438-7753-43e0-B8FC-AC1667EBCBE1}">
-              <a14:hiddenEffects xmlns:a14="http://schemas.microsoft.com/office/drawing/2010/main" xmlns="">
+              <a14:hiddenEffects xmlns="" xmlns:a14="http://schemas.microsoft.com/office/drawing/2010/main">
                 <a:effectLst>
                   <a:outerShdw blurRad="63500" dist="38099" dir="2700000" algn="ctr" rotWithShape="0">
                     <a:schemeClr val="bg2">
@@ -6125,7 +6125,7 @@
               </a14:hiddenEffects>
             </a:ext>
             <a:ext uri="{FAA26D3D-D897-4be2-8F04-BA451C77F1D7}">
-              <ma14:placeholderFlag xmlns:ma14="http://schemas.microsoft.com/office/mac/drawingml/2011/main" xmlns="" val="1"/>
+              <ma14:placeholderFlag xmlns="" xmlns:ma14="http://schemas.microsoft.com/office/mac/drawingml/2011/main" val="1"/>
             </a:ext>
           </a:extLst>
         </p:spPr>
@@ -6175,14 +6175,14 @@
           <a:effectLst/>
           <a:extLst>
             <a:ext uri="{909E8E84-426E-40dd-AFC4-6F175D3DCCD1}">
-              <a14:hiddenFill xmlns:a14="http://schemas.microsoft.com/office/drawing/2010/main" xmlns="">
+              <a14:hiddenFill xmlns="" xmlns:a14="http://schemas.microsoft.com/office/drawing/2010/main">
                 <a:solidFill>
                   <a:schemeClr val="accent1"/>
                 </a:solidFill>
               </a14:hiddenFill>
             </a:ext>
             <a:ext uri="{91240B29-F687-4f45-9708-019B960494DF}">
-              <a14:hiddenLine xmlns:a14="http://schemas.microsoft.com/office/drawing/2010/main" xmlns="" w="9525">
+              <a14:hiddenLine xmlns="" xmlns:a14="http://schemas.microsoft.com/office/drawing/2010/main" w="9525">
                 <a:solidFill>
                   <a:schemeClr val="tx1"/>
                 </a:solidFill>
@@ -6192,7 +6192,7 @@
               </a14:hiddenLine>
             </a:ext>
             <a:ext uri="{AF507438-7753-43e0-B8FC-AC1667EBCBE1}">
-              <a14:hiddenEffects xmlns:a14="http://schemas.microsoft.com/office/drawing/2010/main" xmlns="">
+              <a14:hiddenEffects xmlns="" xmlns:a14="http://schemas.microsoft.com/office/drawing/2010/main">
                 <a:effectLst>
                   <a:outerShdw blurRad="63500" dist="38099" dir="2700000" algn="ctr" rotWithShape="0">
                     <a:schemeClr val="bg2">
@@ -6203,7 +6203,7 @@
               </a14:hiddenEffects>
             </a:ext>
             <a:ext uri="{FAA26D3D-D897-4be2-8F04-BA451C77F1D7}">
-              <ma14:placeholderFlag xmlns:ma14="http://schemas.microsoft.com/office/mac/drawingml/2011/main" xmlns="" val="1"/>
+              <ma14:placeholderFlag xmlns="" xmlns:ma14="http://schemas.microsoft.com/office/mac/drawingml/2011/main" val="1"/>
             </a:ext>
           </a:extLst>
         </p:spPr>
@@ -6276,7 +6276,7 @@
             <a:effectLst/>
             <a:extLst>
               <a:ext uri="{91240B29-F687-4f45-9708-019B960494DF}">
-                <a14:hiddenLine xmlns:a14="http://schemas.microsoft.com/office/drawing/2010/main" xmlns="" w="9525">
+                <a14:hiddenLine xmlns="" xmlns:a14="http://schemas.microsoft.com/office/drawing/2010/main" w="9525">
                   <a:solidFill>
                     <a:schemeClr val="tx1"/>
                   </a:solidFill>
@@ -6286,7 +6286,7 @@
                 </a14:hiddenLine>
               </a:ext>
               <a:ext uri="{AF507438-7753-43e0-B8FC-AC1667EBCBE1}">
-                <a14:hiddenEffects xmlns:a14="http://schemas.microsoft.com/office/drawing/2010/main" xmlns="">
+                <a14:hiddenEffects xmlns="" xmlns:a14="http://schemas.microsoft.com/office/drawing/2010/main">
                   <a:effectLst>
                     <a:outerShdw blurRad="63500" dist="38099" dir="2700000" algn="ctr" rotWithShape="0">
                       <a:schemeClr val="bg2">
@@ -6336,7 +6336,7 @@
             <a:effectLst/>
             <a:extLst>
               <a:ext uri="{91240B29-F687-4f45-9708-019B960494DF}">
-                <a14:hiddenLine xmlns:a14="http://schemas.microsoft.com/office/drawing/2010/main" xmlns="" w="9525">
+                <a14:hiddenLine xmlns="" xmlns:a14="http://schemas.microsoft.com/office/drawing/2010/main" w="9525">
                   <a:solidFill>
                     <a:schemeClr val="tx1"/>
                   </a:solidFill>
@@ -6346,7 +6346,7 @@
                 </a14:hiddenLine>
               </a:ext>
               <a:ext uri="{AF507438-7753-43e0-B8FC-AC1667EBCBE1}">
-                <a14:hiddenEffects xmlns:a14="http://schemas.microsoft.com/office/drawing/2010/main" xmlns="">
+                <a14:hiddenEffects xmlns="" xmlns:a14="http://schemas.microsoft.com/office/drawing/2010/main">
                   <a:effectLst>
                     <a:outerShdw blurRad="63500" dist="38099" dir="2700000" algn="ctr" rotWithShape="0">
                       <a:schemeClr val="bg2">
@@ -6396,7 +6396,7 @@
             <a:effectLst/>
             <a:extLst>
               <a:ext uri="{91240B29-F687-4f45-9708-019B960494DF}">
-                <a14:hiddenLine xmlns:a14="http://schemas.microsoft.com/office/drawing/2010/main" xmlns="" w="9525">
+                <a14:hiddenLine xmlns="" xmlns:a14="http://schemas.microsoft.com/office/drawing/2010/main" w="9525">
                   <a:solidFill>
                     <a:schemeClr val="tx1"/>
                   </a:solidFill>
@@ -6406,7 +6406,7 @@
                 </a14:hiddenLine>
               </a:ext>
               <a:ext uri="{AF507438-7753-43e0-B8FC-AC1667EBCBE1}">
-                <a14:hiddenEffects xmlns:a14="http://schemas.microsoft.com/office/drawing/2010/main" xmlns="">
+                <a14:hiddenEffects xmlns="" xmlns:a14="http://schemas.microsoft.com/office/drawing/2010/main">
                   <a:effectLst>
                     <a:outerShdw blurRad="63500" dist="38099" dir="2700000" algn="ctr" rotWithShape="0">
                       <a:schemeClr val="bg2">
@@ -6456,7 +6456,7 @@
             <a:effectLst/>
             <a:extLst>
               <a:ext uri="{91240B29-F687-4f45-9708-019B960494DF}">
-                <a14:hiddenLine xmlns:a14="http://schemas.microsoft.com/office/drawing/2010/main" xmlns="" w="9525">
+                <a14:hiddenLine xmlns="" xmlns:a14="http://schemas.microsoft.com/office/drawing/2010/main" w="9525">
                   <a:solidFill>
                     <a:schemeClr val="tx1"/>
                   </a:solidFill>
@@ -6466,7 +6466,7 @@
                 </a14:hiddenLine>
               </a:ext>
               <a:ext uri="{AF507438-7753-43e0-B8FC-AC1667EBCBE1}">
-                <a14:hiddenEffects xmlns:a14="http://schemas.microsoft.com/office/drawing/2010/main" xmlns="">
+                <a14:hiddenEffects xmlns="" xmlns:a14="http://schemas.microsoft.com/office/drawing/2010/main">
                   <a:effectLst>
                     <a:outerShdw blurRad="63500" dist="38099" dir="2700000" algn="ctr" rotWithShape="0">
                       <a:schemeClr val="bg2">
@@ -6516,7 +6516,7 @@
             <a:effectLst/>
             <a:extLst>
               <a:ext uri="{91240B29-F687-4f45-9708-019B960494DF}">
-                <a14:hiddenLine xmlns:a14="http://schemas.microsoft.com/office/drawing/2010/main" xmlns="" w="9525">
+                <a14:hiddenLine xmlns="" xmlns:a14="http://schemas.microsoft.com/office/drawing/2010/main" w="9525">
                   <a:solidFill>
                     <a:schemeClr val="tx1"/>
                   </a:solidFill>
@@ -6526,7 +6526,7 @@
                 </a14:hiddenLine>
               </a:ext>
               <a:ext uri="{AF507438-7753-43e0-B8FC-AC1667EBCBE1}">
-                <a14:hiddenEffects xmlns:a14="http://schemas.microsoft.com/office/drawing/2010/main" xmlns="">
+                <a14:hiddenEffects xmlns="" xmlns:a14="http://schemas.microsoft.com/office/drawing/2010/main">
                   <a:effectLst>
                     <a:outerShdw blurRad="63500" dist="38099" dir="2700000" algn="ctr" rotWithShape="0">
                       <a:schemeClr val="bg2">
@@ -6576,7 +6576,7 @@
             <a:effectLst/>
             <a:extLst>
               <a:ext uri="{91240B29-F687-4f45-9708-019B960494DF}">
-                <a14:hiddenLine xmlns:a14="http://schemas.microsoft.com/office/drawing/2010/main" xmlns="" w="9525">
+                <a14:hiddenLine xmlns="" xmlns:a14="http://schemas.microsoft.com/office/drawing/2010/main" w="9525">
                   <a:solidFill>
                     <a:schemeClr val="tx1"/>
                   </a:solidFill>
@@ -6586,7 +6586,7 @@
                 </a14:hiddenLine>
               </a:ext>
               <a:ext uri="{AF507438-7753-43e0-B8FC-AC1667EBCBE1}">
-                <a14:hiddenEffects xmlns:a14="http://schemas.microsoft.com/office/drawing/2010/main" xmlns="">
+                <a14:hiddenEffects xmlns="" xmlns:a14="http://schemas.microsoft.com/office/drawing/2010/main">
                   <a:effectLst>
                     <a:outerShdw blurRad="63500" dist="38099" dir="2700000" algn="ctr" rotWithShape="0">
                       <a:schemeClr val="bg2">
@@ -6636,7 +6636,7 @@
             <a:effectLst/>
             <a:extLst>
               <a:ext uri="{91240B29-F687-4f45-9708-019B960494DF}">
-                <a14:hiddenLine xmlns:a14="http://schemas.microsoft.com/office/drawing/2010/main" xmlns="" w="9525">
+                <a14:hiddenLine xmlns="" xmlns:a14="http://schemas.microsoft.com/office/drawing/2010/main" w="9525">
                   <a:solidFill>
                     <a:schemeClr val="tx1"/>
                   </a:solidFill>
@@ -6646,7 +6646,7 @@
                 </a14:hiddenLine>
               </a:ext>
               <a:ext uri="{AF507438-7753-43e0-B8FC-AC1667EBCBE1}">
-                <a14:hiddenEffects xmlns:a14="http://schemas.microsoft.com/office/drawing/2010/main" xmlns="">
+                <a14:hiddenEffects xmlns="" xmlns:a14="http://schemas.microsoft.com/office/drawing/2010/main">
                   <a:effectLst>
                     <a:outerShdw blurRad="63500" dist="38099" dir="2700000" algn="ctr" rotWithShape="0">
                       <a:schemeClr val="bg2">
@@ -6696,7 +6696,7 @@
             <a:effectLst/>
             <a:extLst>
               <a:ext uri="{91240B29-F687-4f45-9708-019B960494DF}">
-                <a14:hiddenLine xmlns:a14="http://schemas.microsoft.com/office/drawing/2010/main" xmlns="" w="9525">
+                <a14:hiddenLine xmlns="" xmlns:a14="http://schemas.microsoft.com/office/drawing/2010/main" w="9525">
                   <a:solidFill>
                     <a:schemeClr val="tx1"/>
                   </a:solidFill>
@@ -6706,7 +6706,7 @@
                 </a14:hiddenLine>
               </a:ext>
               <a:ext uri="{AF507438-7753-43e0-B8FC-AC1667EBCBE1}">
-                <a14:hiddenEffects xmlns:a14="http://schemas.microsoft.com/office/drawing/2010/main" xmlns="">
+                <a14:hiddenEffects xmlns="" xmlns:a14="http://schemas.microsoft.com/office/drawing/2010/main">
                   <a:effectLst>
                     <a:outerShdw blurRad="63500" dist="38099" dir="2700000" algn="ctr" rotWithShape="0">
                       <a:schemeClr val="bg2">
@@ -6756,7 +6756,7 @@
             <a:effectLst/>
             <a:extLst>
               <a:ext uri="{91240B29-F687-4f45-9708-019B960494DF}">
-                <a14:hiddenLine xmlns:a14="http://schemas.microsoft.com/office/drawing/2010/main" xmlns="" w="9525">
+                <a14:hiddenLine xmlns="" xmlns:a14="http://schemas.microsoft.com/office/drawing/2010/main" w="9525">
                   <a:solidFill>
                     <a:schemeClr val="tx1"/>
                   </a:solidFill>
@@ -6766,7 +6766,7 @@
                 </a14:hiddenLine>
               </a:ext>
               <a:ext uri="{AF507438-7753-43e0-B8FC-AC1667EBCBE1}">
-                <a14:hiddenEffects xmlns:a14="http://schemas.microsoft.com/office/drawing/2010/main" xmlns="">
+                <a14:hiddenEffects xmlns="" xmlns:a14="http://schemas.microsoft.com/office/drawing/2010/main">
                   <a:effectLst>
                     <a:outerShdw blurRad="63500" dist="38099" dir="2700000" algn="ctr" rotWithShape="0">
                       <a:schemeClr val="bg2">
@@ -6816,7 +6816,7 @@
             <a:effectLst/>
             <a:extLst>
               <a:ext uri="{91240B29-F687-4f45-9708-019B960494DF}">
-                <a14:hiddenLine xmlns:a14="http://schemas.microsoft.com/office/drawing/2010/main" xmlns="" w="9525">
+                <a14:hiddenLine xmlns="" xmlns:a14="http://schemas.microsoft.com/office/drawing/2010/main" w="9525">
                   <a:solidFill>
                     <a:schemeClr val="tx1"/>
                   </a:solidFill>
@@ -6826,7 +6826,7 @@
                 </a14:hiddenLine>
               </a:ext>
               <a:ext uri="{AF507438-7753-43e0-B8FC-AC1667EBCBE1}">
-                <a14:hiddenEffects xmlns:a14="http://schemas.microsoft.com/office/drawing/2010/main" xmlns="">
+                <a14:hiddenEffects xmlns="" xmlns:a14="http://schemas.microsoft.com/office/drawing/2010/main">
                   <a:effectLst>
                     <a:outerShdw blurRad="63500" dist="38099" dir="2700000" algn="ctr" rotWithShape="0">
                       <a:schemeClr val="bg2">
@@ -6876,7 +6876,7 @@
             <a:effectLst/>
             <a:extLst>
               <a:ext uri="{91240B29-F687-4f45-9708-019B960494DF}">
-                <a14:hiddenLine xmlns:a14="http://schemas.microsoft.com/office/drawing/2010/main" xmlns="" w="9525">
+                <a14:hiddenLine xmlns="" xmlns:a14="http://schemas.microsoft.com/office/drawing/2010/main" w="9525">
                   <a:solidFill>
                     <a:schemeClr val="tx1"/>
                   </a:solidFill>
@@ -6886,7 +6886,7 @@
                 </a14:hiddenLine>
               </a:ext>
               <a:ext uri="{AF507438-7753-43e0-B8FC-AC1667EBCBE1}">
-                <a14:hiddenEffects xmlns:a14="http://schemas.microsoft.com/office/drawing/2010/main" xmlns="">
+                <a14:hiddenEffects xmlns="" xmlns:a14="http://schemas.microsoft.com/office/drawing/2010/main">
                   <a:effectLst>
                     <a:outerShdw blurRad="63500" dist="38099" dir="2700000" algn="ctr" rotWithShape="0">
                       <a:schemeClr val="bg2">
@@ -6936,7 +6936,7 @@
             <a:effectLst/>
             <a:extLst>
               <a:ext uri="{91240B29-F687-4f45-9708-019B960494DF}">
-                <a14:hiddenLine xmlns:a14="http://schemas.microsoft.com/office/drawing/2010/main" xmlns="" w="9525">
+                <a14:hiddenLine xmlns="" xmlns:a14="http://schemas.microsoft.com/office/drawing/2010/main" w="9525">
                   <a:solidFill>
                     <a:schemeClr val="tx1"/>
                   </a:solidFill>
@@ -6946,7 +6946,7 @@
                 </a14:hiddenLine>
               </a:ext>
               <a:ext uri="{AF507438-7753-43e0-B8FC-AC1667EBCBE1}">
-                <a14:hiddenEffects xmlns:a14="http://schemas.microsoft.com/office/drawing/2010/main" xmlns="">
+                <a14:hiddenEffects xmlns="" xmlns:a14="http://schemas.microsoft.com/office/drawing/2010/main">
                   <a:effectLst>
                     <a:outerShdw blurRad="63500" dist="38099" dir="2700000" algn="ctr" rotWithShape="0">
                       <a:schemeClr val="bg2">
@@ -6996,7 +6996,7 @@
             <a:effectLst/>
             <a:extLst>
               <a:ext uri="{91240B29-F687-4f45-9708-019B960494DF}">
-                <a14:hiddenLine xmlns:a14="http://schemas.microsoft.com/office/drawing/2010/main" xmlns="" w="9525">
+                <a14:hiddenLine xmlns="" xmlns:a14="http://schemas.microsoft.com/office/drawing/2010/main" w="9525">
                   <a:solidFill>
                     <a:schemeClr val="tx1"/>
                   </a:solidFill>
@@ -7006,7 +7006,7 @@
                 </a14:hiddenLine>
               </a:ext>
               <a:ext uri="{AF507438-7753-43e0-B8FC-AC1667EBCBE1}">
-                <a14:hiddenEffects xmlns:a14="http://schemas.microsoft.com/office/drawing/2010/main" xmlns="">
+                <a14:hiddenEffects xmlns="" xmlns:a14="http://schemas.microsoft.com/office/drawing/2010/main">
                   <a:effectLst>
                     <a:outerShdw blurRad="63500" dist="38099" dir="2700000" algn="ctr" rotWithShape="0">
                       <a:schemeClr val="bg2">
@@ -7056,7 +7056,7 @@
             <a:effectLst/>
             <a:extLst>
               <a:ext uri="{91240B29-F687-4f45-9708-019B960494DF}">
-                <a14:hiddenLine xmlns:a14="http://schemas.microsoft.com/office/drawing/2010/main" xmlns="" w="9525">
+                <a14:hiddenLine xmlns="" xmlns:a14="http://schemas.microsoft.com/office/drawing/2010/main" w="9525">
                   <a:solidFill>
                     <a:schemeClr val="tx1"/>
                   </a:solidFill>
@@ -7066,7 +7066,7 @@
                 </a14:hiddenLine>
               </a:ext>
               <a:ext uri="{AF507438-7753-43e0-B8FC-AC1667EBCBE1}">
-                <a14:hiddenEffects xmlns:a14="http://schemas.microsoft.com/office/drawing/2010/main" xmlns="">
+                <a14:hiddenEffects xmlns="" xmlns:a14="http://schemas.microsoft.com/office/drawing/2010/main">
                   <a:effectLst>
                     <a:outerShdw blurRad="63500" dist="38099" dir="2700000" algn="ctr" rotWithShape="0">
                       <a:schemeClr val="bg2">
@@ -7116,7 +7116,7 @@
             <a:effectLst/>
             <a:extLst>
               <a:ext uri="{91240B29-F687-4f45-9708-019B960494DF}">
-                <a14:hiddenLine xmlns:a14="http://schemas.microsoft.com/office/drawing/2010/main" xmlns="" w="9525">
+                <a14:hiddenLine xmlns="" xmlns:a14="http://schemas.microsoft.com/office/drawing/2010/main" w="9525">
                   <a:solidFill>
                     <a:schemeClr val="tx1"/>
                   </a:solidFill>
@@ -7126,7 +7126,7 @@
                 </a14:hiddenLine>
               </a:ext>
               <a:ext uri="{AF507438-7753-43e0-B8FC-AC1667EBCBE1}">
-                <a14:hiddenEffects xmlns:a14="http://schemas.microsoft.com/office/drawing/2010/main" xmlns="">
+                <a14:hiddenEffects xmlns="" xmlns:a14="http://schemas.microsoft.com/office/drawing/2010/main">
                   <a:effectLst>
                     <a:outerShdw blurRad="63500" dist="38099" dir="2700000" algn="ctr" rotWithShape="0">
                       <a:schemeClr val="bg2">
@@ -7176,7 +7176,7 @@
             <a:effectLst/>
             <a:extLst>
               <a:ext uri="{91240B29-F687-4f45-9708-019B960494DF}">
-                <a14:hiddenLine xmlns:a14="http://schemas.microsoft.com/office/drawing/2010/main" xmlns="" w="9525">
+                <a14:hiddenLine xmlns="" xmlns:a14="http://schemas.microsoft.com/office/drawing/2010/main" w="9525">
                   <a:solidFill>
                     <a:schemeClr val="tx1"/>
                   </a:solidFill>
@@ -7186,7 +7186,7 @@
                 </a14:hiddenLine>
               </a:ext>
               <a:ext uri="{AF507438-7753-43e0-B8FC-AC1667EBCBE1}">
-                <a14:hiddenEffects xmlns:a14="http://schemas.microsoft.com/office/drawing/2010/main" xmlns="">
+                <a14:hiddenEffects xmlns="" xmlns:a14="http://schemas.microsoft.com/office/drawing/2010/main">
                   <a:effectLst>
                     <a:outerShdw blurRad="63500" dist="38099" dir="2700000" algn="ctr" rotWithShape="0">
                       <a:schemeClr val="bg2">
@@ -7236,7 +7236,7 @@
             <a:effectLst/>
             <a:extLst>
               <a:ext uri="{91240B29-F687-4f45-9708-019B960494DF}">
-                <a14:hiddenLine xmlns:a14="http://schemas.microsoft.com/office/drawing/2010/main" xmlns="" w="9525">
+                <a14:hiddenLine xmlns="" xmlns:a14="http://schemas.microsoft.com/office/drawing/2010/main" w="9525">
                   <a:solidFill>
                     <a:schemeClr val="tx1"/>
                   </a:solidFill>
@@ -7246,7 +7246,7 @@
                 </a14:hiddenLine>
               </a:ext>
               <a:ext uri="{AF507438-7753-43e0-B8FC-AC1667EBCBE1}">
-                <a14:hiddenEffects xmlns:a14="http://schemas.microsoft.com/office/drawing/2010/main" xmlns="">
+                <a14:hiddenEffects xmlns="" xmlns:a14="http://schemas.microsoft.com/office/drawing/2010/main">
                   <a:effectLst>
                     <a:outerShdw blurRad="63500" dist="38099" dir="2700000" algn="ctr" rotWithShape="0">
                       <a:schemeClr val="bg2">
@@ -7296,7 +7296,7 @@
             <a:effectLst/>
             <a:extLst>
               <a:ext uri="{91240B29-F687-4f45-9708-019B960494DF}">
-                <a14:hiddenLine xmlns:a14="http://schemas.microsoft.com/office/drawing/2010/main" xmlns="" w="9525">
+                <a14:hiddenLine xmlns="" xmlns:a14="http://schemas.microsoft.com/office/drawing/2010/main" w="9525">
                   <a:solidFill>
                     <a:schemeClr val="tx1"/>
                   </a:solidFill>
@@ -7306,7 +7306,7 @@
                 </a14:hiddenLine>
               </a:ext>
               <a:ext uri="{AF507438-7753-43e0-B8FC-AC1667EBCBE1}">
-                <a14:hiddenEffects xmlns:a14="http://schemas.microsoft.com/office/drawing/2010/main" xmlns="">
+                <a14:hiddenEffects xmlns="" xmlns:a14="http://schemas.microsoft.com/office/drawing/2010/main">
                   <a:effectLst>
                     <a:outerShdw blurRad="63500" dist="38099" dir="2700000" algn="ctr" rotWithShape="0">
                       <a:schemeClr val="bg2">
@@ -7356,7 +7356,7 @@
             <a:effectLst/>
             <a:extLst>
               <a:ext uri="{91240B29-F687-4f45-9708-019B960494DF}">
-                <a14:hiddenLine xmlns:a14="http://schemas.microsoft.com/office/drawing/2010/main" xmlns="" w="9525">
+                <a14:hiddenLine xmlns="" xmlns:a14="http://schemas.microsoft.com/office/drawing/2010/main" w="9525">
                   <a:solidFill>
                     <a:schemeClr val="tx1"/>
                   </a:solidFill>
@@ -7366,7 +7366,7 @@
                 </a14:hiddenLine>
               </a:ext>
               <a:ext uri="{AF507438-7753-43e0-B8FC-AC1667EBCBE1}">
-                <a14:hiddenEffects xmlns:a14="http://schemas.microsoft.com/office/drawing/2010/main" xmlns="">
+                <a14:hiddenEffects xmlns="" xmlns:a14="http://schemas.microsoft.com/office/drawing/2010/main">
                   <a:effectLst>
                     <a:outerShdw blurRad="63500" dist="38099" dir="2700000" algn="ctr" rotWithShape="0">
                       <a:schemeClr val="bg2">
@@ -7416,7 +7416,7 @@
             <a:effectLst/>
             <a:extLst>
               <a:ext uri="{91240B29-F687-4f45-9708-019B960494DF}">
-                <a14:hiddenLine xmlns:a14="http://schemas.microsoft.com/office/drawing/2010/main" xmlns="" w="9525">
+                <a14:hiddenLine xmlns="" xmlns:a14="http://schemas.microsoft.com/office/drawing/2010/main" w="9525">
                   <a:solidFill>
                     <a:schemeClr val="tx1"/>
                   </a:solidFill>
@@ -7426,7 +7426,7 @@
                 </a14:hiddenLine>
               </a:ext>
               <a:ext uri="{AF507438-7753-43e0-B8FC-AC1667EBCBE1}">
-                <a14:hiddenEffects xmlns:a14="http://schemas.microsoft.com/office/drawing/2010/main" xmlns="">
+                <a14:hiddenEffects xmlns="" xmlns:a14="http://schemas.microsoft.com/office/drawing/2010/main">
                   <a:effectLst>
                     <a:outerShdw blurRad="63500" dist="38099" dir="2700000" algn="ctr" rotWithShape="0">
                       <a:schemeClr val="bg2">
@@ -7476,7 +7476,7 @@
             <a:effectLst/>
             <a:extLst>
               <a:ext uri="{91240B29-F687-4f45-9708-019B960494DF}">
-                <a14:hiddenLine xmlns:a14="http://schemas.microsoft.com/office/drawing/2010/main" xmlns="" w="9525">
+                <a14:hiddenLine xmlns="" xmlns:a14="http://schemas.microsoft.com/office/drawing/2010/main" w="9525">
                   <a:solidFill>
                     <a:schemeClr val="tx1"/>
                   </a:solidFill>
@@ -7486,7 +7486,7 @@
                 </a14:hiddenLine>
               </a:ext>
               <a:ext uri="{AF507438-7753-43e0-B8FC-AC1667EBCBE1}">
-                <a14:hiddenEffects xmlns:a14="http://schemas.microsoft.com/office/drawing/2010/main" xmlns="">
+                <a14:hiddenEffects xmlns="" xmlns:a14="http://schemas.microsoft.com/office/drawing/2010/main">
                   <a:effectLst>
                     <a:outerShdw blurRad="63500" dist="38099" dir="2700000" algn="ctr" rotWithShape="0">
                       <a:schemeClr val="bg2">
@@ -7536,7 +7536,7 @@
             <a:effectLst/>
             <a:extLst>
               <a:ext uri="{91240B29-F687-4f45-9708-019B960494DF}">
-                <a14:hiddenLine xmlns:a14="http://schemas.microsoft.com/office/drawing/2010/main" xmlns="" w="9525">
+                <a14:hiddenLine xmlns="" xmlns:a14="http://schemas.microsoft.com/office/drawing/2010/main" w="9525">
                   <a:solidFill>
                     <a:schemeClr val="tx1"/>
                   </a:solidFill>
@@ -7546,7 +7546,7 @@
                 </a14:hiddenLine>
               </a:ext>
               <a:ext uri="{AF507438-7753-43e0-B8FC-AC1667EBCBE1}">
-                <a14:hiddenEffects xmlns:a14="http://schemas.microsoft.com/office/drawing/2010/main" xmlns="">
+                <a14:hiddenEffects xmlns="" xmlns:a14="http://schemas.microsoft.com/office/drawing/2010/main">
                   <a:effectLst>
                     <a:outerShdw blurRad="63500" dist="38099" dir="2700000" algn="ctr" rotWithShape="0">
                       <a:schemeClr val="bg2">
@@ -7596,7 +7596,7 @@
             <a:effectLst/>
             <a:extLst>
               <a:ext uri="{91240B29-F687-4f45-9708-019B960494DF}">
-                <a14:hiddenLine xmlns:a14="http://schemas.microsoft.com/office/drawing/2010/main" xmlns="" w="9525">
+                <a14:hiddenLine xmlns="" xmlns:a14="http://schemas.microsoft.com/office/drawing/2010/main" w="9525">
                   <a:solidFill>
                     <a:schemeClr val="tx1"/>
                   </a:solidFill>
@@ -7606,7 +7606,7 @@
                 </a14:hiddenLine>
               </a:ext>
               <a:ext uri="{AF507438-7753-43e0-B8FC-AC1667EBCBE1}">
-                <a14:hiddenEffects xmlns:a14="http://schemas.microsoft.com/office/drawing/2010/main" xmlns="">
+                <a14:hiddenEffects xmlns="" xmlns:a14="http://schemas.microsoft.com/office/drawing/2010/main">
                   <a:effectLst>
                     <a:outerShdw blurRad="63500" dist="38099" dir="2700000" algn="ctr" rotWithShape="0">
                       <a:schemeClr val="bg2">
@@ -7656,7 +7656,7 @@
             <a:effectLst/>
             <a:extLst>
               <a:ext uri="{91240B29-F687-4f45-9708-019B960494DF}">
-                <a14:hiddenLine xmlns:a14="http://schemas.microsoft.com/office/drawing/2010/main" xmlns="" w="9525">
+                <a14:hiddenLine xmlns="" xmlns:a14="http://schemas.microsoft.com/office/drawing/2010/main" w="9525">
                   <a:solidFill>
                     <a:schemeClr val="tx1"/>
                   </a:solidFill>
@@ -7666,7 +7666,7 @@
                 </a14:hiddenLine>
               </a:ext>
               <a:ext uri="{AF507438-7753-43e0-B8FC-AC1667EBCBE1}">
-                <a14:hiddenEffects xmlns:a14="http://schemas.microsoft.com/office/drawing/2010/main" xmlns="">
+                <a14:hiddenEffects xmlns="" xmlns:a14="http://schemas.microsoft.com/office/drawing/2010/main">
                   <a:effectLst>
                     <a:outerShdw blurRad="63500" dist="38099" dir="2700000" algn="ctr" rotWithShape="0">
                       <a:schemeClr val="bg2">
@@ -7716,7 +7716,7 @@
             <a:effectLst/>
             <a:extLst>
               <a:ext uri="{91240B29-F687-4f45-9708-019B960494DF}">
-                <a14:hiddenLine xmlns:a14="http://schemas.microsoft.com/office/drawing/2010/main" xmlns="" w="9525">
+                <a14:hiddenLine xmlns="" xmlns:a14="http://schemas.microsoft.com/office/drawing/2010/main" w="9525">
                   <a:solidFill>
                     <a:schemeClr val="tx1"/>
                   </a:solidFill>
@@ -7726,7 +7726,7 @@
                 </a14:hiddenLine>
               </a:ext>
               <a:ext uri="{AF507438-7753-43e0-B8FC-AC1667EBCBE1}">
-                <a14:hiddenEffects xmlns:a14="http://schemas.microsoft.com/office/drawing/2010/main" xmlns="">
+                <a14:hiddenEffects xmlns="" xmlns:a14="http://schemas.microsoft.com/office/drawing/2010/main">
                   <a:effectLst>
                     <a:outerShdw blurRad="63500" dist="38099" dir="2700000" algn="ctr" rotWithShape="0">
                       <a:schemeClr val="bg2">
@@ -7776,7 +7776,7 @@
             <a:effectLst/>
             <a:extLst>
               <a:ext uri="{91240B29-F687-4f45-9708-019B960494DF}">
-                <a14:hiddenLine xmlns:a14="http://schemas.microsoft.com/office/drawing/2010/main" xmlns="" w="9525">
+                <a14:hiddenLine xmlns="" xmlns:a14="http://schemas.microsoft.com/office/drawing/2010/main" w="9525">
                   <a:solidFill>
                     <a:schemeClr val="tx1"/>
                   </a:solidFill>
@@ -7786,7 +7786,7 @@
                 </a14:hiddenLine>
               </a:ext>
               <a:ext uri="{AF507438-7753-43e0-B8FC-AC1667EBCBE1}">
-                <a14:hiddenEffects xmlns:a14="http://schemas.microsoft.com/office/drawing/2010/main" xmlns="">
+                <a14:hiddenEffects xmlns="" xmlns:a14="http://schemas.microsoft.com/office/drawing/2010/main">
                   <a:effectLst>
                     <a:outerShdw blurRad="63500" dist="38099" dir="2700000" algn="ctr" rotWithShape="0">
                       <a:schemeClr val="bg2">
@@ -7836,7 +7836,7 @@
             <a:effectLst/>
             <a:extLst>
               <a:ext uri="{91240B29-F687-4f45-9708-019B960494DF}">
-                <a14:hiddenLine xmlns:a14="http://schemas.microsoft.com/office/drawing/2010/main" xmlns="" w="9525">
+                <a14:hiddenLine xmlns="" xmlns:a14="http://schemas.microsoft.com/office/drawing/2010/main" w="9525">
                   <a:solidFill>
                     <a:schemeClr val="tx1"/>
                   </a:solidFill>
@@ -7846,7 +7846,7 @@
                 </a14:hiddenLine>
               </a:ext>
               <a:ext uri="{AF507438-7753-43e0-B8FC-AC1667EBCBE1}">
-                <a14:hiddenEffects xmlns:a14="http://schemas.microsoft.com/office/drawing/2010/main" xmlns="">
+                <a14:hiddenEffects xmlns="" xmlns:a14="http://schemas.microsoft.com/office/drawing/2010/main">
                   <a:effectLst>
                     <a:outerShdw blurRad="63500" dist="38099" dir="2700000" algn="ctr" rotWithShape="0">
                       <a:schemeClr val="bg2">
@@ -7896,7 +7896,7 @@
             <a:effectLst/>
             <a:extLst>
               <a:ext uri="{91240B29-F687-4f45-9708-019B960494DF}">
-                <a14:hiddenLine xmlns:a14="http://schemas.microsoft.com/office/drawing/2010/main" xmlns="" w="9525">
+                <a14:hiddenLine xmlns="" xmlns:a14="http://schemas.microsoft.com/office/drawing/2010/main" w="9525">
                   <a:solidFill>
                     <a:schemeClr val="tx1"/>
                   </a:solidFill>
@@ -7906,7 +7906,7 @@
                 </a14:hiddenLine>
               </a:ext>
               <a:ext uri="{AF507438-7753-43e0-B8FC-AC1667EBCBE1}">
-                <a14:hiddenEffects xmlns:a14="http://schemas.microsoft.com/office/drawing/2010/main" xmlns="">
+                <a14:hiddenEffects xmlns="" xmlns:a14="http://schemas.microsoft.com/office/drawing/2010/main">
                   <a:effectLst>
                     <a:outerShdw blurRad="63500" dist="38099" dir="2700000" algn="ctr" rotWithShape="0">
                       <a:schemeClr val="bg2">
@@ -7956,7 +7956,7 @@
             <a:effectLst/>
             <a:extLst>
               <a:ext uri="{91240B29-F687-4f45-9708-019B960494DF}">
-                <a14:hiddenLine xmlns:a14="http://schemas.microsoft.com/office/drawing/2010/main" xmlns="" w="9525">
+                <a14:hiddenLine xmlns="" xmlns:a14="http://schemas.microsoft.com/office/drawing/2010/main" w="9525">
                   <a:solidFill>
                     <a:schemeClr val="tx1"/>
                   </a:solidFill>
@@ -7966,7 +7966,7 @@
                 </a14:hiddenLine>
               </a:ext>
               <a:ext uri="{AF507438-7753-43e0-B8FC-AC1667EBCBE1}">
-                <a14:hiddenEffects xmlns:a14="http://schemas.microsoft.com/office/drawing/2010/main" xmlns="">
+                <a14:hiddenEffects xmlns="" xmlns:a14="http://schemas.microsoft.com/office/drawing/2010/main">
                   <a:effectLst>
                     <a:outerShdw blurRad="63500" dist="38099" dir="2700000" algn="ctr" rotWithShape="0">
                       <a:schemeClr val="bg2">
@@ -8016,7 +8016,7 @@
             <a:effectLst/>
             <a:extLst>
               <a:ext uri="{91240B29-F687-4f45-9708-019B960494DF}">
-                <a14:hiddenLine xmlns:a14="http://schemas.microsoft.com/office/drawing/2010/main" xmlns="" w="9525">
+                <a14:hiddenLine xmlns="" xmlns:a14="http://schemas.microsoft.com/office/drawing/2010/main" w="9525">
                   <a:solidFill>
                     <a:schemeClr val="tx1"/>
                   </a:solidFill>
@@ -8026,7 +8026,7 @@
                 </a14:hiddenLine>
               </a:ext>
               <a:ext uri="{AF507438-7753-43e0-B8FC-AC1667EBCBE1}">
-                <a14:hiddenEffects xmlns:a14="http://schemas.microsoft.com/office/drawing/2010/main" xmlns="">
+                <a14:hiddenEffects xmlns="" xmlns:a14="http://schemas.microsoft.com/office/drawing/2010/main">
                   <a:effectLst>
                     <a:outerShdw blurRad="63500" dist="38099" dir="2700000" algn="ctr" rotWithShape="0">
                       <a:schemeClr val="bg2">
@@ -8076,7 +8076,7 @@
             <a:effectLst/>
             <a:extLst>
               <a:ext uri="{91240B29-F687-4f45-9708-019B960494DF}">
-                <a14:hiddenLine xmlns:a14="http://schemas.microsoft.com/office/drawing/2010/main" xmlns="" w="9525">
+                <a14:hiddenLine xmlns="" xmlns:a14="http://schemas.microsoft.com/office/drawing/2010/main" w="9525">
                   <a:solidFill>
                     <a:schemeClr val="tx1"/>
                   </a:solidFill>
@@ -8086,7 +8086,7 @@
                 </a14:hiddenLine>
               </a:ext>
               <a:ext uri="{AF507438-7753-43e0-B8FC-AC1667EBCBE1}">
-                <a14:hiddenEffects xmlns:a14="http://schemas.microsoft.com/office/drawing/2010/main" xmlns="">
+                <a14:hiddenEffects xmlns="" xmlns:a14="http://schemas.microsoft.com/office/drawing/2010/main">
                   <a:effectLst>
                     <a:outerShdw blurRad="63500" dist="38099" dir="2700000" algn="ctr" rotWithShape="0">
                       <a:schemeClr val="bg2">
@@ -8732,14 +8732,14 @@
           </a:ln>
           <a:extLst>
             <a:ext uri="{909E8E84-426E-40dd-AFC4-6F175D3DCCD1}">
-              <a14:hiddenFill xmlns:a14="http://schemas.microsoft.com/office/drawing/2010/main" xmlns="">
+              <a14:hiddenFill xmlns="" xmlns:a14="http://schemas.microsoft.com/office/drawing/2010/main">
                 <a:solidFill>
                   <a:srgbClr val="FFFFFF"/>
                 </a:solidFill>
               </a14:hiddenFill>
             </a:ext>
             <a:ext uri="{91240B29-F687-4f45-9708-019B960494DF}">
-              <a14:hiddenLine xmlns:a14="http://schemas.microsoft.com/office/drawing/2010/main" xmlns="" w="9525">
+              <a14:hiddenLine xmlns="" xmlns:a14="http://schemas.microsoft.com/office/drawing/2010/main" w="9525">
                 <a:solidFill>
                   <a:srgbClr val="000000"/>
                 </a:solidFill>
@@ -8893,14 +8893,14 @@
           </a:ln>
           <a:extLst>
             <a:ext uri="{909E8E84-426E-40dd-AFC4-6F175D3DCCD1}">
-              <a14:hiddenFill xmlns:a14="http://schemas.microsoft.com/office/drawing/2010/main" xmlns="">
+              <a14:hiddenFill xmlns="" xmlns:a14="http://schemas.microsoft.com/office/drawing/2010/main">
                 <a:solidFill>
                   <a:srgbClr val="FFFFFF"/>
                 </a:solidFill>
               </a14:hiddenFill>
             </a:ext>
             <a:ext uri="{91240B29-F687-4f45-9708-019B960494DF}">
-              <a14:hiddenLine xmlns:a14="http://schemas.microsoft.com/office/drawing/2010/main" xmlns="" w="9525">
+              <a14:hiddenLine xmlns="" xmlns:a14="http://schemas.microsoft.com/office/drawing/2010/main" w="9525">
                 <a:solidFill>
                   <a:srgbClr val="000000"/>
                 </a:solidFill>
@@ -9062,14 +9062,14 @@
           </a:ln>
           <a:extLst>
             <a:ext uri="{909E8E84-426E-40dd-AFC4-6F175D3DCCD1}">
-              <a14:hiddenFill xmlns:a14="http://schemas.microsoft.com/office/drawing/2010/main" xmlns="">
+              <a14:hiddenFill xmlns="" xmlns:a14="http://schemas.microsoft.com/office/drawing/2010/main">
                 <a:solidFill>
                   <a:srgbClr val="FFFFFF"/>
                 </a:solidFill>
               </a14:hiddenFill>
             </a:ext>
             <a:ext uri="{91240B29-F687-4f45-9708-019B960494DF}">
-              <a14:hiddenLine xmlns:a14="http://schemas.microsoft.com/office/drawing/2010/main" xmlns="" w="9525">
+              <a14:hiddenLine xmlns="" xmlns:a14="http://schemas.microsoft.com/office/drawing/2010/main" w="9525">
                 <a:solidFill>
                   <a:srgbClr val="000000"/>
                 </a:solidFill>
@@ -9231,14 +9231,14 @@
           </a:ln>
           <a:extLst>
             <a:ext uri="{909E8E84-426E-40dd-AFC4-6F175D3DCCD1}">
-              <a14:hiddenFill xmlns:a14="http://schemas.microsoft.com/office/drawing/2010/main" xmlns="">
+              <a14:hiddenFill xmlns="" xmlns:a14="http://schemas.microsoft.com/office/drawing/2010/main">
                 <a:solidFill>
                   <a:srgbClr val="FFFFFF"/>
                 </a:solidFill>
               </a14:hiddenFill>
             </a:ext>
             <a:ext uri="{91240B29-F687-4f45-9708-019B960494DF}">
-              <a14:hiddenLine xmlns:a14="http://schemas.microsoft.com/office/drawing/2010/main" xmlns="" w="9525">
+              <a14:hiddenLine xmlns="" xmlns:a14="http://schemas.microsoft.com/office/drawing/2010/main" w="9525">
                 <a:solidFill>
                   <a:srgbClr val="000000"/>
                 </a:solidFill>
@@ -9400,14 +9400,14 @@
           </a:ln>
           <a:extLst>
             <a:ext uri="{909E8E84-426E-40dd-AFC4-6F175D3DCCD1}">
-              <a14:hiddenFill xmlns:a14="http://schemas.microsoft.com/office/drawing/2010/main" xmlns="">
+              <a14:hiddenFill xmlns="" xmlns:a14="http://schemas.microsoft.com/office/drawing/2010/main">
                 <a:solidFill>
                   <a:srgbClr val="FFFFFF"/>
                 </a:solidFill>
               </a14:hiddenFill>
             </a:ext>
             <a:ext uri="{91240B29-F687-4f45-9708-019B960494DF}">
-              <a14:hiddenLine xmlns:a14="http://schemas.microsoft.com/office/drawing/2010/main" xmlns="" w="9525">
+              <a14:hiddenLine xmlns="" xmlns:a14="http://schemas.microsoft.com/office/drawing/2010/main" w="9525">
                 <a:solidFill>
                   <a:srgbClr val="000000"/>
                 </a:solidFill>
@@ -9569,14 +9569,14 @@
           </a:ln>
           <a:extLst>
             <a:ext uri="{909E8E84-426E-40dd-AFC4-6F175D3DCCD1}">
-              <a14:hiddenFill xmlns:a14="http://schemas.microsoft.com/office/drawing/2010/main" xmlns="">
+              <a14:hiddenFill xmlns="" xmlns:a14="http://schemas.microsoft.com/office/drawing/2010/main">
                 <a:solidFill>
                   <a:srgbClr val="FFFFFF"/>
                 </a:solidFill>
               </a14:hiddenFill>
             </a:ext>
             <a:ext uri="{91240B29-F687-4f45-9708-019B960494DF}">
-              <a14:hiddenLine xmlns:a14="http://schemas.microsoft.com/office/drawing/2010/main" xmlns="" w="9525">
+              <a14:hiddenLine xmlns="" xmlns:a14="http://schemas.microsoft.com/office/drawing/2010/main" w="9525">
                 <a:solidFill>
                   <a:srgbClr val="000000"/>
                 </a:solidFill>
@@ -9867,14 +9867,14 @@
           </a:ln>
           <a:extLst>
             <a:ext uri="{909E8E84-426E-40dd-AFC4-6F175D3DCCD1}">
-              <a14:hiddenFill xmlns:a14="http://schemas.microsoft.com/office/drawing/2010/main" xmlns="">
+              <a14:hiddenFill xmlns="" xmlns:a14="http://schemas.microsoft.com/office/drawing/2010/main">
                 <a:solidFill>
                   <a:srgbClr val="FFFFFF"/>
                 </a:solidFill>
               </a14:hiddenFill>
             </a:ext>
             <a:ext uri="{91240B29-F687-4f45-9708-019B960494DF}">
-              <a14:hiddenLine xmlns:a14="http://schemas.microsoft.com/office/drawing/2010/main" xmlns="" w="9525">
+              <a14:hiddenLine xmlns="" xmlns:a14="http://schemas.microsoft.com/office/drawing/2010/main" w="9525">
                 <a:solidFill>
                   <a:srgbClr val="000000"/>
                 </a:solidFill>
@@ -10028,14 +10028,14 @@
           </a:ln>
           <a:extLst>
             <a:ext uri="{909E8E84-426E-40dd-AFC4-6F175D3DCCD1}">
-              <a14:hiddenFill xmlns:a14="http://schemas.microsoft.com/office/drawing/2010/main" xmlns="">
+              <a14:hiddenFill xmlns="" xmlns:a14="http://schemas.microsoft.com/office/drawing/2010/main">
                 <a:solidFill>
                   <a:srgbClr val="FFFFFF"/>
                 </a:solidFill>
               </a14:hiddenFill>
             </a:ext>
             <a:ext uri="{91240B29-F687-4f45-9708-019B960494DF}">
-              <a14:hiddenLine xmlns:a14="http://schemas.microsoft.com/office/drawing/2010/main" xmlns="" w="9525">
+              <a14:hiddenLine xmlns="" xmlns:a14="http://schemas.microsoft.com/office/drawing/2010/main" w="9525">
                 <a:solidFill>
                   <a:srgbClr val="000000"/>
                 </a:solidFill>
@@ -10197,14 +10197,14 @@
           </a:ln>
           <a:extLst>
             <a:ext uri="{909E8E84-426E-40dd-AFC4-6F175D3DCCD1}">
-              <a14:hiddenFill xmlns:a14="http://schemas.microsoft.com/office/drawing/2010/main" xmlns="">
+              <a14:hiddenFill xmlns="" xmlns:a14="http://schemas.microsoft.com/office/drawing/2010/main">
                 <a:solidFill>
                   <a:srgbClr val="FFFFFF"/>
                 </a:solidFill>
               </a14:hiddenFill>
             </a:ext>
             <a:ext uri="{91240B29-F687-4f45-9708-019B960494DF}">
-              <a14:hiddenLine xmlns:a14="http://schemas.microsoft.com/office/drawing/2010/main" xmlns="" w="9525">
+              <a14:hiddenLine xmlns="" xmlns:a14="http://schemas.microsoft.com/office/drawing/2010/main" w="9525">
                 <a:solidFill>
                   <a:srgbClr val="000000"/>
                 </a:solidFill>
@@ -10366,14 +10366,14 @@
           </a:ln>
           <a:extLst>
             <a:ext uri="{909E8E84-426E-40dd-AFC4-6F175D3DCCD1}">
-              <a14:hiddenFill xmlns:a14="http://schemas.microsoft.com/office/drawing/2010/main" xmlns="">
+              <a14:hiddenFill xmlns="" xmlns:a14="http://schemas.microsoft.com/office/drawing/2010/main">
                 <a:solidFill>
                   <a:srgbClr val="FFFFFF"/>
                 </a:solidFill>
               </a14:hiddenFill>
             </a:ext>
             <a:ext uri="{91240B29-F687-4f45-9708-019B960494DF}">
-              <a14:hiddenLine xmlns:a14="http://schemas.microsoft.com/office/drawing/2010/main" xmlns="" w="9525">
+              <a14:hiddenLine xmlns="" xmlns:a14="http://schemas.microsoft.com/office/drawing/2010/main" w="9525">
                 <a:solidFill>
                   <a:srgbClr val="000000"/>
                 </a:solidFill>
@@ -10535,14 +10535,14 @@
           </a:ln>
           <a:extLst>
             <a:ext uri="{909E8E84-426E-40dd-AFC4-6F175D3DCCD1}">
-              <a14:hiddenFill xmlns:a14="http://schemas.microsoft.com/office/drawing/2010/main" xmlns="">
+              <a14:hiddenFill xmlns="" xmlns:a14="http://schemas.microsoft.com/office/drawing/2010/main">
                 <a:solidFill>
                   <a:srgbClr val="FFFFFF"/>
                 </a:solidFill>
               </a14:hiddenFill>
             </a:ext>
             <a:ext uri="{91240B29-F687-4f45-9708-019B960494DF}">
-              <a14:hiddenLine xmlns:a14="http://schemas.microsoft.com/office/drawing/2010/main" xmlns="" w="9525">
+              <a14:hiddenLine xmlns="" xmlns:a14="http://schemas.microsoft.com/office/drawing/2010/main" w="9525">
                 <a:solidFill>
                   <a:srgbClr val="000000"/>
                 </a:solidFill>
@@ -10787,14 +10787,14 @@
           </a:ln>
           <a:extLst>
             <a:ext uri="{909E8E84-426E-40dd-AFC4-6F175D3DCCD1}">
-              <a14:hiddenFill xmlns:a14="http://schemas.microsoft.com/office/drawing/2010/main" xmlns="">
+              <a14:hiddenFill xmlns="" xmlns:a14="http://schemas.microsoft.com/office/drawing/2010/main">
                 <a:solidFill>
                   <a:srgbClr val="FFFFFF"/>
                 </a:solidFill>
               </a14:hiddenFill>
             </a:ext>
             <a:ext uri="{91240B29-F687-4f45-9708-019B960494DF}">
-              <a14:hiddenLine xmlns:a14="http://schemas.microsoft.com/office/drawing/2010/main" xmlns="" w="9525">
+              <a14:hiddenLine xmlns="" xmlns:a14="http://schemas.microsoft.com/office/drawing/2010/main" w="9525">
                 <a:solidFill>
                   <a:srgbClr val="000000"/>
                 </a:solidFill>
@@ -10981,7 +10981,7 @@
         </p:nvSpPr>
         <p:spPr bwMode="auto">
           <a:xfrm>
-            <a:off x="1219200" y="152400"/>
+            <a:off x="1219200" y="381000"/>
             <a:ext cx="5486400" cy="3600450"/>
           </a:xfrm>
           <a:prstGeom prst="rect">
@@ -10994,14 +10994,14 @@
           <a:effectLst/>
           <a:extLst>
             <a:ext uri="{909E8E84-426E-40dd-AFC4-6F175D3DCCD1}">
-              <a14:hiddenFill xmlns:a14="http://schemas.microsoft.com/office/drawing/2010/main" xmlns="">
+              <a14:hiddenFill xmlns="" xmlns:a14="http://schemas.microsoft.com/office/drawing/2010/main">
                 <a:solidFill>
                   <a:schemeClr val="accent1"/>
                 </a:solidFill>
               </a14:hiddenFill>
             </a:ext>
             <a:ext uri="{91240B29-F687-4f45-9708-019B960494DF}">
-              <a14:hiddenLine xmlns:a14="http://schemas.microsoft.com/office/drawing/2010/main" xmlns="" w="9525">
+              <a14:hiddenLine xmlns="" xmlns:a14="http://schemas.microsoft.com/office/drawing/2010/main" w="9525">
                 <a:solidFill>
                   <a:schemeClr val="tx1"/>
                 </a:solidFill>
@@ -11011,7 +11011,7 @@
               </a14:hiddenLine>
             </a:ext>
             <a:ext uri="{AF507438-7753-43e0-B8FC-AC1667EBCBE1}">
-              <a14:hiddenEffects xmlns:a14="http://schemas.microsoft.com/office/drawing/2010/main" xmlns="">
+              <a14:hiddenEffects xmlns="" xmlns:a14="http://schemas.microsoft.com/office/drawing/2010/main">
                 <a:effectLst>
                   <a:outerShdw blurRad="63500" dist="38099" dir="2700000" algn="ctr" rotWithShape="0">
                     <a:schemeClr val="bg2">
@@ -11053,19 +11053,7 @@
               <a:rPr lang="en-US" sz="2400" dirty="0">
                 <a:cs typeface="+mn-cs"/>
               </a:rPr>
-              <a:t>   q ← Partition(</a:t>
-            </a:r>
-            <a:r>
-              <a:rPr lang="en-US" sz="2400" dirty="0" err="1">
-                <a:cs typeface="+mn-cs"/>
-              </a:rPr>
-              <a:t>A,p,r</a:t>
-            </a:r>
-            <a:r>
-              <a:rPr lang="en-US" sz="2400" dirty="0">
-                <a:cs typeface="+mn-cs"/>
-              </a:rPr>
-              <a:t>)</a:t>
+              <a:t>   q ← Partition(A, p, r)</a:t>
             </a:r>
             <a:br>
               <a:rPr lang="en-US" sz="2400" dirty="0">
@@ -11204,7 +11192,7 @@
         <p:spPr>
           <a:xfrm>
             <a:off x="903890" y="4740166"/>
-            <a:ext cx="7050328" cy="1200329"/>
+            <a:ext cx="7135287" cy="1200329"/>
           </a:xfrm>
           <a:prstGeom prst="rect">
             <a:avLst/>
@@ -11218,20 +11206,28 @@
           <a:lstStyle/>
           <a:p>
             <a:r>
+              <a:rPr lang="en-US" sz="2400" b="1" dirty="0"/>
+              <a:t>A</a:t>
+            </a:r>
+            <a:r>
               <a:rPr lang="en-US" sz="2400" dirty="0"/>
-              <a:t>A: array of data</a:t>
-            </a:r>
-          </a:p>
-          <a:p>
+              <a:t>: array of data</a:t>
+            </a:r>
+          </a:p>
+          <a:p>
+            <a:r>
+              <a:rPr lang="en-US" sz="2400" b="1" dirty="0"/>
+              <a:t>k</a:t>
+            </a:r>
             <a:r>
               <a:rPr lang="en-US" sz="2400" dirty="0"/>
-              <a:t>k: find the kth smallest</a:t>
-            </a:r>
-          </a:p>
-          <a:p>
-            <a:r>
-              <a:rPr lang="en-US" sz="2400" dirty="0" err="1"/>
-              <a:t>p,r</a:t>
+              <a:t>: find the kth smallest</a:t>
+            </a:r>
+          </a:p>
+          <a:p>
+            <a:r>
+              <a:rPr lang="en-US" sz="2400" b="1" dirty="0"/>
+              <a:t>p, r</a:t>
             </a:r>
             <a:r>
               <a:rPr lang="en-US" sz="2400" dirty="0"/>
@@ -11322,8 +11318,8 @@
         </p:nvSpPr>
         <p:spPr>
           <a:xfrm>
-            <a:off x="228600" y="895350"/>
-            <a:ext cx="7924800" cy="2286000"/>
+            <a:off x="444137" y="1257300"/>
+            <a:ext cx="7543800" cy="1619250"/>
           </a:xfrm>
         </p:spPr>
         <p:txBody>
@@ -11362,26 +11358,20 @@
               </a:rPr>
               <a:t>Recurse.</a:t>
             </a:r>
+            <a:endParaRPr lang="en-US" sz="2000" dirty="0">
+              <a:cs typeface="+mn-cs"/>
+            </a:endParaRPr>
           </a:p>
           <a:p>
             <a:pPr marL="0" indent="0" eaLnBrk="1" hangingPunct="1">
               <a:buNone/>
               <a:defRPr/>
             </a:pPr>
-            <a:endParaRPr lang="en-US" sz="2000" dirty="0">
-              <a:cs typeface="+mn-cs"/>
-            </a:endParaRPr>
-          </a:p>
-          <a:p>
-            <a:pPr marL="0" indent="0" eaLnBrk="1" hangingPunct="1">
-              <a:buNone/>
-              <a:defRPr/>
-            </a:pPr>
             <a:r>
               <a:rPr lang="en-US" sz="2000" dirty="0">
                 <a:cs typeface="+mn-cs"/>
               </a:rPr>
-              <a:t>Like binary search on unsorted data</a:t>
+              <a:t>Like binary search on unsorted data.</a:t>
             </a:r>
           </a:p>
         </p:txBody>
@@ -11409,14 +11399,14 @@
           <a:effectLst/>
           <a:extLst>
             <a:ext uri="{909E8E84-426E-40dd-AFC4-6F175D3DCCD1}">
-              <a14:hiddenFill xmlns:a14="http://schemas.microsoft.com/office/drawing/2010/main" xmlns="">
+              <a14:hiddenFill xmlns="" xmlns:a14="http://schemas.microsoft.com/office/drawing/2010/main">
                 <a:solidFill>
                   <a:schemeClr val="accent1"/>
                 </a:solidFill>
               </a14:hiddenFill>
             </a:ext>
             <a:ext uri="{91240B29-F687-4f45-9708-019B960494DF}">
-              <a14:hiddenLine xmlns:a14="http://schemas.microsoft.com/office/drawing/2010/main" xmlns="" w="9525">
+              <a14:hiddenLine xmlns="" xmlns:a14="http://schemas.microsoft.com/office/drawing/2010/main" w="9525">
                 <a:solidFill>
                   <a:schemeClr val="tx1"/>
                 </a:solidFill>
@@ -11426,7 +11416,7 @@
               </a14:hiddenLine>
             </a:ext>
             <a:ext uri="{AF507438-7753-43e0-B8FC-AC1667EBCBE1}">
-              <a14:hiddenEffects xmlns:a14="http://schemas.microsoft.com/office/drawing/2010/main" xmlns="">
+              <a14:hiddenEffects xmlns="" xmlns:a14="http://schemas.microsoft.com/office/drawing/2010/main">
                 <a:effectLst>
                   <a:outerShdw blurRad="63500" dist="38099" dir="2700000" algn="ctr" rotWithShape="0">
                     <a:schemeClr val="bg2">
@@ -11478,19 +11468,7 @@
               <a:rPr lang="en-US" sz="2400" dirty="0">
                 <a:cs typeface="+mn-cs"/>
               </a:rPr>
-              <a:t> Partition(</a:t>
-            </a:r>
-            <a:r>
-              <a:rPr lang="en-US" sz="2400" dirty="0" err="1">
-                <a:cs typeface="+mn-cs"/>
-              </a:rPr>
-              <a:t>A,p,r</a:t>
-            </a:r>
-            <a:r>
-              <a:rPr lang="en-US" sz="2400" dirty="0">
-                <a:cs typeface="+mn-cs"/>
-              </a:rPr>
-              <a:t>)</a:t>
+              <a:t> Partition(A, p, r)</a:t>
             </a:r>
             <a:br>
               <a:rPr lang="en-US" sz="2400" dirty="0">
@@ -11735,14 +11713,14 @@
             </a:ln>
             <a:extLst>
               <a:ext uri="{909E8E84-426E-40dd-AFC4-6F175D3DCCD1}">
-                <a14:hiddenFill xmlns:a14="http://schemas.microsoft.com/office/drawing/2010/main" xmlns="">
+                <a14:hiddenFill xmlns="" xmlns:a14="http://schemas.microsoft.com/office/drawing/2010/main">
                   <a:solidFill>
                     <a:srgbClr val="FFFFFF"/>
                   </a:solidFill>
                 </a14:hiddenFill>
               </a:ext>
               <a:ext uri="{91240B29-F687-4f45-9708-019B960494DF}">
-                <a14:hiddenLine xmlns:a14="http://schemas.microsoft.com/office/drawing/2010/main" xmlns="" w="9525">
+                <a14:hiddenLine xmlns="" xmlns:a14="http://schemas.microsoft.com/office/drawing/2010/main" w="9525">
                   <a:solidFill>
                     <a:srgbClr val="000000"/>
                   </a:solidFill>
@@ -12357,14 +12335,14 @@
           </a:ln>
           <a:extLst>
             <a:ext uri="{909E8E84-426E-40dd-AFC4-6F175D3DCCD1}">
-              <a14:hiddenFill xmlns:a14="http://schemas.microsoft.com/office/drawing/2010/main" xmlns="">
+              <a14:hiddenFill xmlns="" xmlns:a14="http://schemas.microsoft.com/office/drawing/2010/main">
                 <a:solidFill>
                   <a:srgbClr val="FFFFFF"/>
                 </a:solidFill>
               </a14:hiddenFill>
             </a:ext>
             <a:ext uri="{91240B29-F687-4f45-9708-019B960494DF}">
-              <a14:hiddenLine xmlns:a14="http://schemas.microsoft.com/office/drawing/2010/main" xmlns="" w="9525">
+              <a14:hiddenLine xmlns="" xmlns:a14="http://schemas.microsoft.com/office/drawing/2010/main" w="9525">
                 <a:solidFill>
                   <a:srgbClr val="000000"/>
                 </a:solidFill>
@@ -13004,14 +12982,14 @@
           </a:ln>
           <a:extLst>
             <a:ext uri="{909E8E84-426E-40dd-AFC4-6F175D3DCCD1}">
-              <a14:hiddenFill xmlns:a14="http://schemas.microsoft.com/office/drawing/2010/main" xmlns="">
+              <a14:hiddenFill xmlns="" xmlns:a14="http://schemas.microsoft.com/office/drawing/2010/main">
                 <a:solidFill>
                   <a:srgbClr val="FFFFFF"/>
                 </a:solidFill>
               </a14:hiddenFill>
             </a:ext>
             <a:ext uri="{91240B29-F687-4f45-9708-019B960494DF}">
-              <a14:hiddenLine xmlns:a14="http://schemas.microsoft.com/office/drawing/2010/main" xmlns="" w="9525">
+              <a14:hiddenLine xmlns="" xmlns:a14="http://schemas.microsoft.com/office/drawing/2010/main" w="9525">
                 <a:solidFill>
                   <a:srgbClr val="000000"/>
                 </a:solidFill>
@@ -13990,14 +13968,14 @@
           </a:ln>
           <a:extLst>
             <a:ext uri="{909E8E84-426E-40dd-AFC4-6F175D3DCCD1}">
-              <a14:hiddenFill xmlns:a14="http://schemas.microsoft.com/office/drawing/2010/main" xmlns="">
+              <a14:hiddenFill xmlns="" xmlns:a14="http://schemas.microsoft.com/office/drawing/2010/main">
                 <a:solidFill>
                   <a:srgbClr val="FFFFFF"/>
                 </a:solidFill>
               </a14:hiddenFill>
             </a:ext>
             <a:ext uri="{91240B29-F687-4f45-9708-019B960494DF}">
-              <a14:hiddenLine xmlns:a14="http://schemas.microsoft.com/office/drawing/2010/main" xmlns="" w="9525">
+              <a14:hiddenLine xmlns="" xmlns:a14="http://schemas.microsoft.com/office/drawing/2010/main" w="9525">
                 <a:solidFill>
                   <a:srgbClr val="000000"/>
                 </a:solidFill>
@@ -14940,14 +14918,14 @@
           </a:ln>
           <a:extLst>
             <a:ext uri="{909E8E84-426E-40dd-AFC4-6F175D3DCCD1}">
-              <a14:hiddenFill xmlns:a14="http://schemas.microsoft.com/office/drawing/2010/main" xmlns="">
+              <a14:hiddenFill xmlns="" xmlns:a14="http://schemas.microsoft.com/office/drawing/2010/main">
                 <a:solidFill>
                   <a:srgbClr val="FFFFFF"/>
                 </a:solidFill>
               </a14:hiddenFill>
             </a:ext>
             <a:ext uri="{91240B29-F687-4f45-9708-019B960494DF}">
-              <a14:hiddenLine xmlns:a14="http://schemas.microsoft.com/office/drawing/2010/main" xmlns="" w="9525">
+              <a14:hiddenLine xmlns="" xmlns:a14="http://schemas.microsoft.com/office/drawing/2010/main" w="9525">
                 <a:solidFill>
                   <a:srgbClr val="000000"/>
                 </a:solidFill>
@@ -15247,14 +15225,14 @@
           <a:effectLst/>
           <a:extLst>
             <a:ext uri="{909E8E84-426E-40dd-AFC4-6F175D3DCCD1}">
-              <a14:hiddenFill xmlns:a14="http://schemas.microsoft.com/office/drawing/2010/main" xmlns="">
+              <a14:hiddenFill xmlns="" xmlns:a14="http://schemas.microsoft.com/office/drawing/2010/main">
                 <a:solidFill>
                   <a:schemeClr val="accent1"/>
                 </a:solidFill>
               </a14:hiddenFill>
             </a:ext>
             <a:ext uri="{91240B29-F687-4f45-9708-019B960494DF}">
-              <a14:hiddenLine xmlns:a14="http://schemas.microsoft.com/office/drawing/2010/main" xmlns="" w="9525">
+              <a14:hiddenLine xmlns="" xmlns:a14="http://schemas.microsoft.com/office/drawing/2010/main" w="9525">
                 <a:solidFill>
                   <a:schemeClr val="tx1"/>
                 </a:solidFill>
@@ -15264,7 +15242,7 @@
               </a14:hiddenLine>
             </a:ext>
             <a:ext uri="{AF507438-7753-43e0-B8FC-AC1667EBCBE1}">
-              <a14:hiddenEffects xmlns:a14="http://schemas.microsoft.com/office/drawing/2010/main" xmlns="">
+              <a14:hiddenEffects xmlns="" xmlns:a14="http://schemas.microsoft.com/office/drawing/2010/main">
                 <a:effectLst>
                   <a:outerShdw blurRad="63500" dist="38099" dir="2700000" algn="ctr" rotWithShape="0">
                     <a:schemeClr val="bg2">
@@ -15474,14 +15452,14 @@
           </a:ln>
           <a:extLst>
             <a:ext uri="{909E8E84-426E-40dd-AFC4-6F175D3DCCD1}">
-              <a14:hiddenFill xmlns:a14="http://schemas.microsoft.com/office/drawing/2010/main" xmlns="">
+              <a14:hiddenFill xmlns="" xmlns:a14="http://schemas.microsoft.com/office/drawing/2010/main">
                 <a:solidFill>
                   <a:srgbClr val="FFFFFF"/>
                 </a:solidFill>
               </a14:hiddenFill>
             </a:ext>
             <a:ext uri="{91240B29-F687-4f45-9708-019B960494DF}">
-              <a14:hiddenLine xmlns:a14="http://schemas.microsoft.com/office/drawing/2010/main" xmlns="" w="9525">
+              <a14:hiddenLine xmlns="" xmlns:a14="http://schemas.microsoft.com/office/drawing/2010/main" w="9525">
                 <a:solidFill>
                   <a:srgbClr val="000000"/>
                 </a:solidFill>
@@ -15612,7 +15590,7 @@
                   <a:srgbClr val="0000FF"/>
                 </a:solidFill>
               </a:rPr>
-              <a:t>Partition returns the absolute index, we want an index relative to the current p (window start)</a:t>
+              <a:t>Partition returns the absolute index. We want an index relative to the current p (window start)</a:t>
             </a:r>
           </a:p>
         </p:txBody>
@@ -15812,14 +15790,14 @@
           <a:effectLst/>
           <a:extLst>
             <a:ext uri="{909E8E84-426E-40dd-AFC4-6F175D3DCCD1}">
-              <a14:hiddenFill xmlns:a14="http://schemas.microsoft.com/office/drawing/2010/main" xmlns="">
+              <a14:hiddenFill xmlns="" xmlns:a14="http://schemas.microsoft.com/office/drawing/2010/main">
                 <a:solidFill>
                   <a:schemeClr val="accent1"/>
                 </a:solidFill>
               </a14:hiddenFill>
             </a:ext>
             <a:ext uri="{91240B29-F687-4f45-9708-019B960494DF}">
-              <a14:hiddenLine xmlns:a14="http://schemas.microsoft.com/office/drawing/2010/main" xmlns="" w="9525">
+              <a14:hiddenLine xmlns="" xmlns:a14="http://schemas.microsoft.com/office/drawing/2010/main" w="9525">
                 <a:solidFill>
                   <a:schemeClr val="tx1"/>
                 </a:solidFill>
@@ -15829,7 +15807,7 @@
               </a14:hiddenLine>
             </a:ext>
             <a:ext uri="{AF507438-7753-43e0-B8FC-AC1667EBCBE1}">
-              <a14:hiddenEffects xmlns:a14="http://schemas.microsoft.com/office/drawing/2010/main" xmlns="">
+              <a14:hiddenEffects xmlns="" xmlns:a14="http://schemas.microsoft.com/office/drawing/2010/main">
                 <a:effectLst>
                   <a:outerShdw blurRad="63500" dist="38099" dir="2700000" algn="ctr" rotWithShape="0">
                     <a:schemeClr val="bg2">
@@ -16039,14 +16017,14 @@
           </a:ln>
           <a:extLst>
             <a:ext uri="{909E8E84-426E-40dd-AFC4-6F175D3DCCD1}">
-              <a14:hiddenFill xmlns:a14="http://schemas.microsoft.com/office/drawing/2010/main" xmlns="">
+              <a14:hiddenFill xmlns="" xmlns:a14="http://schemas.microsoft.com/office/drawing/2010/main">
                 <a:solidFill>
                   <a:srgbClr val="FFFFFF"/>
                 </a:solidFill>
               </a14:hiddenFill>
             </a:ext>
             <a:ext uri="{91240B29-F687-4f45-9708-019B960494DF}">
-              <a14:hiddenLine xmlns:a14="http://schemas.microsoft.com/office/drawing/2010/main" xmlns="" w="9525">
+              <a14:hiddenLine xmlns="" xmlns:a14="http://schemas.microsoft.com/office/drawing/2010/main" w="9525">
                 <a:solidFill>
                   <a:srgbClr val="000000"/>
                 </a:solidFill>
@@ -16170,9 +16148,9 @@
             </a:lvl9pPr>
           </a:lstStyle>
           <a:p>
-            <a:pPr eaLnBrk="1" hangingPunct="1"/>
-            <a:r>
-              <a:rPr lang="en-US" sz="2000">
+            <a:pPr algn="just" eaLnBrk="1" hangingPunct="1"/>
+            <a:r>
+              <a:rPr lang="en-US" sz="2000" dirty="0">
                 <a:solidFill>
                   <a:srgbClr val="0000FF"/>
                 </a:solidFill>
@@ -16275,7 +16253,12 @@
             <p:ph idx="1"/>
           </p:nvPr>
         </p:nvSpPr>
-        <p:spPr/>
+        <p:spPr>
+          <a:xfrm>
+            <a:off x="457200" y="1719263"/>
+            <a:ext cx="6248400" cy="947737"/>
+          </a:xfrm>
+        </p:spPr>
         <p:txBody>
           <a:bodyPr/>
           <a:lstStyle/>
@@ -16285,7 +16268,7 @@
             </a:pPr>
             <a:r>
               <a:rPr lang="en-US" dirty="0"/>
-              <a:t>Group session timing (see slack post)</a:t>
+              <a:t>Group session timing (see Slack post).</a:t>
             </a:r>
           </a:p>
         </p:txBody>
@@ -16343,14 +16326,14 @@
           <a:effectLst/>
           <a:extLst>
             <a:ext uri="{909E8E84-426E-40dd-AFC4-6F175D3DCCD1}">
-              <a14:hiddenFill xmlns:a14="http://schemas.microsoft.com/office/drawing/2010/main" xmlns="">
+              <a14:hiddenFill xmlns="" xmlns:a14="http://schemas.microsoft.com/office/drawing/2010/main">
                 <a:solidFill>
                   <a:schemeClr val="accent1"/>
                 </a:solidFill>
               </a14:hiddenFill>
             </a:ext>
             <a:ext uri="{91240B29-F687-4f45-9708-019B960494DF}">
-              <a14:hiddenLine xmlns:a14="http://schemas.microsoft.com/office/drawing/2010/main" xmlns="" w="9525">
+              <a14:hiddenLine xmlns="" xmlns:a14="http://schemas.microsoft.com/office/drawing/2010/main" w="9525">
                 <a:solidFill>
                   <a:schemeClr val="tx1"/>
                 </a:solidFill>
@@ -16360,7 +16343,7 @@
               </a14:hiddenLine>
             </a:ext>
             <a:ext uri="{AF507438-7753-43e0-B8FC-AC1667EBCBE1}">
-              <a14:hiddenEffects xmlns:a14="http://schemas.microsoft.com/office/drawing/2010/main" xmlns="">
+              <a14:hiddenEffects xmlns="" xmlns:a14="http://schemas.microsoft.com/office/drawing/2010/main">
                 <a:effectLst>
                   <a:outerShdw blurRad="63500" dist="38099" dir="2700000" algn="ctr" rotWithShape="0">
                     <a:schemeClr val="bg2">
@@ -16416,14 +16399,14 @@
           <a:effectLst/>
           <a:extLst>
             <a:ext uri="{909E8E84-426E-40dd-AFC4-6F175D3DCCD1}">
-              <a14:hiddenFill xmlns:a14="http://schemas.microsoft.com/office/drawing/2010/main" xmlns="">
+              <a14:hiddenFill xmlns="" xmlns:a14="http://schemas.microsoft.com/office/drawing/2010/main">
                 <a:solidFill>
                   <a:schemeClr val="accent1"/>
                 </a:solidFill>
               </a14:hiddenFill>
             </a:ext>
             <a:ext uri="{91240B29-F687-4f45-9708-019B960494DF}">
-              <a14:hiddenLine xmlns:a14="http://schemas.microsoft.com/office/drawing/2010/main" xmlns="" w="9525">
+              <a14:hiddenLine xmlns="" xmlns:a14="http://schemas.microsoft.com/office/drawing/2010/main" w="9525">
                 <a:solidFill>
                   <a:schemeClr val="tx1"/>
                 </a:solidFill>
@@ -16433,7 +16416,7 @@
               </a14:hiddenLine>
             </a:ext>
             <a:ext uri="{AF507438-7753-43e0-B8FC-AC1667EBCBE1}">
-              <a14:hiddenEffects xmlns:a14="http://schemas.microsoft.com/office/drawing/2010/main" xmlns="">
+              <a14:hiddenEffects xmlns="" xmlns:a14="http://schemas.microsoft.com/office/drawing/2010/main">
                 <a:effectLst>
                   <a:outerShdw blurRad="63500" dist="38099" dir="2700000" algn="ctr" rotWithShape="0">
                     <a:schemeClr val="bg2">
@@ -16494,14 +16477,14 @@
           <a:effectLst/>
           <a:extLst>
             <a:ext uri="{909E8E84-426E-40dd-AFC4-6F175D3DCCD1}">
-              <a14:hiddenFill xmlns:a14="http://schemas.microsoft.com/office/drawing/2010/main" xmlns="">
+              <a14:hiddenFill xmlns="" xmlns:a14="http://schemas.microsoft.com/office/drawing/2010/main">
                 <a:solidFill>
                   <a:schemeClr val="accent1"/>
                 </a:solidFill>
               </a14:hiddenFill>
             </a:ext>
             <a:ext uri="{AF507438-7753-43e0-B8FC-AC1667EBCBE1}">
-              <a14:hiddenEffects xmlns:a14="http://schemas.microsoft.com/office/drawing/2010/main" xmlns="">
+              <a14:hiddenEffects xmlns="" xmlns:a14="http://schemas.microsoft.com/office/drawing/2010/main">
                 <a:effectLst>
                   <a:outerShdw blurRad="63500" dist="38099" dir="2700000" algn="ctr" rotWithShape="0">
                     <a:schemeClr val="bg2">
@@ -16549,14 +16532,14 @@
           <a:effectLst/>
           <a:extLst>
             <a:ext uri="{909E8E84-426E-40dd-AFC4-6F175D3DCCD1}">
-              <a14:hiddenFill xmlns:a14="http://schemas.microsoft.com/office/drawing/2010/main" xmlns="">
+              <a14:hiddenFill xmlns="" xmlns:a14="http://schemas.microsoft.com/office/drawing/2010/main">
                 <a:solidFill>
                   <a:schemeClr val="accent1"/>
                 </a:solidFill>
               </a14:hiddenFill>
             </a:ext>
             <a:ext uri="{91240B29-F687-4f45-9708-019B960494DF}">
-              <a14:hiddenLine xmlns:a14="http://schemas.microsoft.com/office/drawing/2010/main" xmlns="" w="9525">
+              <a14:hiddenLine xmlns="" xmlns:a14="http://schemas.microsoft.com/office/drawing/2010/main" w="9525">
                 <a:solidFill>
                   <a:schemeClr val="tx1"/>
                 </a:solidFill>
@@ -16566,7 +16549,7 @@
               </a14:hiddenLine>
             </a:ext>
             <a:ext uri="{AF507438-7753-43e0-B8FC-AC1667EBCBE1}">
-              <a14:hiddenEffects xmlns:a14="http://schemas.microsoft.com/office/drawing/2010/main" xmlns="">
+              <a14:hiddenEffects xmlns="" xmlns:a14="http://schemas.microsoft.com/office/drawing/2010/main">
                 <a:effectLst>
                   <a:outerShdw blurRad="63500" dist="38099" dir="2700000" algn="ctr" rotWithShape="0">
                     <a:schemeClr val="bg2">
@@ -16776,14 +16759,14 @@
           </a:ln>
           <a:extLst>
             <a:ext uri="{909E8E84-426E-40dd-AFC4-6F175D3DCCD1}">
-              <a14:hiddenFill xmlns:a14="http://schemas.microsoft.com/office/drawing/2010/main" xmlns="">
+              <a14:hiddenFill xmlns="" xmlns:a14="http://schemas.microsoft.com/office/drawing/2010/main">
                 <a:solidFill>
                   <a:srgbClr val="FFFFFF"/>
                 </a:solidFill>
               </a14:hiddenFill>
             </a:ext>
             <a:ext uri="{91240B29-F687-4f45-9708-019B960494DF}">
-              <a14:hiddenLine xmlns:a14="http://schemas.microsoft.com/office/drawing/2010/main" xmlns="" w="9525">
+              <a14:hiddenLine xmlns="" xmlns:a14="http://schemas.microsoft.com/office/drawing/2010/main" w="9525">
                 <a:solidFill>
                   <a:srgbClr val="000000"/>
                 </a:solidFill>
@@ -16963,14 +16946,14 @@
           <a:effectLst/>
           <a:extLst>
             <a:ext uri="{909E8E84-426E-40dd-AFC4-6F175D3DCCD1}">
-              <a14:hiddenFill xmlns:a14="http://schemas.microsoft.com/office/drawing/2010/main" xmlns="">
+              <a14:hiddenFill xmlns="" xmlns:a14="http://schemas.microsoft.com/office/drawing/2010/main">
                 <a:solidFill>
                   <a:schemeClr val="accent1"/>
                 </a:solidFill>
               </a14:hiddenFill>
             </a:ext>
             <a:ext uri="{91240B29-F687-4f45-9708-019B960494DF}">
-              <a14:hiddenLine xmlns:a14="http://schemas.microsoft.com/office/drawing/2010/main" xmlns="" w="9525">
+              <a14:hiddenLine xmlns="" xmlns:a14="http://schemas.microsoft.com/office/drawing/2010/main" w="9525">
                 <a:solidFill>
                   <a:schemeClr val="tx1"/>
                 </a:solidFill>
@@ -16980,7 +16963,7 @@
               </a14:hiddenLine>
             </a:ext>
             <a:ext uri="{AF507438-7753-43e0-B8FC-AC1667EBCBE1}">
-              <a14:hiddenEffects xmlns:a14="http://schemas.microsoft.com/office/drawing/2010/main" xmlns="">
+              <a14:hiddenEffects xmlns="" xmlns:a14="http://schemas.microsoft.com/office/drawing/2010/main">
                 <a:effectLst>
                   <a:outerShdw blurRad="63500" dist="38099" dir="2700000" algn="ctr" rotWithShape="0">
                     <a:schemeClr val="bg2">
@@ -17191,14 +17174,14 @@
           <a:effectLst/>
           <a:extLst>
             <a:ext uri="{909E8E84-426E-40dd-AFC4-6F175D3DCCD1}">
-              <a14:hiddenFill xmlns:a14="http://schemas.microsoft.com/office/drawing/2010/main" xmlns="">
+              <a14:hiddenFill xmlns="" xmlns:a14="http://schemas.microsoft.com/office/drawing/2010/main">
                 <a:solidFill>
                   <a:schemeClr val="accent1"/>
                 </a:solidFill>
               </a14:hiddenFill>
             </a:ext>
             <a:ext uri="{91240B29-F687-4f45-9708-019B960494DF}">
-              <a14:hiddenLine xmlns:a14="http://schemas.microsoft.com/office/drawing/2010/main" xmlns="" w="9525">
+              <a14:hiddenLine xmlns="" xmlns:a14="http://schemas.microsoft.com/office/drawing/2010/main" w="9525">
                 <a:solidFill>
                   <a:schemeClr val="tx1"/>
                 </a:solidFill>
@@ -17208,7 +17191,7 @@
               </a14:hiddenLine>
             </a:ext>
             <a:ext uri="{AF507438-7753-43e0-B8FC-AC1667EBCBE1}">
-              <a14:hiddenEffects xmlns:a14="http://schemas.microsoft.com/office/drawing/2010/main" xmlns="">
+              <a14:hiddenEffects xmlns="" xmlns:a14="http://schemas.microsoft.com/office/drawing/2010/main">
                 <a:effectLst>
                   <a:outerShdw blurRad="63500" dist="38099" dir="2700000" algn="ctr" rotWithShape="0">
                     <a:schemeClr val="bg2">
@@ -17264,14 +17247,14 @@
           <a:effectLst/>
           <a:extLst>
             <a:ext uri="{909E8E84-426E-40dd-AFC4-6F175D3DCCD1}">
-              <a14:hiddenFill xmlns:a14="http://schemas.microsoft.com/office/drawing/2010/main" xmlns="">
+              <a14:hiddenFill xmlns="" xmlns:a14="http://schemas.microsoft.com/office/drawing/2010/main">
                 <a:solidFill>
                   <a:schemeClr val="accent1"/>
                 </a:solidFill>
               </a14:hiddenFill>
             </a:ext>
             <a:ext uri="{91240B29-F687-4f45-9708-019B960494DF}">
-              <a14:hiddenLine xmlns:a14="http://schemas.microsoft.com/office/drawing/2010/main" xmlns="" w="9525">
+              <a14:hiddenLine xmlns="" xmlns:a14="http://schemas.microsoft.com/office/drawing/2010/main" w="9525">
                 <a:solidFill>
                   <a:schemeClr val="tx1"/>
                 </a:solidFill>
@@ -17281,7 +17264,7 @@
               </a14:hiddenLine>
             </a:ext>
             <a:ext uri="{AF507438-7753-43e0-B8FC-AC1667EBCBE1}">
-              <a14:hiddenEffects xmlns:a14="http://schemas.microsoft.com/office/drawing/2010/main" xmlns="">
+              <a14:hiddenEffects xmlns="" xmlns:a14="http://schemas.microsoft.com/office/drawing/2010/main">
                 <a:effectLst>
                   <a:outerShdw blurRad="63500" dist="38099" dir="2700000" algn="ctr" rotWithShape="0">
                     <a:schemeClr val="bg2">
@@ -17342,12 +17325,12 @@
           <a:effectLst/>
           <a:extLst>
             <a:ext uri="{909E8E84-426E-40dd-AFC4-6F175D3DCCD1}">
-              <a14:hiddenFill xmlns:a14="http://schemas.microsoft.com/office/drawing/2010/main" xmlns="">
+              <a14:hiddenFill xmlns="" xmlns:a14="http://schemas.microsoft.com/office/drawing/2010/main">
                 <a:noFill/>
               </a14:hiddenFill>
             </a:ext>
             <a:ext uri="{AF507438-7753-43e0-B8FC-AC1667EBCBE1}">
-              <a14:hiddenEffects xmlns:a14="http://schemas.microsoft.com/office/drawing/2010/main" xmlns="">
+              <a14:hiddenEffects xmlns="" xmlns:a14="http://schemas.microsoft.com/office/drawing/2010/main">
                 <a:effectLst>
                   <a:outerShdw blurRad="63500" dist="38099" dir="2700000" algn="ctr" rotWithShape="0">
                     <a:schemeClr val="bg2">
@@ -17400,14 +17383,14 @@
           <a:effectLst/>
           <a:extLst>
             <a:ext uri="{909E8E84-426E-40dd-AFC4-6F175D3DCCD1}">
-              <a14:hiddenFill xmlns:a14="http://schemas.microsoft.com/office/drawing/2010/main" xmlns="">
+              <a14:hiddenFill xmlns="" xmlns:a14="http://schemas.microsoft.com/office/drawing/2010/main">
                 <a:solidFill>
                   <a:schemeClr val="accent1"/>
                 </a:solidFill>
               </a14:hiddenFill>
             </a:ext>
             <a:ext uri="{AF507438-7753-43e0-B8FC-AC1667EBCBE1}">
-              <a14:hiddenEffects xmlns:a14="http://schemas.microsoft.com/office/drawing/2010/main" xmlns="">
+              <a14:hiddenEffects xmlns="" xmlns:a14="http://schemas.microsoft.com/office/drawing/2010/main">
                 <a:effectLst>
                   <a:outerShdw blurRad="63500" dist="38099" dir="2700000" algn="ctr" rotWithShape="0">
                     <a:schemeClr val="bg2">
@@ -17454,14 +17437,14 @@
           </a:ln>
           <a:extLst>
             <a:ext uri="{909E8E84-426E-40dd-AFC4-6F175D3DCCD1}">
-              <a14:hiddenFill xmlns:a14="http://schemas.microsoft.com/office/drawing/2010/main" xmlns="">
+              <a14:hiddenFill xmlns="" xmlns:a14="http://schemas.microsoft.com/office/drawing/2010/main">
                 <a:solidFill>
                   <a:srgbClr val="FFFFFF"/>
                 </a:solidFill>
               </a14:hiddenFill>
             </a:ext>
             <a:ext uri="{91240B29-F687-4f45-9708-019B960494DF}">
-              <a14:hiddenLine xmlns:a14="http://schemas.microsoft.com/office/drawing/2010/main" xmlns="" w="9525">
+              <a14:hiddenLine xmlns="" xmlns:a14="http://schemas.microsoft.com/office/drawing/2010/main" w="9525">
                 <a:solidFill>
                   <a:srgbClr val="000000"/>
                 </a:solidFill>
@@ -17615,14 +17598,14 @@
           </a:ln>
           <a:extLst>
             <a:ext uri="{909E8E84-426E-40dd-AFC4-6F175D3DCCD1}">
-              <a14:hiddenFill xmlns:a14="http://schemas.microsoft.com/office/drawing/2010/main" xmlns="">
+              <a14:hiddenFill xmlns="" xmlns:a14="http://schemas.microsoft.com/office/drawing/2010/main">
                 <a:solidFill>
                   <a:srgbClr val="FFFFFF"/>
                 </a:solidFill>
               </a14:hiddenFill>
             </a:ext>
             <a:ext uri="{91240B29-F687-4f45-9708-019B960494DF}">
-              <a14:hiddenLine xmlns:a14="http://schemas.microsoft.com/office/drawing/2010/main" xmlns="" w="9525">
+              <a14:hiddenLine xmlns="" xmlns:a14="http://schemas.microsoft.com/office/drawing/2010/main" w="9525">
                 <a:solidFill>
                   <a:srgbClr val="000000"/>
                 </a:solidFill>
@@ -17802,14 +17785,14 @@
           <a:effectLst/>
           <a:extLst>
             <a:ext uri="{909E8E84-426E-40dd-AFC4-6F175D3DCCD1}">
-              <a14:hiddenFill xmlns:a14="http://schemas.microsoft.com/office/drawing/2010/main" xmlns="">
+              <a14:hiddenFill xmlns="" xmlns:a14="http://schemas.microsoft.com/office/drawing/2010/main">
                 <a:solidFill>
                   <a:schemeClr val="accent1"/>
                 </a:solidFill>
               </a14:hiddenFill>
             </a:ext>
             <a:ext uri="{91240B29-F687-4f45-9708-019B960494DF}">
-              <a14:hiddenLine xmlns:a14="http://schemas.microsoft.com/office/drawing/2010/main" xmlns="" w="9525">
+              <a14:hiddenLine xmlns="" xmlns:a14="http://schemas.microsoft.com/office/drawing/2010/main" w="9525">
                 <a:solidFill>
                   <a:schemeClr val="tx1"/>
                 </a:solidFill>
@@ -17819,7 +17802,7 @@
               </a14:hiddenLine>
             </a:ext>
             <a:ext uri="{AF507438-7753-43e0-B8FC-AC1667EBCBE1}">
-              <a14:hiddenEffects xmlns:a14="http://schemas.microsoft.com/office/drawing/2010/main" xmlns="">
+              <a14:hiddenEffects xmlns="" xmlns:a14="http://schemas.microsoft.com/office/drawing/2010/main">
                 <a:effectLst>
                   <a:outerShdw blurRad="63500" dist="38099" dir="2700000" algn="ctr" rotWithShape="0">
                     <a:schemeClr val="bg2">
@@ -18030,14 +18013,14 @@
           <a:effectLst/>
           <a:extLst>
             <a:ext uri="{909E8E84-426E-40dd-AFC4-6F175D3DCCD1}">
-              <a14:hiddenFill xmlns:a14="http://schemas.microsoft.com/office/drawing/2010/main" xmlns="">
+              <a14:hiddenFill xmlns="" xmlns:a14="http://schemas.microsoft.com/office/drawing/2010/main">
                 <a:solidFill>
                   <a:schemeClr val="accent1"/>
                 </a:solidFill>
               </a14:hiddenFill>
             </a:ext>
             <a:ext uri="{91240B29-F687-4f45-9708-019B960494DF}">
-              <a14:hiddenLine xmlns:a14="http://schemas.microsoft.com/office/drawing/2010/main" xmlns="" w="9525">
+              <a14:hiddenLine xmlns="" xmlns:a14="http://schemas.microsoft.com/office/drawing/2010/main" w="9525">
                 <a:solidFill>
                   <a:schemeClr val="tx1"/>
                 </a:solidFill>
@@ -18047,7 +18030,7 @@
               </a14:hiddenLine>
             </a:ext>
             <a:ext uri="{AF507438-7753-43e0-B8FC-AC1667EBCBE1}">
-              <a14:hiddenEffects xmlns:a14="http://schemas.microsoft.com/office/drawing/2010/main" xmlns="">
+              <a14:hiddenEffects xmlns="" xmlns:a14="http://schemas.microsoft.com/office/drawing/2010/main">
                 <a:effectLst>
                   <a:outerShdw blurRad="63500" dist="38099" dir="2700000" algn="ctr" rotWithShape="0">
                     <a:schemeClr val="bg2">
@@ -18108,14 +18091,14 @@
           <a:effectLst/>
           <a:extLst>
             <a:ext uri="{909E8E84-426E-40dd-AFC4-6F175D3DCCD1}">
-              <a14:hiddenFill xmlns:a14="http://schemas.microsoft.com/office/drawing/2010/main" xmlns="">
+              <a14:hiddenFill xmlns="" xmlns:a14="http://schemas.microsoft.com/office/drawing/2010/main">
                 <a:solidFill>
                   <a:schemeClr val="accent1"/>
                 </a:solidFill>
               </a14:hiddenFill>
             </a:ext>
             <a:ext uri="{AF507438-7753-43e0-B8FC-AC1667EBCBE1}">
-              <a14:hiddenEffects xmlns:a14="http://schemas.microsoft.com/office/drawing/2010/main" xmlns="">
+              <a14:hiddenEffects xmlns="" xmlns:a14="http://schemas.microsoft.com/office/drawing/2010/main">
                 <a:effectLst>
                   <a:outerShdw blurRad="63500" dist="38099" dir="2700000" algn="ctr" rotWithShape="0">
                     <a:schemeClr val="bg2">
@@ -18163,14 +18146,14 @@
           <a:effectLst/>
           <a:extLst>
             <a:ext uri="{909E8E84-426E-40dd-AFC4-6F175D3DCCD1}">
-              <a14:hiddenFill xmlns:a14="http://schemas.microsoft.com/office/drawing/2010/main" xmlns="">
+              <a14:hiddenFill xmlns="" xmlns:a14="http://schemas.microsoft.com/office/drawing/2010/main">
                 <a:solidFill>
                   <a:schemeClr val="accent1"/>
                 </a:solidFill>
               </a14:hiddenFill>
             </a:ext>
             <a:ext uri="{91240B29-F687-4f45-9708-019B960494DF}">
-              <a14:hiddenLine xmlns:a14="http://schemas.microsoft.com/office/drawing/2010/main" xmlns="" w="9525">
+              <a14:hiddenLine xmlns="" xmlns:a14="http://schemas.microsoft.com/office/drawing/2010/main" w="9525">
                 <a:solidFill>
                   <a:schemeClr val="tx1"/>
                 </a:solidFill>
@@ -18180,7 +18163,7 @@
               </a14:hiddenLine>
             </a:ext>
             <a:ext uri="{AF507438-7753-43e0-B8FC-AC1667EBCBE1}">
-              <a14:hiddenEffects xmlns:a14="http://schemas.microsoft.com/office/drawing/2010/main" xmlns="">
+              <a14:hiddenEffects xmlns="" xmlns:a14="http://schemas.microsoft.com/office/drawing/2010/main">
                 <a:effectLst>
                   <a:outerShdw blurRad="63500" dist="38099" dir="2700000" algn="ctr" rotWithShape="0">
                     <a:schemeClr val="bg2">
@@ -18241,12 +18224,12 @@
           <a:effectLst/>
           <a:extLst>
             <a:ext uri="{909E8E84-426E-40dd-AFC4-6F175D3DCCD1}">
-              <a14:hiddenFill xmlns:a14="http://schemas.microsoft.com/office/drawing/2010/main" xmlns="">
+              <a14:hiddenFill xmlns="" xmlns:a14="http://schemas.microsoft.com/office/drawing/2010/main">
                 <a:noFill/>
               </a14:hiddenFill>
             </a:ext>
             <a:ext uri="{AF507438-7753-43e0-B8FC-AC1667EBCBE1}">
-              <a14:hiddenEffects xmlns:a14="http://schemas.microsoft.com/office/drawing/2010/main" xmlns="">
+              <a14:hiddenEffects xmlns="" xmlns:a14="http://schemas.microsoft.com/office/drawing/2010/main">
                 <a:effectLst>
                   <a:outerShdw blurRad="63500" dist="38099" dir="2700000" algn="ctr" rotWithShape="0">
                     <a:schemeClr val="bg2">
@@ -18299,14 +18282,14 @@
           <a:effectLst/>
           <a:extLst>
             <a:ext uri="{909E8E84-426E-40dd-AFC4-6F175D3DCCD1}">
-              <a14:hiddenFill xmlns:a14="http://schemas.microsoft.com/office/drawing/2010/main" xmlns="">
+              <a14:hiddenFill xmlns="" xmlns:a14="http://schemas.microsoft.com/office/drawing/2010/main">
                 <a:solidFill>
                   <a:schemeClr val="accent1"/>
                 </a:solidFill>
               </a14:hiddenFill>
             </a:ext>
             <a:ext uri="{AF507438-7753-43e0-B8FC-AC1667EBCBE1}">
-              <a14:hiddenEffects xmlns:a14="http://schemas.microsoft.com/office/drawing/2010/main" xmlns="">
+              <a14:hiddenEffects xmlns="" xmlns:a14="http://schemas.microsoft.com/office/drawing/2010/main">
                 <a:effectLst>
                   <a:outerShdw blurRad="63500" dist="38099" dir="2700000" algn="ctr" rotWithShape="0">
                     <a:schemeClr val="bg2">
@@ -18353,14 +18336,14 @@
           </a:ln>
           <a:extLst>
             <a:ext uri="{909E8E84-426E-40dd-AFC4-6F175D3DCCD1}">
-              <a14:hiddenFill xmlns:a14="http://schemas.microsoft.com/office/drawing/2010/main" xmlns="">
+              <a14:hiddenFill xmlns="" xmlns:a14="http://schemas.microsoft.com/office/drawing/2010/main">
                 <a:solidFill>
                   <a:srgbClr val="FFFFFF"/>
                 </a:solidFill>
               </a14:hiddenFill>
             </a:ext>
             <a:ext uri="{91240B29-F687-4f45-9708-019B960494DF}">
-              <a14:hiddenLine xmlns:a14="http://schemas.microsoft.com/office/drawing/2010/main" xmlns="" w="9525">
+              <a14:hiddenLine xmlns="" xmlns:a14="http://schemas.microsoft.com/office/drawing/2010/main" w="9525">
                 <a:solidFill>
                   <a:srgbClr val="000000"/>
                 </a:solidFill>
@@ -18514,14 +18497,14 @@
           </a:ln>
           <a:extLst>
             <a:ext uri="{909E8E84-426E-40dd-AFC4-6F175D3DCCD1}">
-              <a14:hiddenFill xmlns:a14="http://schemas.microsoft.com/office/drawing/2010/main" xmlns="">
+              <a14:hiddenFill xmlns="" xmlns:a14="http://schemas.microsoft.com/office/drawing/2010/main">
                 <a:solidFill>
                   <a:srgbClr val="FFFFFF"/>
                 </a:solidFill>
               </a14:hiddenFill>
             </a:ext>
             <a:ext uri="{91240B29-F687-4f45-9708-019B960494DF}">
-              <a14:hiddenLine xmlns:a14="http://schemas.microsoft.com/office/drawing/2010/main" xmlns="" w="9525">
+              <a14:hiddenLine xmlns="" xmlns:a14="http://schemas.microsoft.com/office/drawing/2010/main" w="9525">
                 <a:solidFill>
                   <a:srgbClr val="000000"/>
                 </a:solidFill>
@@ -18701,14 +18684,14 @@
           <a:effectLst/>
           <a:extLst>
             <a:ext uri="{909E8E84-426E-40dd-AFC4-6F175D3DCCD1}">
-              <a14:hiddenFill xmlns:a14="http://schemas.microsoft.com/office/drawing/2010/main" xmlns="">
+              <a14:hiddenFill xmlns="" xmlns:a14="http://schemas.microsoft.com/office/drawing/2010/main">
                 <a:solidFill>
                   <a:schemeClr val="accent1"/>
                 </a:solidFill>
               </a14:hiddenFill>
             </a:ext>
             <a:ext uri="{91240B29-F687-4f45-9708-019B960494DF}">
-              <a14:hiddenLine xmlns:a14="http://schemas.microsoft.com/office/drawing/2010/main" xmlns="" w="9525">
+              <a14:hiddenLine xmlns="" xmlns:a14="http://schemas.microsoft.com/office/drawing/2010/main" w="9525">
                 <a:solidFill>
                   <a:schemeClr val="tx1"/>
                 </a:solidFill>
@@ -18718,7 +18701,7 @@
               </a14:hiddenLine>
             </a:ext>
             <a:ext uri="{AF507438-7753-43e0-B8FC-AC1667EBCBE1}">
-              <a14:hiddenEffects xmlns:a14="http://schemas.microsoft.com/office/drawing/2010/main" xmlns="">
+              <a14:hiddenEffects xmlns="" xmlns:a14="http://schemas.microsoft.com/office/drawing/2010/main">
                 <a:effectLst>
                   <a:outerShdw blurRad="63500" dist="38099" dir="2700000" algn="ctr" rotWithShape="0">
                     <a:schemeClr val="bg2">
@@ -18794,14 +18777,14 @@
           <a:effectLst/>
           <a:extLst>
             <a:ext uri="{909E8E84-426E-40dd-AFC4-6F175D3DCCD1}">
-              <a14:hiddenFill xmlns:a14="http://schemas.microsoft.com/office/drawing/2010/main" xmlns="">
+              <a14:hiddenFill xmlns="" xmlns:a14="http://schemas.microsoft.com/office/drawing/2010/main">
                 <a:solidFill>
                   <a:schemeClr val="accent1"/>
                 </a:solidFill>
               </a14:hiddenFill>
             </a:ext>
             <a:ext uri="{AF507438-7753-43e0-B8FC-AC1667EBCBE1}">
-              <a14:hiddenEffects xmlns:a14="http://schemas.microsoft.com/office/drawing/2010/main" xmlns="">
+              <a14:hiddenEffects xmlns="" xmlns:a14="http://schemas.microsoft.com/office/drawing/2010/main">
                 <a:effectLst>
                   <a:outerShdw blurRad="63500" dist="38099" dir="2700000" algn="ctr" rotWithShape="0">
                     <a:schemeClr val="bg2">
@@ -18849,14 +18832,14 @@
           <a:effectLst/>
           <a:extLst>
             <a:ext uri="{909E8E84-426E-40dd-AFC4-6F175D3DCCD1}">
-              <a14:hiddenFill xmlns:a14="http://schemas.microsoft.com/office/drawing/2010/main" xmlns="">
+              <a14:hiddenFill xmlns="" xmlns:a14="http://schemas.microsoft.com/office/drawing/2010/main">
                 <a:solidFill>
                   <a:schemeClr val="accent1"/>
                 </a:solidFill>
               </a14:hiddenFill>
             </a:ext>
             <a:ext uri="{91240B29-F687-4f45-9708-019B960494DF}">
-              <a14:hiddenLine xmlns:a14="http://schemas.microsoft.com/office/drawing/2010/main" xmlns="" w="9525">
+              <a14:hiddenLine xmlns="" xmlns:a14="http://schemas.microsoft.com/office/drawing/2010/main" w="9525">
                 <a:solidFill>
                   <a:schemeClr val="tx1"/>
                 </a:solidFill>
@@ -18866,7 +18849,7 @@
               </a14:hiddenLine>
             </a:ext>
             <a:ext uri="{AF507438-7753-43e0-B8FC-AC1667EBCBE1}">
-              <a14:hiddenEffects xmlns:a14="http://schemas.microsoft.com/office/drawing/2010/main" xmlns="">
+              <a14:hiddenEffects xmlns="" xmlns:a14="http://schemas.microsoft.com/office/drawing/2010/main">
                 <a:effectLst>
                   <a:outerShdw blurRad="63500" dist="38099" dir="2700000" algn="ctr" rotWithShape="0">
                     <a:schemeClr val="bg2">
@@ -18936,14 +18919,14 @@
           <a:effectLst/>
           <a:extLst>
             <a:ext uri="{909E8E84-426E-40dd-AFC4-6F175D3DCCD1}">
-              <a14:hiddenFill xmlns:a14="http://schemas.microsoft.com/office/drawing/2010/main" xmlns="">
+              <a14:hiddenFill xmlns="" xmlns:a14="http://schemas.microsoft.com/office/drawing/2010/main">
                 <a:solidFill>
                   <a:schemeClr val="accent1"/>
                 </a:solidFill>
               </a14:hiddenFill>
             </a:ext>
             <a:ext uri="{AF507438-7753-43e0-B8FC-AC1667EBCBE1}">
-              <a14:hiddenEffects xmlns:a14="http://schemas.microsoft.com/office/drawing/2010/main" xmlns="">
+              <a14:hiddenEffects xmlns="" xmlns:a14="http://schemas.microsoft.com/office/drawing/2010/main">
                 <a:effectLst>
                   <a:outerShdw blurRad="63500" dist="38099" dir="2700000" algn="ctr" rotWithShape="0">
                     <a:schemeClr val="bg2">
@@ -18999,14 +18982,14 @@
           <a:effectLst/>
           <a:extLst>
             <a:ext uri="{909E8E84-426E-40dd-AFC4-6F175D3DCCD1}">
-              <a14:hiddenFill xmlns:a14="http://schemas.microsoft.com/office/drawing/2010/main" xmlns="">
+              <a14:hiddenFill xmlns="" xmlns:a14="http://schemas.microsoft.com/office/drawing/2010/main">
                 <a:solidFill>
                   <a:schemeClr val="accent1"/>
                 </a:solidFill>
               </a14:hiddenFill>
             </a:ext>
             <a:ext uri="{AF507438-7753-43e0-B8FC-AC1667EBCBE1}">
-              <a14:hiddenEffects xmlns:a14="http://schemas.microsoft.com/office/drawing/2010/main" xmlns="">
+              <a14:hiddenEffects xmlns="" xmlns:a14="http://schemas.microsoft.com/office/drawing/2010/main">
                 <a:effectLst>
                   <a:outerShdw blurRad="63500" dist="38099" dir="2700000" algn="ctr" rotWithShape="0">
                     <a:schemeClr val="bg2">
@@ -19054,14 +19037,14 @@
           <a:effectLst/>
           <a:extLst>
             <a:ext uri="{909E8E84-426E-40dd-AFC4-6F175D3DCCD1}">
-              <a14:hiddenFill xmlns:a14="http://schemas.microsoft.com/office/drawing/2010/main" xmlns="">
+              <a14:hiddenFill xmlns="" xmlns:a14="http://schemas.microsoft.com/office/drawing/2010/main">
                 <a:solidFill>
                   <a:schemeClr val="accent1"/>
                 </a:solidFill>
               </a14:hiddenFill>
             </a:ext>
             <a:ext uri="{91240B29-F687-4f45-9708-019B960494DF}">
-              <a14:hiddenLine xmlns:a14="http://schemas.microsoft.com/office/drawing/2010/main" xmlns="" w="9525">
+              <a14:hiddenLine xmlns="" xmlns:a14="http://schemas.microsoft.com/office/drawing/2010/main" w="9525">
                 <a:solidFill>
                   <a:schemeClr val="tx1"/>
                 </a:solidFill>
@@ -19071,7 +19054,7 @@
               </a14:hiddenLine>
             </a:ext>
             <a:ext uri="{AF507438-7753-43e0-B8FC-AC1667EBCBE1}">
-              <a14:hiddenEffects xmlns:a14="http://schemas.microsoft.com/office/drawing/2010/main" xmlns="">
+              <a14:hiddenEffects xmlns="" xmlns:a14="http://schemas.microsoft.com/office/drawing/2010/main">
                 <a:effectLst>
                   <a:outerShdw blurRad="63500" dist="38099" dir="2700000" algn="ctr" rotWithShape="0">
                     <a:schemeClr val="bg2">
@@ -19126,14 +19109,14 @@
           </a:ln>
           <a:extLst>
             <a:ext uri="{909E8E84-426E-40dd-AFC4-6F175D3DCCD1}">
-              <a14:hiddenFill xmlns:a14="http://schemas.microsoft.com/office/drawing/2010/main" xmlns="">
+              <a14:hiddenFill xmlns="" xmlns:a14="http://schemas.microsoft.com/office/drawing/2010/main">
                 <a:solidFill>
                   <a:srgbClr val="FFFFFF"/>
                 </a:solidFill>
               </a14:hiddenFill>
             </a:ext>
             <a:ext uri="{91240B29-F687-4f45-9708-019B960494DF}">
-              <a14:hiddenLine xmlns:a14="http://schemas.microsoft.com/office/drawing/2010/main" xmlns="" w="9525">
+              <a14:hiddenLine xmlns="" xmlns:a14="http://schemas.microsoft.com/office/drawing/2010/main" w="9525">
                 <a:solidFill>
                   <a:srgbClr val="000000"/>
                 </a:solidFill>
@@ -19288,14 +19271,14 @@
           <a:effectLst/>
           <a:extLst>
             <a:ext uri="{909E8E84-426E-40dd-AFC4-6F175D3DCCD1}">
-              <a14:hiddenFill xmlns:a14="http://schemas.microsoft.com/office/drawing/2010/main" xmlns="">
+              <a14:hiddenFill xmlns="" xmlns:a14="http://schemas.microsoft.com/office/drawing/2010/main">
                 <a:solidFill>
                   <a:schemeClr val="accent1"/>
                 </a:solidFill>
               </a14:hiddenFill>
             </a:ext>
             <a:ext uri="{91240B29-F687-4f45-9708-019B960494DF}">
-              <a14:hiddenLine xmlns:a14="http://schemas.microsoft.com/office/drawing/2010/main" xmlns="" w="9525">
+              <a14:hiddenLine xmlns="" xmlns:a14="http://schemas.microsoft.com/office/drawing/2010/main" w="9525">
                 <a:solidFill>
                   <a:schemeClr val="tx1"/>
                 </a:solidFill>
@@ -19305,7 +19288,7 @@
               </a14:hiddenLine>
             </a:ext>
             <a:ext uri="{AF507438-7753-43e0-B8FC-AC1667EBCBE1}">
-              <a14:hiddenEffects xmlns:a14="http://schemas.microsoft.com/office/drawing/2010/main" xmlns="">
+              <a14:hiddenEffects xmlns="" xmlns:a14="http://schemas.microsoft.com/office/drawing/2010/main">
                 <a:effectLst>
                   <a:outerShdw blurRad="63500" dist="38099" dir="2700000" algn="ctr" rotWithShape="0">
                     <a:schemeClr val="bg2">
@@ -19541,14 +19524,14 @@
           <a:effectLst/>
           <a:extLst>
             <a:ext uri="{909E8E84-426E-40dd-AFC4-6F175D3DCCD1}">
-              <a14:hiddenFill xmlns:a14="http://schemas.microsoft.com/office/drawing/2010/main" xmlns="">
+              <a14:hiddenFill xmlns="" xmlns:a14="http://schemas.microsoft.com/office/drawing/2010/main">
                 <a:solidFill>
                   <a:schemeClr val="accent1"/>
                 </a:solidFill>
               </a14:hiddenFill>
             </a:ext>
             <a:ext uri="{91240B29-F687-4f45-9708-019B960494DF}">
-              <a14:hiddenLine xmlns:a14="http://schemas.microsoft.com/office/drawing/2010/main" xmlns="" w="9525">
+              <a14:hiddenLine xmlns="" xmlns:a14="http://schemas.microsoft.com/office/drawing/2010/main" w="9525">
                 <a:solidFill>
                   <a:schemeClr val="tx1"/>
                 </a:solidFill>
@@ -19558,7 +19541,7 @@
               </a14:hiddenLine>
             </a:ext>
             <a:ext uri="{AF507438-7753-43e0-B8FC-AC1667EBCBE1}">
-              <a14:hiddenEffects xmlns:a14="http://schemas.microsoft.com/office/drawing/2010/main" xmlns="">
+              <a14:hiddenEffects xmlns="" xmlns:a14="http://schemas.microsoft.com/office/drawing/2010/main">
                 <a:effectLst>
                   <a:outerShdw blurRad="63500" dist="38099" dir="2700000" algn="ctr" rotWithShape="0">
                     <a:schemeClr val="bg2">
@@ -19769,14 +19752,14 @@
           <a:effectLst/>
           <a:extLst>
             <a:ext uri="{909E8E84-426E-40dd-AFC4-6F175D3DCCD1}">
-              <a14:hiddenFill xmlns:a14="http://schemas.microsoft.com/office/drawing/2010/main" xmlns="">
+              <a14:hiddenFill xmlns="" xmlns:a14="http://schemas.microsoft.com/office/drawing/2010/main">
                 <a:solidFill>
                   <a:schemeClr val="accent1"/>
                 </a:solidFill>
               </a14:hiddenFill>
             </a:ext>
             <a:ext uri="{91240B29-F687-4f45-9708-019B960494DF}">
-              <a14:hiddenLine xmlns:a14="http://schemas.microsoft.com/office/drawing/2010/main" xmlns="" w="9525">
+              <a14:hiddenLine xmlns="" xmlns:a14="http://schemas.microsoft.com/office/drawing/2010/main" w="9525">
                 <a:solidFill>
                   <a:schemeClr val="tx1"/>
                 </a:solidFill>
@@ -19786,7 +19769,7 @@
               </a14:hiddenLine>
             </a:ext>
             <a:ext uri="{AF507438-7753-43e0-B8FC-AC1667EBCBE1}">
-              <a14:hiddenEffects xmlns:a14="http://schemas.microsoft.com/office/drawing/2010/main" xmlns="">
+              <a14:hiddenEffects xmlns="" xmlns:a14="http://schemas.microsoft.com/office/drawing/2010/main">
                 <a:effectLst>
                   <a:outerShdw blurRad="63500" dist="38099" dir="2700000" algn="ctr" rotWithShape="0">
                     <a:schemeClr val="bg2">
@@ -19847,14 +19830,14 @@
           <a:effectLst/>
           <a:extLst>
             <a:ext uri="{909E8E84-426E-40dd-AFC4-6F175D3DCCD1}">
-              <a14:hiddenFill xmlns:a14="http://schemas.microsoft.com/office/drawing/2010/main" xmlns="">
+              <a14:hiddenFill xmlns="" xmlns:a14="http://schemas.microsoft.com/office/drawing/2010/main">
                 <a:solidFill>
                   <a:schemeClr val="accent1"/>
                 </a:solidFill>
               </a14:hiddenFill>
             </a:ext>
             <a:ext uri="{AF507438-7753-43e0-B8FC-AC1667EBCBE1}">
-              <a14:hiddenEffects xmlns:a14="http://schemas.microsoft.com/office/drawing/2010/main" xmlns="">
+              <a14:hiddenEffects xmlns="" xmlns:a14="http://schemas.microsoft.com/office/drawing/2010/main">
                 <a:effectLst>
                   <a:outerShdw blurRad="63500" dist="38099" dir="2700000" algn="ctr" rotWithShape="0">
                     <a:schemeClr val="bg2">
@@ -19902,14 +19885,14 @@
           <a:effectLst/>
           <a:extLst>
             <a:ext uri="{909E8E84-426E-40dd-AFC4-6F175D3DCCD1}">
-              <a14:hiddenFill xmlns:a14="http://schemas.microsoft.com/office/drawing/2010/main" xmlns="">
+              <a14:hiddenFill xmlns="" xmlns:a14="http://schemas.microsoft.com/office/drawing/2010/main">
                 <a:solidFill>
                   <a:schemeClr val="accent1"/>
                 </a:solidFill>
               </a14:hiddenFill>
             </a:ext>
             <a:ext uri="{91240B29-F687-4f45-9708-019B960494DF}">
-              <a14:hiddenLine xmlns:a14="http://schemas.microsoft.com/office/drawing/2010/main" xmlns="" w="9525">
+              <a14:hiddenLine xmlns="" xmlns:a14="http://schemas.microsoft.com/office/drawing/2010/main" w="9525">
                 <a:solidFill>
                   <a:schemeClr val="tx1"/>
                 </a:solidFill>
@@ -19919,7 +19902,7 @@
               </a14:hiddenLine>
             </a:ext>
             <a:ext uri="{AF507438-7753-43e0-B8FC-AC1667EBCBE1}">
-              <a14:hiddenEffects xmlns:a14="http://schemas.microsoft.com/office/drawing/2010/main" xmlns="">
+              <a14:hiddenEffects xmlns="" xmlns:a14="http://schemas.microsoft.com/office/drawing/2010/main">
                 <a:effectLst>
                   <a:outerShdw blurRad="63500" dist="38099" dir="2700000" algn="ctr" rotWithShape="0">
                     <a:schemeClr val="bg2">
@@ -19989,12 +19972,12 @@
           <a:effectLst/>
           <a:extLst>
             <a:ext uri="{909E8E84-426E-40dd-AFC4-6F175D3DCCD1}">
-              <a14:hiddenFill xmlns:a14="http://schemas.microsoft.com/office/drawing/2010/main" xmlns="">
+              <a14:hiddenFill xmlns="" xmlns:a14="http://schemas.microsoft.com/office/drawing/2010/main">
                 <a:noFill/>
               </a14:hiddenFill>
             </a:ext>
             <a:ext uri="{AF507438-7753-43e0-B8FC-AC1667EBCBE1}">
-              <a14:hiddenEffects xmlns:a14="http://schemas.microsoft.com/office/drawing/2010/main" xmlns="">
+              <a14:hiddenEffects xmlns="" xmlns:a14="http://schemas.microsoft.com/office/drawing/2010/main">
                 <a:effectLst>
                   <a:outerShdw blurRad="63500" dist="38099" dir="2700000" algn="ctr" rotWithShape="0">
                     <a:schemeClr val="bg2">
@@ -20041,14 +20024,14 @@
           </a:ln>
           <a:extLst>
             <a:ext uri="{909E8E84-426E-40dd-AFC4-6F175D3DCCD1}">
-              <a14:hiddenFill xmlns:a14="http://schemas.microsoft.com/office/drawing/2010/main" xmlns="">
+              <a14:hiddenFill xmlns="" xmlns:a14="http://schemas.microsoft.com/office/drawing/2010/main">
                 <a:solidFill>
                   <a:srgbClr val="FFFFFF"/>
                 </a:solidFill>
               </a14:hiddenFill>
             </a:ext>
             <a:ext uri="{91240B29-F687-4f45-9708-019B960494DF}">
-              <a14:hiddenLine xmlns:a14="http://schemas.microsoft.com/office/drawing/2010/main" xmlns="" w="9525">
+              <a14:hiddenLine xmlns="" xmlns:a14="http://schemas.microsoft.com/office/drawing/2010/main" w="9525">
                 <a:solidFill>
                   <a:srgbClr val="000000"/>
                 </a:solidFill>
@@ -20202,14 +20185,14 @@
           </a:ln>
           <a:extLst>
             <a:ext uri="{909E8E84-426E-40dd-AFC4-6F175D3DCCD1}">
-              <a14:hiddenFill xmlns:a14="http://schemas.microsoft.com/office/drawing/2010/main" xmlns="">
+              <a14:hiddenFill xmlns="" xmlns:a14="http://schemas.microsoft.com/office/drawing/2010/main">
                 <a:solidFill>
                   <a:srgbClr val="FFFFFF"/>
                 </a:solidFill>
               </a14:hiddenFill>
             </a:ext>
             <a:ext uri="{91240B29-F687-4f45-9708-019B960494DF}">
-              <a14:hiddenLine xmlns:a14="http://schemas.microsoft.com/office/drawing/2010/main" xmlns="" w="9525">
+              <a14:hiddenLine xmlns="" xmlns:a14="http://schemas.microsoft.com/office/drawing/2010/main" w="9525">
                 <a:solidFill>
                   <a:srgbClr val="000000"/>
                 </a:solidFill>
@@ -20389,14 +20372,14 @@
           <a:effectLst/>
           <a:extLst>
             <a:ext uri="{909E8E84-426E-40dd-AFC4-6F175D3DCCD1}">
-              <a14:hiddenFill xmlns:a14="http://schemas.microsoft.com/office/drawing/2010/main" xmlns="">
+              <a14:hiddenFill xmlns="" xmlns:a14="http://schemas.microsoft.com/office/drawing/2010/main">
                 <a:solidFill>
                   <a:schemeClr val="accent1"/>
                 </a:solidFill>
               </a14:hiddenFill>
             </a:ext>
             <a:ext uri="{91240B29-F687-4f45-9708-019B960494DF}">
-              <a14:hiddenLine xmlns:a14="http://schemas.microsoft.com/office/drawing/2010/main" xmlns="" w="9525">
+              <a14:hiddenLine xmlns="" xmlns:a14="http://schemas.microsoft.com/office/drawing/2010/main" w="9525">
                 <a:solidFill>
                   <a:schemeClr val="tx1"/>
                 </a:solidFill>
@@ -20406,7 +20389,7 @@
               </a14:hiddenLine>
             </a:ext>
             <a:ext uri="{AF507438-7753-43e0-B8FC-AC1667EBCBE1}">
-              <a14:hiddenEffects xmlns:a14="http://schemas.microsoft.com/office/drawing/2010/main" xmlns="">
+              <a14:hiddenEffects xmlns="" xmlns:a14="http://schemas.microsoft.com/office/drawing/2010/main">
                 <a:effectLst>
                   <a:outerShdw blurRad="63500" dist="38099" dir="2700000" algn="ctr" rotWithShape="0">
                     <a:schemeClr val="bg2">
@@ -20617,14 +20600,14 @@
           <a:effectLst/>
           <a:extLst>
             <a:ext uri="{909E8E84-426E-40dd-AFC4-6F175D3DCCD1}">
-              <a14:hiddenFill xmlns:a14="http://schemas.microsoft.com/office/drawing/2010/main" xmlns="">
+              <a14:hiddenFill xmlns="" xmlns:a14="http://schemas.microsoft.com/office/drawing/2010/main">
                 <a:solidFill>
                   <a:schemeClr val="accent1"/>
                 </a:solidFill>
               </a14:hiddenFill>
             </a:ext>
             <a:ext uri="{91240B29-F687-4f45-9708-019B960494DF}">
-              <a14:hiddenLine xmlns:a14="http://schemas.microsoft.com/office/drawing/2010/main" xmlns="" w="9525">
+              <a14:hiddenLine xmlns="" xmlns:a14="http://schemas.microsoft.com/office/drawing/2010/main" w="9525">
                 <a:solidFill>
                   <a:schemeClr val="tx1"/>
                 </a:solidFill>
@@ -20634,7 +20617,7 @@
               </a14:hiddenLine>
             </a:ext>
             <a:ext uri="{AF507438-7753-43e0-B8FC-AC1667EBCBE1}">
-              <a14:hiddenEffects xmlns:a14="http://schemas.microsoft.com/office/drawing/2010/main" xmlns="">
+              <a14:hiddenEffects xmlns="" xmlns:a14="http://schemas.microsoft.com/office/drawing/2010/main">
                 <a:effectLst>
                   <a:outerShdw blurRad="63500" dist="38099" dir="2700000" algn="ctr" rotWithShape="0">
                     <a:schemeClr val="bg2">
@@ -20725,14 +20708,14 @@
           <a:effectLst/>
           <a:extLst>
             <a:ext uri="{909E8E84-426E-40dd-AFC4-6F175D3DCCD1}">
-              <a14:hiddenFill xmlns:a14="http://schemas.microsoft.com/office/drawing/2010/main" xmlns="">
+              <a14:hiddenFill xmlns="" xmlns:a14="http://schemas.microsoft.com/office/drawing/2010/main">
                 <a:solidFill>
                   <a:schemeClr val="accent1"/>
                 </a:solidFill>
               </a14:hiddenFill>
             </a:ext>
             <a:ext uri="{AF507438-7753-43e0-B8FC-AC1667EBCBE1}">
-              <a14:hiddenEffects xmlns:a14="http://schemas.microsoft.com/office/drawing/2010/main" xmlns="">
+              <a14:hiddenEffects xmlns="" xmlns:a14="http://schemas.microsoft.com/office/drawing/2010/main">
                 <a:effectLst>
                   <a:outerShdw blurRad="63500" dist="38099" dir="2700000" algn="ctr" rotWithShape="0">
                     <a:schemeClr val="bg2">
@@ -20780,14 +20763,14 @@
           <a:effectLst/>
           <a:extLst>
             <a:ext uri="{909E8E84-426E-40dd-AFC4-6F175D3DCCD1}">
-              <a14:hiddenFill xmlns:a14="http://schemas.microsoft.com/office/drawing/2010/main" xmlns="">
+              <a14:hiddenFill xmlns="" xmlns:a14="http://schemas.microsoft.com/office/drawing/2010/main">
                 <a:solidFill>
                   <a:schemeClr val="accent1"/>
                 </a:solidFill>
               </a14:hiddenFill>
             </a:ext>
             <a:ext uri="{91240B29-F687-4f45-9708-019B960494DF}">
-              <a14:hiddenLine xmlns:a14="http://schemas.microsoft.com/office/drawing/2010/main" xmlns="" w="9525">
+              <a14:hiddenLine xmlns="" xmlns:a14="http://schemas.microsoft.com/office/drawing/2010/main" w="9525">
                 <a:solidFill>
                   <a:schemeClr val="tx1"/>
                 </a:solidFill>
@@ -20797,7 +20780,7 @@
               </a14:hiddenLine>
             </a:ext>
             <a:ext uri="{AF507438-7753-43e0-B8FC-AC1667EBCBE1}">
-              <a14:hiddenEffects xmlns:a14="http://schemas.microsoft.com/office/drawing/2010/main" xmlns="">
+              <a14:hiddenEffects xmlns="" xmlns:a14="http://schemas.microsoft.com/office/drawing/2010/main">
                 <a:effectLst>
                   <a:outerShdw blurRad="63500" dist="38099" dir="2700000" algn="ctr" rotWithShape="0">
                     <a:schemeClr val="bg2">
@@ -20867,12 +20850,12 @@
           <a:effectLst/>
           <a:extLst>
             <a:ext uri="{909E8E84-426E-40dd-AFC4-6F175D3DCCD1}">
-              <a14:hiddenFill xmlns:a14="http://schemas.microsoft.com/office/drawing/2010/main" xmlns="">
+              <a14:hiddenFill xmlns="" xmlns:a14="http://schemas.microsoft.com/office/drawing/2010/main">
                 <a:noFill/>
               </a14:hiddenFill>
             </a:ext>
             <a:ext uri="{AF507438-7753-43e0-B8FC-AC1667EBCBE1}">
-              <a14:hiddenEffects xmlns:a14="http://schemas.microsoft.com/office/drawing/2010/main" xmlns="">
+              <a14:hiddenEffects xmlns="" xmlns:a14="http://schemas.microsoft.com/office/drawing/2010/main">
                 <a:effectLst>
                   <a:outerShdw blurRad="63500" dist="38099" dir="2700000" algn="ctr" rotWithShape="0">
                     <a:schemeClr val="bg2">
@@ -20925,14 +20908,14 @@
           <a:effectLst/>
           <a:extLst>
             <a:ext uri="{909E8E84-426E-40dd-AFC4-6F175D3DCCD1}">
-              <a14:hiddenFill xmlns:a14="http://schemas.microsoft.com/office/drawing/2010/main" xmlns="">
+              <a14:hiddenFill xmlns="" xmlns:a14="http://schemas.microsoft.com/office/drawing/2010/main">
                 <a:solidFill>
                   <a:schemeClr val="accent1"/>
                 </a:solidFill>
               </a14:hiddenFill>
             </a:ext>
             <a:ext uri="{AF507438-7753-43e0-B8FC-AC1667EBCBE1}">
-              <a14:hiddenEffects xmlns:a14="http://schemas.microsoft.com/office/drawing/2010/main" xmlns="">
+              <a14:hiddenEffects xmlns="" xmlns:a14="http://schemas.microsoft.com/office/drawing/2010/main">
                 <a:effectLst>
                   <a:outerShdw blurRad="63500" dist="38099" dir="2700000" algn="ctr" rotWithShape="0">
                     <a:schemeClr val="bg2">
@@ -20979,14 +20962,14 @@
           </a:ln>
           <a:extLst>
             <a:ext uri="{909E8E84-426E-40dd-AFC4-6F175D3DCCD1}">
-              <a14:hiddenFill xmlns:a14="http://schemas.microsoft.com/office/drawing/2010/main" xmlns="">
+              <a14:hiddenFill xmlns="" xmlns:a14="http://schemas.microsoft.com/office/drawing/2010/main">
                 <a:solidFill>
                   <a:srgbClr val="FFFFFF"/>
                 </a:solidFill>
               </a14:hiddenFill>
             </a:ext>
             <a:ext uri="{91240B29-F687-4f45-9708-019B960494DF}">
-              <a14:hiddenLine xmlns:a14="http://schemas.microsoft.com/office/drawing/2010/main" xmlns="" w="9525">
+              <a14:hiddenLine xmlns="" xmlns:a14="http://schemas.microsoft.com/office/drawing/2010/main" w="9525">
                 <a:solidFill>
                   <a:srgbClr val="000000"/>
                 </a:solidFill>
@@ -21166,14 +21149,14 @@
           <a:effectLst/>
           <a:extLst>
             <a:ext uri="{909E8E84-426E-40dd-AFC4-6F175D3DCCD1}">
-              <a14:hiddenFill xmlns:a14="http://schemas.microsoft.com/office/drawing/2010/main" xmlns="">
+              <a14:hiddenFill xmlns="" xmlns:a14="http://schemas.microsoft.com/office/drawing/2010/main">
                 <a:solidFill>
                   <a:schemeClr val="accent1"/>
                 </a:solidFill>
               </a14:hiddenFill>
             </a:ext>
             <a:ext uri="{91240B29-F687-4f45-9708-019B960494DF}">
-              <a14:hiddenLine xmlns:a14="http://schemas.microsoft.com/office/drawing/2010/main" xmlns="" w="9525">
+              <a14:hiddenLine xmlns="" xmlns:a14="http://schemas.microsoft.com/office/drawing/2010/main" w="9525">
                 <a:solidFill>
                   <a:schemeClr val="tx1"/>
                 </a:solidFill>
@@ -21183,7 +21166,7 @@
               </a14:hiddenLine>
             </a:ext>
             <a:ext uri="{AF507438-7753-43e0-B8FC-AC1667EBCBE1}">
-              <a14:hiddenEffects xmlns:a14="http://schemas.microsoft.com/office/drawing/2010/main" xmlns="">
+              <a14:hiddenEffects xmlns="" xmlns:a14="http://schemas.microsoft.com/office/drawing/2010/main">
                 <a:effectLst>
                   <a:outerShdw blurRad="63500" dist="38099" dir="2700000" algn="ctr" rotWithShape="0">
                     <a:schemeClr val="bg2">
@@ -21244,14 +21227,14 @@
           <a:effectLst/>
           <a:extLst>
             <a:ext uri="{909E8E84-426E-40dd-AFC4-6F175D3DCCD1}">
-              <a14:hiddenFill xmlns:a14="http://schemas.microsoft.com/office/drawing/2010/main" xmlns="">
+              <a14:hiddenFill xmlns="" xmlns:a14="http://schemas.microsoft.com/office/drawing/2010/main">
                 <a:solidFill>
                   <a:schemeClr val="accent1"/>
                 </a:solidFill>
               </a14:hiddenFill>
             </a:ext>
             <a:ext uri="{AF507438-7753-43e0-B8FC-AC1667EBCBE1}">
-              <a14:hiddenEffects xmlns:a14="http://schemas.microsoft.com/office/drawing/2010/main" xmlns="">
+              <a14:hiddenEffects xmlns="" xmlns:a14="http://schemas.microsoft.com/office/drawing/2010/main">
                 <a:effectLst>
                   <a:outerShdw blurRad="63500" dist="38099" dir="2700000" algn="ctr" rotWithShape="0">
                     <a:schemeClr val="bg2">
@@ -21299,14 +21282,14 @@
           <a:effectLst/>
           <a:extLst>
             <a:ext uri="{909E8E84-426E-40dd-AFC4-6F175D3DCCD1}">
-              <a14:hiddenFill xmlns:a14="http://schemas.microsoft.com/office/drawing/2010/main" xmlns="">
+              <a14:hiddenFill xmlns="" xmlns:a14="http://schemas.microsoft.com/office/drawing/2010/main">
                 <a:solidFill>
                   <a:schemeClr val="accent1"/>
                 </a:solidFill>
               </a14:hiddenFill>
             </a:ext>
             <a:ext uri="{91240B29-F687-4f45-9708-019B960494DF}">
-              <a14:hiddenLine xmlns:a14="http://schemas.microsoft.com/office/drawing/2010/main" xmlns="" w="9525">
+              <a14:hiddenLine xmlns="" xmlns:a14="http://schemas.microsoft.com/office/drawing/2010/main" w="9525">
                 <a:solidFill>
                   <a:schemeClr val="tx1"/>
                 </a:solidFill>
@@ -21316,7 +21299,7 @@
               </a14:hiddenLine>
             </a:ext>
             <a:ext uri="{AF507438-7753-43e0-B8FC-AC1667EBCBE1}">
-              <a14:hiddenEffects xmlns:a14="http://schemas.microsoft.com/office/drawing/2010/main" xmlns="">
+              <a14:hiddenEffects xmlns="" xmlns:a14="http://schemas.microsoft.com/office/drawing/2010/main">
                 <a:effectLst>
                   <a:outerShdw blurRad="63500" dist="38099" dir="2700000" algn="ctr" rotWithShape="0">
                     <a:schemeClr val="bg2">
@@ -21395,14 +21378,14 @@
           <a:effectLst/>
           <a:extLst>
             <a:ext uri="{909E8E84-426E-40dd-AFC4-6F175D3DCCD1}">
-              <a14:hiddenFill xmlns:a14="http://schemas.microsoft.com/office/drawing/2010/main" xmlns="">
+              <a14:hiddenFill xmlns="" xmlns:a14="http://schemas.microsoft.com/office/drawing/2010/main">
                 <a:solidFill>
                   <a:schemeClr val="accent1"/>
                 </a:solidFill>
               </a14:hiddenFill>
             </a:ext>
             <a:ext uri="{AF507438-7753-43e0-B8FC-AC1667EBCBE1}">
-              <a14:hiddenEffects xmlns:a14="http://schemas.microsoft.com/office/drawing/2010/main" xmlns="">
+              <a14:hiddenEffects xmlns="" xmlns:a14="http://schemas.microsoft.com/office/drawing/2010/main">
                 <a:effectLst>
                   <a:outerShdw blurRad="63500" dist="38099" dir="2700000" algn="ctr" rotWithShape="0">
                     <a:schemeClr val="bg2">
@@ -21449,14 +21432,14 @@
           </a:ln>
           <a:extLst>
             <a:ext uri="{909E8E84-426E-40dd-AFC4-6F175D3DCCD1}">
-              <a14:hiddenFill xmlns:a14="http://schemas.microsoft.com/office/drawing/2010/main" xmlns="">
+              <a14:hiddenFill xmlns="" xmlns:a14="http://schemas.microsoft.com/office/drawing/2010/main">
                 <a:solidFill>
                   <a:srgbClr val="FFFFFF"/>
                 </a:solidFill>
               </a14:hiddenFill>
             </a:ext>
             <a:ext uri="{91240B29-F687-4f45-9708-019B960494DF}">
-              <a14:hiddenLine xmlns:a14="http://schemas.microsoft.com/office/drawing/2010/main" xmlns="" w="9525">
+              <a14:hiddenLine xmlns="" xmlns:a14="http://schemas.microsoft.com/office/drawing/2010/main" w="9525">
                 <a:solidFill>
                   <a:srgbClr val="000000"/>
                 </a:solidFill>
@@ -21611,14 +21594,14 @@
           <a:effectLst/>
           <a:extLst>
             <a:ext uri="{909E8E84-426E-40dd-AFC4-6F175D3DCCD1}">
-              <a14:hiddenFill xmlns:a14="http://schemas.microsoft.com/office/drawing/2010/main" xmlns="">
+              <a14:hiddenFill xmlns="" xmlns:a14="http://schemas.microsoft.com/office/drawing/2010/main">
                 <a:solidFill>
                   <a:schemeClr val="accent1"/>
                 </a:solidFill>
               </a14:hiddenFill>
             </a:ext>
             <a:ext uri="{91240B29-F687-4f45-9708-019B960494DF}">
-              <a14:hiddenLine xmlns:a14="http://schemas.microsoft.com/office/drawing/2010/main" xmlns="" w="9525">
+              <a14:hiddenLine xmlns="" xmlns:a14="http://schemas.microsoft.com/office/drawing/2010/main" w="9525">
                 <a:solidFill>
                   <a:schemeClr val="tx1"/>
                 </a:solidFill>
@@ -21628,7 +21611,7 @@
               </a14:hiddenLine>
             </a:ext>
             <a:ext uri="{AF507438-7753-43e0-B8FC-AC1667EBCBE1}">
-              <a14:hiddenEffects xmlns:a14="http://schemas.microsoft.com/office/drawing/2010/main" xmlns="">
+              <a14:hiddenEffects xmlns="" xmlns:a14="http://schemas.microsoft.com/office/drawing/2010/main">
                 <a:effectLst>
                   <a:outerShdw blurRad="63500" dist="38099" dir="2700000" algn="ctr" rotWithShape="0">
                     <a:schemeClr val="bg2">
@@ -21864,14 +21847,14 @@
           <a:effectLst/>
           <a:extLst>
             <a:ext uri="{909E8E84-426E-40dd-AFC4-6F175D3DCCD1}">
-              <a14:hiddenFill xmlns:a14="http://schemas.microsoft.com/office/drawing/2010/main" xmlns="">
+              <a14:hiddenFill xmlns="" xmlns:a14="http://schemas.microsoft.com/office/drawing/2010/main">
                 <a:solidFill>
                   <a:schemeClr val="accent1"/>
                 </a:solidFill>
               </a14:hiddenFill>
             </a:ext>
             <a:ext uri="{91240B29-F687-4f45-9708-019B960494DF}">
-              <a14:hiddenLine xmlns:a14="http://schemas.microsoft.com/office/drawing/2010/main" xmlns="" w="9525">
+              <a14:hiddenLine xmlns="" xmlns:a14="http://schemas.microsoft.com/office/drawing/2010/main" w="9525">
                 <a:solidFill>
                   <a:schemeClr val="tx1"/>
                 </a:solidFill>
@@ -21881,7 +21864,7 @@
               </a14:hiddenLine>
             </a:ext>
             <a:ext uri="{AF507438-7753-43e0-B8FC-AC1667EBCBE1}">
-              <a14:hiddenEffects xmlns:a14="http://schemas.microsoft.com/office/drawing/2010/main" xmlns="">
+              <a14:hiddenEffects xmlns="" xmlns:a14="http://schemas.microsoft.com/office/drawing/2010/main">
                 <a:effectLst>
                   <a:outerShdw blurRad="63500" dist="38099" dir="2700000" algn="ctr" rotWithShape="0">
                     <a:schemeClr val="bg2">
@@ -22092,14 +22075,14 @@
           <a:effectLst/>
           <a:extLst>
             <a:ext uri="{909E8E84-426E-40dd-AFC4-6F175D3DCCD1}">
-              <a14:hiddenFill xmlns:a14="http://schemas.microsoft.com/office/drawing/2010/main" xmlns="">
+              <a14:hiddenFill xmlns="" xmlns:a14="http://schemas.microsoft.com/office/drawing/2010/main">
                 <a:solidFill>
                   <a:schemeClr val="accent1"/>
                 </a:solidFill>
               </a14:hiddenFill>
             </a:ext>
             <a:ext uri="{91240B29-F687-4f45-9708-019B960494DF}">
-              <a14:hiddenLine xmlns:a14="http://schemas.microsoft.com/office/drawing/2010/main" xmlns="" w="9525">
+              <a14:hiddenLine xmlns="" xmlns:a14="http://schemas.microsoft.com/office/drawing/2010/main" w="9525">
                 <a:solidFill>
                   <a:schemeClr val="tx1"/>
                 </a:solidFill>
@@ -22109,7 +22092,7 @@
               </a14:hiddenLine>
             </a:ext>
             <a:ext uri="{AF507438-7753-43e0-B8FC-AC1667EBCBE1}">
-              <a14:hiddenEffects xmlns:a14="http://schemas.microsoft.com/office/drawing/2010/main" xmlns="">
+              <a14:hiddenEffects xmlns="" xmlns:a14="http://schemas.microsoft.com/office/drawing/2010/main">
                 <a:effectLst>
                   <a:outerShdw blurRad="63500" dist="38099" dir="2700000" algn="ctr" rotWithShape="0">
                     <a:schemeClr val="bg2">
@@ -22170,14 +22153,14 @@
           <a:effectLst/>
           <a:extLst>
             <a:ext uri="{909E8E84-426E-40dd-AFC4-6F175D3DCCD1}">
-              <a14:hiddenFill xmlns:a14="http://schemas.microsoft.com/office/drawing/2010/main" xmlns="">
+              <a14:hiddenFill xmlns="" xmlns:a14="http://schemas.microsoft.com/office/drawing/2010/main">
                 <a:solidFill>
                   <a:schemeClr val="accent1"/>
                 </a:solidFill>
               </a14:hiddenFill>
             </a:ext>
             <a:ext uri="{AF507438-7753-43e0-B8FC-AC1667EBCBE1}">
-              <a14:hiddenEffects xmlns:a14="http://schemas.microsoft.com/office/drawing/2010/main" xmlns="">
+              <a14:hiddenEffects xmlns="" xmlns:a14="http://schemas.microsoft.com/office/drawing/2010/main">
                 <a:effectLst>
                   <a:outerShdw blurRad="63500" dist="38099" dir="2700000" algn="ctr" rotWithShape="0">
                     <a:schemeClr val="bg2">
@@ -22225,14 +22208,14 @@
           <a:effectLst/>
           <a:extLst>
             <a:ext uri="{909E8E84-426E-40dd-AFC4-6F175D3DCCD1}">
-              <a14:hiddenFill xmlns:a14="http://schemas.microsoft.com/office/drawing/2010/main" xmlns="">
+              <a14:hiddenFill xmlns="" xmlns:a14="http://schemas.microsoft.com/office/drawing/2010/main">
                 <a:solidFill>
                   <a:schemeClr val="accent1"/>
                 </a:solidFill>
               </a14:hiddenFill>
             </a:ext>
             <a:ext uri="{91240B29-F687-4f45-9708-019B960494DF}">
-              <a14:hiddenLine xmlns:a14="http://schemas.microsoft.com/office/drawing/2010/main" xmlns="" w="9525">
+              <a14:hiddenLine xmlns="" xmlns:a14="http://schemas.microsoft.com/office/drawing/2010/main" w="9525">
                 <a:solidFill>
                   <a:schemeClr val="tx1"/>
                 </a:solidFill>
@@ -22242,7 +22225,7 @@
               </a14:hiddenLine>
             </a:ext>
             <a:ext uri="{AF507438-7753-43e0-B8FC-AC1667EBCBE1}">
-              <a14:hiddenEffects xmlns:a14="http://schemas.microsoft.com/office/drawing/2010/main" xmlns="">
+              <a14:hiddenEffects xmlns="" xmlns:a14="http://schemas.microsoft.com/office/drawing/2010/main">
                 <a:effectLst>
                   <a:outerShdw blurRad="63500" dist="38099" dir="2700000" algn="ctr" rotWithShape="0">
                     <a:schemeClr val="bg2">
@@ -22321,12 +22304,12 @@
           <a:effectLst/>
           <a:extLst>
             <a:ext uri="{909E8E84-426E-40dd-AFC4-6F175D3DCCD1}">
-              <a14:hiddenFill xmlns:a14="http://schemas.microsoft.com/office/drawing/2010/main" xmlns="">
+              <a14:hiddenFill xmlns="" xmlns:a14="http://schemas.microsoft.com/office/drawing/2010/main">
                 <a:noFill/>
               </a14:hiddenFill>
             </a:ext>
             <a:ext uri="{AF507438-7753-43e0-B8FC-AC1667EBCBE1}">
-              <a14:hiddenEffects xmlns:a14="http://schemas.microsoft.com/office/drawing/2010/main" xmlns="">
+              <a14:hiddenEffects xmlns="" xmlns:a14="http://schemas.microsoft.com/office/drawing/2010/main">
                 <a:effectLst>
                   <a:outerShdw blurRad="63500" dist="38099" dir="2700000" algn="ctr" rotWithShape="0">
                     <a:schemeClr val="bg2">
@@ -22373,14 +22356,14 @@
           </a:ln>
           <a:extLst>
             <a:ext uri="{909E8E84-426E-40dd-AFC4-6F175D3DCCD1}">
-              <a14:hiddenFill xmlns:a14="http://schemas.microsoft.com/office/drawing/2010/main" xmlns="">
+              <a14:hiddenFill xmlns="" xmlns:a14="http://schemas.microsoft.com/office/drawing/2010/main">
                 <a:solidFill>
                   <a:srgbClr val="FFFFFF"/>
                 </a:solidFill>
               </a14:hiddenFill>
             </a:ext>
             <a:ext uri="{91240B29-F687-4f45-9708-019B960494DF}">
-              <a14:hiddenLine xmlns:a14="http://schemas.microsoft.com/office/drawing/2010/main" xmlns="" w="9525">
+              <a14:hiddenLine xmlns="" xmlns:a14="http://schemas.microsoft.com/office/drawing/2010/main" w="9525">
                 <a:solidFill>
                   <a:srgbClr val="000000"/>
                 </a:solidFill>
@@ -22534,14 +22517,14 @@
           </a:ln>
           <a:extLst>
             <a:ext uri="{909E8E84-426E-40dd-AFC4-6F175D3DCCD1}">
-              <a14:hiddenFill xmlns:a14="http://schemas.microsoft.com/office/drawing/2010/main" xmlns="">
+              <a14:hiddenFill xmlns="" xmlns:a14="http://schemas.microsoft.com/office/drawing/2010/main">
                 <a:solidFill>
                   <a:srgbClr val="FFFFFF"/>
                 </a:solidFill>
               </a14:hiddenFill>
             </a:ext>
             <a:ext uri="{91240B29-F687-4f45-9708-019B960494DF}">
-              <a14:hiddenLine xmlns:a14="http://schemas.microsoft.com/office/drawing/2010/main" xmlns="" w="9525">
+              <a14:hiddenLine xmlns="" xmlns:a14="http://schemas.microsoft.com/office/drawing/2010/main" w="9525">
                 <a:solidFill>
                   <a:srgbClr val="000000"/>
                 </a:solidFill>
@@ -22721,14 +22704,14 @@
           <a:effectLst/>
           <a:extLst>
             <a:ext uri="{909E8E84-426E-40dd-AFC4-6F175D3DCCD1}">
-              <a14:hiddenFill xmlns:a14="http://schemas.microsoft.com/office/drawing/2010/main" xmlns="">
+              <a14:hiddenFill xmlns="" xmlns:a14="http://schemas.microsoft.com/office/drawing/2010/main">
                 <a:solidFill>
                   <a:schemeClr val="accent1"/>
                 </a:solidFill>
               </a14:hiddenFill>
             </a:ext>
             <a:ext uri="{91240B29-F687-4f45-9708-019B960494DF}">
-              <a14:hiddenLine xmlns:a14="http://schemas.microsoft.com/office/drawing/2010/main" xmlns="" w="9525">
+              <a14:hiddenLine xmlns="" xmlns:a14="http://schemas.microsoft.com/office/drawing/2010/main" w="9525">
                 <a:solidFill>
                   <a:schemeClr val="tx1"/>
                 </a:solidFill>
@@ -22738,7 +22721,7 @@
               </a14:hiddenLine>
             </a:ext>
             <a:ext uri="{AF507438-7753-43e0-B8FC-AC1667EBCBE1}">
-              <a14:hiddenEffects xmlns:a14="http://schemas.microsoft.com/office/drawing/2010/main" xmlns="">
+              <a14:hiddenEffects xmlns="" xmlns:a14="http://schemas.microsoft.com/office/drawing/2010/main">
                 <a:effectLst>
                   <a:outerShdw blurRad="63500" dist="38099" dir="2700000" algn="ctr" rotWithShape="0">
                     <a:schemeClr val="bg2">
@@ -22949,14 +22932,14 @@
           <a:effectLst/>
           <a:extLst>
             <a:ext uri="{909E8E84-426E-40dd-AFC4-6F175D3DCCD1}">
-              <a14:hiddenFill xmlns:a14="http://schemas.microsoft.com/office/drawing/2010/main" xmlns="">
+              <a14:hiddenFill xmlns="" xmlns:a14="http://schemas.microsoft.com/office/drawing/2010/main">
                 <a:solidFill>
                   <a:schemeClr val="accent1"/>
                 </a:solidFill>
               </a14:hiddenFill>
             </a:ext>
             <a:ext uri="{91240B29-F687-4f45-9708-019B960494DF}">
-              <a14:hiddenLine xmlns:a14="http://schemas.microsoft.com/office/drawing/2010/main" xmlns="" w="9525">
+              <a14:hiddenLine xmlns="" xmlns:a14="http://schemas.microsoft.com/office/drawing/2010/main" w="9525">
                 <a:solidFill>
                   <a:schemeClr val="tx1"/>
                 </a:solidFill>
@@ -22966,7 +22949,7 @@
               </a14:hiddenLine>
             </a:ext>
             <a:ext uri="{AF507438-7753-43e0-B8FC-AC1667EBCBE1}">
-              <a14:hiddenEffects xmlns:a14="http://schemas.microsoft.com/office/drawing/2010/main" xmlns="">
+              <a14:hiddenEffects xmlns="" xmlns:a14="http://schemas.microsoft.com/office/drawing/2010/main">
                 <a:effectLst>
                   <a:outerShdw blurRad="63500" dist="38099" dir="2700000" algn="ctr" rotWithShape="0">
                     <a:schemeClr val="bg2">
@@ -23042,14 +23025,14 @@
           <a:effectLst/>
           <a:extLst>
             <a:ext uri="{909E8E84-426E-40dd-AFC4-6F175D3DCCD1}">
-              <a14:hiddenFill xmlns:a14="http://schemas.microsoft.com/office/drawing/2010/main" xmlns="">
+              <a14:hiddenFill xmlns="" xmlns:a14="http://schemas.microsoft.com/office/drawing/2010/main">
                 <a:solidFill>
                   <a:schemeClr val="accent1"/>
                 </a:solidFill>
               </a14:hiddenFill>
             </a:ext>
             <a:ext uri="{AF507438-7753-43e0-B8FC-AC1667EBCBE1}">
-              <a14:hiddenEffects xmlns:a14="http://schemas.microsoft.com/office/drawing/2010/main" xmlns="">
+              <a14:hiddenEffects xmlns="" xmlns:a14="http://schemas.microsoft.com/office/drawing/2010/main">
                 <a:effectLst>
                   <a:outerShdw blurRad="63500" dist="38099" dir="2700000" algn="ctr" rotWithShape="0">
                     <a:schemeClr val="bg2">
@@ -23097,14 +23080,14 @@
           <a:effectLst/>
           <a:extLst>
             <a:ext uri="{909E8E84-426E-40dd-AFC4-6F175D3DCCD1}">
-              <a14:hiddenFill xmlns:a14="http://schemas.microsoft.com/office/drawing/2010/main" xmlns="">
+              <a14:hiddenFill xmlns="" xmlns:a14="http://schemas.microsoft.com/office/drawing/2010/main">
                 <a:solidFill>
                   <a:schemeClr val="accent1"/>
                 </a:solidFill>
               </a14:hiddenFill>
             </a:ext>
             <a:ext uri="{91240B29-F687-4f45-9708-019B960494DF}">
-              <a14:hiddenLine xmlns:a14="http://schemas.microsoft.com/office/drawing/2010/main" xmlns="" w="9525">
+              <a14:hiddenLine xmlns="" xmlns:a14="http://schemas.microsoft.com/office/drawing/2010/main" w="9525">
                 <a:solidFill>
                   <a:schemeClr val="tx1"/>
                 </a:solidFill>
@@ -23114,7 +23097,7 @@
               </a14:hiddenLine>
             </a:ext>
             <a:ext uri="{AF507438-7753-43e0-B8FC-AC1667EBCBE1}">
-              <a14:hiddenEffects xmlns:a14="http://schemas.microsoft.com/office/drawing/2010/main" xmlns="">
+              <a14:hiddenEffects xmlns="" xmlns:a14="http://schemas.microsoft.com/office/drawing/2010/main">
                 <a:effectLst>
                   <a:outerShdw blurRad="63500" dist="38099" dir="2700000" algn="ctr" rotWithShape="0">
                     <a:schemeClr val="bg2">
@@ -23193,12 +23176,12 @@
           <a:effectLst/>
           <a:extLst>
             <a:ext uri="{909E8E84-426E-40dd-AFC4-6F175D3DCCD1}">
-              <a14:hiddenFill xmlns:a14="http://schemas.microsoft.com/office/drawing/2010/main" xmlns="">
+              <a14:hiddenFill xmlns="" xmlns:a14="http://schemas.microsoft.com/office/drawing/2010/main">
                 <a:noFill/>
               </a14:hiddenFill>
             </a:ext>
             <a:ext uri="{AF507438-7753-43e0-B8FC-AC1667EBCBE1}">
-              <a14:hiddenEffects xmlns:a14="http://schemas.microsoft.com/office/drawing/2010/main" xmlns="">
+              <a14:hiddenEffects xmlns="" xmlns:a14="http://schemas.microsoft.com/office/drawing/2010/main">
                 <a:effectLst>
                   <a:outerShdw blurRad="63500" dist="38099" dir="2700000" algn="ctr" rotWithShape="0">
                     <a:schemeClr val="bg2">
@@ -23251,14 +23234,14 @@
           <a:effectLst/>
           <a:extLst>
             <a:ext uri="{909E8E84-426E-40dd-AFC4-6F175D3DCCD1}">
-              <a14:hiddenFill xmlns:a14="http://schemas.microsoft.com/office/drawing/2010/main" xmlns="">
+              <a14:hiddenFill xmlns="" xmlns:a14="http://schemas.microsoft.com/office/drawing/2010/main">
                 <a:solidFill>
                   <a:schemeClr val="accent1"/>
                 </a:solidFill>
               </a14:hiddenFill>
             </a:ext>
             <a:ext uri="{AF507438-7753-43e0-B8FC-AC1667EBCBE1}">
-              <a14:hiddenEffects xmlns:a14="http://schemas.microsoft.com/office/drawing/2010/main" xmlns="">
+              <a14:hiddenEffects xmlns="" xmlns:a14="http://schemas.microsoft.com/office/drawing/2010/main">
                 <a:effectLst>
                   <a:outerShdw blurRad="63500" dist="38099" dir="2700000" algn="ctr" rotWithShape="0">
                     <a:schemeClr val="bg2">
@@ -23305,14 +23288,14 @@
           </a:ln>
           <a:extLst>
             <a:ext uri="{909E8E84-426E-40dd-AFC4-6F175D3DCCD1}">
-              <a14:hiddenFill xmlns:a14="http://schemas.microsoft.com/office/drawing/2010/main" xmlns="">
+              <a14:hiddenFill xmlns="" xmlns:a14="http://schemas.microsoft.com/office/drawing/2010/main">
                 <a:solidFill>
                   <a:srgbClr val="FFFFFF"/>
                 </a:solidFill>
               </a14:hiddenFill>
             </a:ext>
             <a:ext uri="{91240B29-F687-4f45-9708-019B960494DF}">
-              <a14:hiddenLine xmlns:a14="http://schemas.microsoft.com/office/drawing/2010/main" xmlns="" w="9525">
+              <a14:hiddenLine xmlns="" xmlns:a14="http://schemas.microsoft.com/office/drawing/2010/main" w="9525">
                 <a:solidFill>
                   <a:srgbClr val="000000"/>
                 </a:solidFill>
@@ -23492,14 +23475,14 @@
           <a:effectLst/>
           <a:extLst>
             <a:ext uri="{909E8E84-426E-40dd-AFC4-6F175D3DCCD1}">
-              <a14:hiddenFill xmlns:a14="http://schemas.microsoft.com/office/drawing/2010/main" xmlns="">
+              <a14:hiddenFill xmlns="" xmlns:a14="http://schemas.microsoft.com/office/drawing/2010/main">
                 <a:solidFill>
                   <a:schemeClr val="accent1"/>
                 </a:solidFill>
               </a14:hiddenFill>
             </a:ext>
             <a:ext uri="{91240B29-F687-4f45-9708-019B960494DF}">
-              <a14:hiddenLine xmlns:a14="http://schemas.microsoft.com/office/drawing/2010/main" xmlns="" w="9525">
+              <a14:hiddenLine xmlns="" xmlns:a14="http://schemas.microsoft.com/office/drawing/2010/main" w="9525">
                 <a:solidFill>
                   <a:schemeClr val="tx1"/>
                 </a:solidFill>
@@ -23509,7 +23492,7 @@
               </a14:hiddenLine>
             </a:ext>
             <a:ext uri="{AF507438-7753-43e0-B8FC-AC1667EBCBE1}">
-              <a14:hiddenEffects xmlns:a14="http://schemas.microsoft.com/office/drawing/2010/main" xmlns="">
+              <a14:hiddenEffects xmlns="" xmlns:a14="http://schemas.microsoft.com/office/drawing/2010/main">
                 <a:effectLst>
                   <a:outerShdw blurRad="63500" dist="38099" dir="2700000" algn="ctr" rotWithShape="0">
                     <a:schemeClr val="bg2">
@@ -23570,14 +23553,14 @@
           <a:effectLst/>
           <a:extLst>
             <a:ext uri="{909E8E84-426E-40dd-AFC4-6F175D3DCCD1}">
-              <a14:hiddenFill xmlns:a14="http://schemas.microsoft.com/office/drawing/2010/main" xmlns="">
+              <a14:hiddenFill xmlns="" xmlns:a14="http://schemas.microsoft.com/office/drawing/2010/main">
                 <a:solidFill>
                   <a:schemeClr val="accent1"/>
                 </a:solidFill>
               </a14:hiddenFill>
             </a:ext>
             <a:ext uri="{AF507438-7753-43e0-B8FC-AC1667EBCBE1}">
-              <a14:hiddenEffects xmlns:a14="http://schemas.microsoft.com/office/drawing/2010/main" xmlns="">
+              <a14:hiddenEffects xmlns="" xmlns:a14="http://schemas.microsoft.com/office/drawing/2010/main">
                 <a:effectLst>
                   <a:outerShdw blurRad="63500" dist="38099" dir="2700000" algn="ctr" rotWithShape="0">
                     <a:schemeClr val="bg2">
@@ -23625,14 +23608,14 @@
           <a:effectLst/>
           <a:extLst>
             <a:ext uri="{909E8E84-426E-40dd-AFC4-6F175D3DCCD1}">
-              <a14:hiddenFill xmlns:a14="http://schemas.microsoft.com/office/drawing/2010/main" xmlns="">
+              <a14:hiddenFill xmlns="" xmlns:a14="http://schemas.microsoft.com/office/drawing/2010/main">
                 <a:solidFill>
                   <a:schemeClr val="accent1"/>
                 </a:solidFill>
               </a14:hiddenFill>
             </a:ext>
             <a:ext uri="{91240B29-F687-4f45-9708-019B960494DF}">
-              <a14:hiddenLine xmlns:a14="http://schemas.microsoft.com/office/drawing/2010/main" xmlns="" w="9525">
+              <a14:hiddenLine xmlns="" xmlns:a14="http://schemas.microsoft.com/office/drawing/2010/main" w="9525">
                 <a:solidFill>
                   <a:schemeClr val="tx1"/>
                 </a:solidFill>
@@ -23642,7 +23625,7 @@
               </a14:hiddenLine>
             </a:ext>
             <a:ext uri="{AF507438-7753-43e0-B8FC-AC1667EBCBE1}">
-              <a14:hiddenEffects xmlns:a14="http://schemas.microsoft.com/office/drawing/2010/main" xmlns="">
+              <a14:hiddenEffects xmlns="" xmlns:a14="http://schemas.microsoft.com/office/drawing/2010/main">
                 <a:effectLst>
                   <a:outerShdw blurRad="63500" dist="38099" dir="2700000" algn="ctr" rotWithShape="0">
                     <a:schemeClr val="bg2">
@@ -23736,14 +23719,14 @@
           <a:effectLst/>
           <a:extLst>
             <a:ext uri="{909E8E84-426E-40dd-AFC4-6F175D3DCCD1}">
-              <a14:hiddenFill xmlns:a14="http://schemas.microsoft.com/office/drawing/2010/main" xmlns="">
+              <a14:hiddenFill xmlns="" xmlns:a14="http://schemas.microsoft.com/office/drawing/2010/main">
                 <a:solidFill>
                   <a:schemeClr val="accent1"/>
                 </a:solidFill>
               </a14:hiddenFill>
             </a:ext>
             <a:ext uri="{AF507438-7753-43e0-B8FC-AC1667EBCBE1}">
-              <a14:hiddenEffects xmlns:a14="http://schemas.microsoft.com/office/drawing/2010/main" xmlns="">
+              <a14:hiddenEffects xmlns="" xmlns:a14="http://schemas.microsoft.com/office/drawing/2010/main">
                 <a:effectLst>
                   <a:outerShdw blurRad="63500" dist="38099" dir="2700000" algn="ctr" rotWithShape="0">
                     <a:schemeClr val="bg2">
@@ -23790,14 +23773,14 @@
           </a:ln>
           <a:extLst>
             <a:ext uri="{909E8E84-426E-40dd-AFC4-6F175D3DCCD1}">
-              <a14:hiddenFill xmlns:a14="http://schemas.microsoft.com/office/drawing/2010/main" xmlns="">
+              <a14:hiddenFill xmlns="" xmlns:a14="http://schemas.microsoft.com/office/drawing/2010/main">
                 <a:solidFill>
                   <a:srgbClr val="FFFFFF"/>
                 </a:solidFill>
               </a14:hiddenFill>
             </a:ext>
             <a:ext uri="{91240B29-F687-4f45-9708-019B960494DF}">
-              <a14:hiddenLine xmlns:a14="http://schemas.microsoft.com/office/drawing/2010/main" xmlns="" w="9525">
+              <a14:hiddenLine xmlns="" xmlns:a14="http://schemas.microsoft.com/office/drawing/2010/main" w="9525">
                 <a:solidFill>
                   <a:srgbClr val="000000"/>
                 </a:solidFill>
@@ -23952,14 +23935,14 @@
           <a:effectLst/>
           <a:extLst>
             <a:ext uri="{909E8E84-426E-40dd-AFC4-6F175D3DCCD1}">
-              <a14:hiddenFill xmlns:a14="http://schemas.microsoft.com/office/drawing/2010/main" xmlns="">
+              <a14:hiddenFill xmlns="" xmlns:a14="http://schemas.microsoft.com/office/drawing/2010/main">
                 <a:solidFill>
                   <a:schemeClr val="accent1"/>
                 </a:solidFill>
               </a14:hiddenFill>
             </a:ext>
             <a:ext uri="{91240B29-F687-4f45-9708-019B960494DF}">
-              <a14:hiddenLine xmlns:a14="http://schemas.microsoft.com/office/drawing/2010/main" xmlns="" w="9525">
+              <a14:hiddenLine xmlns="" xmlns:a14="http://schemas.microsoft.com/office/drawing/2010/main" w="9525">
                 <a:solidFill>
                   <a:schemeClr val="tx1"/>
                 </a:solidFill>
@@ -23969,7 +23952,7 @@
               </a14:hiddenLine>
             </a:ext>
             <a:ext uri="{AF507438-7753-43e0-B8FC-AC1667EBCBE1}">
-              <a14:hiddenEffects xmlns:a14="http://schemas.microsoft.com/office/drawing/2010/main" xmlns="">
+              <a14:hiddenEffects xmlns="" xmlns:a14="http://schemas.microsoft.com/office/drawing/2010/main">
                 <a:effectLst>
                   <a:outerShdw blurRad="63500" dist="38099" dir="2700000" algn="ctr" rotWithShape="0">
                     <a:schemeClr val="bg2">
@@ -24321,14 +24304,14 @@
           <a:effectLst/>
           <a:extLst>
             <a:ext uri="{909E8E84-426E-40dd-AFC4-6F175D3DCCD1}">
-              <a14:hiddenFill xmlns:a14="http://schemas.microsoft.com/office/drawing/2010/main" xmlns="">
+              <a14:hiddenFill xmlns="" xmlns:a14="http://schemas.microsoft.com/office/drawing/2010/main">
                 <a:solidFill>
                   <a:schemeClr val="accent1"/>
                 </a:solidFill>
               </a14:hiddenFill>
             </a:ext>
             <a:ext uri="{91240B29-F687-4f45-9708-019B960494DF}">
-              <a14:hiddenLine xmlns:a14="http://schemas.microsoft.com/office/drawing/2010/main" xmlns="" w="9525">
+              <a14:hiddenLine xmlns="" xmlns:a14="http://schemas.microsoft.com/office/drawing/2010/main" w="9525">
                 <a:solidFill>
                   <a:schemeClr val="tx1"/>
                 </a:solidFill>
@@ -24338,7 +24321,7 @@
               </a14:hiddenLine>
             </a:ext>
             <a:ext uri="{AF507438-7753-43e0-B8FC-AC1667EBCBE1}">
-              <a14:hiddenEffects xmlns:a14="http://schemas.microsoft.com/office/drawing/2010/main" xmlns="">
+              <a14:hiddenEffects xmlns="" xmlns:a14="http://schemas.microsoft.com/office/drawing/2010/main">
                 <a:effectLst>
                   <a:outerShdw blurRad="63500" dist="38099" dir="2700000" algn="ctr" rotWithShape="0">
                     <a:schemeClr val="bg2">
@@ -24399,14 +24382,14 @@
           <a:effectLst/>
           <a:extLst>
             <a:ext uri="{909E8E84-426E-40dd-AFC4-6F175D3DCCD1}">
-              <a14:hiddenFill xmlns:a14="http://schemas.microsoft.com/office/drawing/2010/main" xmlns="">
+              <a14:hiddenFill xmlns="" xmlns:a14="http://schemas.microsoft.com/office/drawing/2010/main">
                 <a:solidFill>
                   <a:schemeClr val="accent1"/>
                 </a:solidFill>
               </a14:hiddenFill>
             </a:ext>
             <a:ext uri="{AF507438-7753-43e0-B8FC-AC1667EBCBE1}">
-              <a14:hiddenEffects xmlns:a14="http://schemas.microsoft.com/office/drawing/2010/main" xmlns="">
+              <a14:hiddenEffects xmlns="" xmlns:a14="http://schemas.microsoft.com/office/drawing/2010/main">
                 <a:effectLst>
                   <a:outerShdw blurRad="63500" dist="38099" dir="2700000" algn="ctr" rotWithShape="0">
                     <a:schemeClr val="bg2">
@@ -24454,14 +24437,14 @@
           <a:effectLst/>
           <a:extLst>
             <a:ext uri="{909E8E84-426E-40dd-AFC4-6F175D3DCCD1}">
-              <a14:hiddenFill xmlns:a14="http://schemas.microsoft.com/office/drawing/2010/main" xmlns="">
+              <a14:hiddenFill xmlns="" xmlns:a14="http://schemas.microsoft.com/office/drawing/2010/main">
                 <a:solidFill>
                   <a:schemeClr val="accent1"/>
                 </a:solidFill>
               </a14:hiddenFill>
             </a:ext>
             <a:ext uri="{91240B29-F687-4f45-9708-019B960494DF}">
-              <a14:hiddenLine xmlns:a14="http://schemas.microsoft.com/office/drawing/2010/main" xmlns="" w="9525">
+              <a14:hiddenLine xmlns="" xmlns:a14="http://schemas.microsoft.com/office/drawing/2010/main" w="9525">
                 <a:solidFill>
                   <a:schemeClr val="tx1"/>
                 </a:solidFill>
@@ -24471,7 +24454,7 @@
               </a14:hiddenLine>
             </a:ext>
             <a:ext uri="{AF507438-7753-43e0-B8FC-AC1667EBCBE1}">
-              <a14:hiddenEffects xmlns:a14="http://schemas.microsoft.com/office/drawing/2010/main" xmlns="">
+              <a14:hiddenEffects xmlns="" xmlns:a14="http://schemas.microsoft.com/office/drawing/2010/main">
                 <a:effectLst>
                   <a:outerShdw blurRad="63500" dist="38099" dir="2700000" algn="ctr" rotWithShape="0">
                     <a:schemeClr val="bg2">
@@ -24532,14 +24515,14 @@
           <a:effectLst/>
           <a:extLst>
             <a:ext uri="{909E8E84-426E-40dd-AFC4-6F175D3DCCD1}">
-              <a14:hiddenFill xmlns:a14="http://schemas.microsoft.com/office/drawing/2010/main" xmlns="">
+              <a14:hiddenFill xmlns="" xmlns:a14="http://schemas.microsoft.com/office/drawing/2010/main">
                 <a:solidFill>
                   <a:schemeClr val="accent1"/>
                 </a:solidFill>
               </a14:hiddenFill>
             </a:ext>
             <a:ext uri="{AF507438-7753-43e0-B8FC-AC1667EBCBE1}">
-              <a14:hiddenEffects xmlns:a14="http://schemas.microsoft.com/office/drawing/2010/main" xmlns="">
+              <a14:hiddenEffects xmlns="" xmlns:a14="http://schemas.microsoft.com/office/drawing/2010/main">
                 <a:effectLst>
                   <a:outerShdw blurRad="63500" dist="38099" dir="2700000" algn="ctr" rotWithShape="0">
                     <a:schemeClr val="bg2">
@@ -24587,14 +24570,14 @@
           <a:effectLst/>
           <a:extLst>
             <a:ext uri="{909E8E84-426E-40dd-AFC4-6F175D3DCCD1}">
-              <a14:hiddenFill xmlns:a14="http://schemas.microsoft.com/office/drawing/2010/main" xmlns="">
+              <a14:hiddenFill xmlns="" xmlns:a14="http://schemas.microsoft.com/office/drawing/2010/main">
                 <a:solidFill>
                   <a:schemeClr val="accent1"/>
                 </a:solidFill>
               </a14:hiddenFill>
             </a:ext>
             <a:ext uri="{91240B29-F687-4f45-9708-019B960494DF}">
-              <a14:hiddenLine xmlns:a14="http://schemas.microsoft.com/office/drawing/2010/main" xmlns="" w="9525">
+              <a14:hiddenLine xmlns="" xmlns:a14="http://schemas.microsoft.com/office/drawing/2010/main" w="9525">
                 <a:solidFill>
                   <a:schemeClr val="tx1"/>
                 </a:solidFill>
@@ -24604,7 +24587,7 @@
               </a14:hiddenLine>
             </a:ext>
             <a:ext uri="{AF507438-7753-43e0-B8FC-AC1667EBCBE1}">
-              <a14:hiddenEffects xmlns:a14="http://schemas.microsoft.com/office/drawing/2010/main" xmlns="">
+              <a14:hiddenEffects xmlns="" xmlns:a14="http://schemas.microsoft.com/office/drawing/2010/main">
                 <a:effectLst>
                   <a:outerShdw blurRad="63500" dist="38099" dir="2700000" algn="ctr" rotWithShape="0">
                     <a:schemeClr val="bg2">
@@ -24990,14 +24973,14 @@
           <a:effectLst/>
           <a:extLst>
             <a:ext uri="{909E8E84-426E-40dd-AFC4-6F175D3DCCD1}">
-              <a14:hiddenFill xmlns:a14="http://schemas.microsoft.com/office/drawing/2010/main" xmlns="">
+              <a14:hiddenFill xmlns="" xmlns:a14="http://schemas.microsoft.com/office/drawing/2010/main">
                 <a:solidFill>
                   <a:schemeClr val="accent1"/>
                 </a:solidFill>
               </a14:hiddenFill>
             </a:ext>
             <a:ext uri="{91240B29-F687-4f45-9708-019B960494DF}">
-              <a14:hiddenLine xmlns:a14="http://schemas.microsoft.com/office/drawing/2010/main" xmlns="" w="9525">
+              <a14:hiddenLine xmlns="" xmlns:a14="http://schemas.microsoft.com/office/drawing/2010/main" w="9525">
                 <a:solidFill>
                   <a:schemeClr val="tx1"/>
                 </a:solidFill>
@@ -25007,7 +24990,7 @@
               </a14:hiddenLine>
             </a:ext>
             <a:ext uri="{AF507438-7753-43e0-B8FC-AC1667EBCBE1}">
-              <a14:hiddenEffects xmlns:a14="http://schemas.microsoft.com/office/drawing/2010/main" xmlns="">
+              <a14:hiddenEffects xmlns="" xmlns:a14="http://schemas.microsoft.com/office/drawing/2010/main">
                 <a:effectLst>
                   <a:outerShdw blurRad="63500" dist="38099" dir="2700000" algn="ctr" rotWithShape="0">
                     <a:schemeClr val="bg2">
@@ -25068,14 +25051,14 @@
           <a:effectLst/>
           <a:extLst>
             <a:ext uri="{909E8E84-426E-40dd-AFC4-6F175D3DCCD1}">
-              <a14:hiddenFill xmlns:a14="http://schemas.microsoft.com/office/drawing/2010/main" xmlns="">
+              <a14:hiddenFill xmlns="" xmlns:a14="http://schemas.microsoft.com/office/drawing/2010/main">
                 <a:solidFill>
                   <a:schemeClr val="accent1"/>
                 </a:solidFill>
               </a14:hiddenFill>
             </a:ext>
             <a:ext uri="{AF507438-7753-43e0-B8FC-AC1667EBCBE1}">
-              <a14:hiddenEffects xmlns:a14="http://schemas.microsoft.com/office/drawing/2010/main" xmlns="">
+              <a14:hiddenEffects xmlns="" xmlns:a14="http://schemas.microsoft.com/office/drawing/2010/main">
                 <a:effectLst>
                   <a:outerShdw blurRad="63500" dist="38099" dir="2700000" algn="ctr" rotWithShape="0">
                     <a:schemeClr val="bg2">
@@ -25123,14 +25106,14 @@
           <a:effectLst/>
           <a:extLst>
             <a:ext uri="{909E8E84-426E-40dd-AFC4-6F175D3DCCD1}">
-              <a14:hiddenFill xmlns:a14="http://schemas.microsoft.com/office/drawing/2010/main" xmlns="">
+              <a14:hiddenFill xmlns="" xmlns:a14="http://schemas.microsoft.com/office/drawing/2010/main">
                 <a:solidFill>
                   <a:schemeClr val="accent1"/>
                 </a:solidFill>
               </a14:hiddenFill>
             </a:ext>
             <a:ext uri="{91240B29-F687-4f45-9708-019B960494DF}">
-              <a14:hiddenLine xmlns:a14="http://schemas.microsoft.com/office/drawing/2010/main" xmlns="" w="9525">
+              <a14:hiddenLine xmlns="" xmlns:a14="http://schemas.microsoft.com/office/drawing/2010/main" w="9525">
                 <a:solidFill>
                   <a:schemeClr val="tx1"/>
                 </a:solidFill>
@@ -25140,7 +25123,7 @@
               </a14:hiddenLine>
             </a:ext>
             <a:ext uri="{AF507438-7753-43e0-B8FC-AC1667EBCBE1}">
-              <a14:hiddenEffects xmlns:a14="http://schemas.microsoft.com/office/drawing/2010/main" xmlns="">
+              <a14:hiddenEffects xmlns="" xmlns:a14="http://schemas.microsoft.com/office/drawing/2010/main">
                 <a:effectLst>
                   <a:outerShdw blurRad="63500" dist="38099" dir="2700000" algn="ctr" rotWithShape="0">
                     <a:schemeClr val="bg2">
@@ -25234,12 +25217,12 @@
           <a:effectLst/>
           <a:extLst>
             <a:ext uri="{909E8E84-426E-40dd-AFC4-6F175D3DCCD1}">
-              <a14:hiddenFill xmlns:a14="http://schemas.microsoft.com/office/drawing/2010/main" xmlns="">
+              <a14:hiddenFill xmlns="" xmlns:a14="http://schemas.microsoft.com/office/drawing/2010/main">
                 <a:noFill/>
               </a14:hiddenFill>
             </a:ext>
             <a:ext uri="{AF507438-7753-43e0-B8FC-AC1667EBCBE1}">
-              <a14:hiddenEffects xmlns:a14="http://schemas.microsoft.com/office/drawing/2010/main" xmlns="">
+              <a14:hiddenEffects xmlns="" xmlns:a14="http://schemas.microsoft.com/office/drawing/2010/main">
                 <a:effectLst>
                   <a:outerShdw blurRad="63500" dist="38099" dir="2700000" algn="ctr" rotWithShape="0">
                     <a:schemeClr val="bg2">
@@ -25286,14 +25269,14 @@
           </a:ln>
           <a:extLst>
             <a:ext uri="{909E8E84-426E-40dd-AFC4-6F175D3DCCD1}">
-              <a14:hiddenFill xmlns:a14="http://schemas.microsoft.com/office/drawing/2010/main" xmlns="">
+              <a14:hiddenFill xmlns="" xmlns:a14="http://schemas.microsoft.com/office/drawing/2010/main">
                 <a:solidFill>
                   <a:srgbClr val="FFFFFF"/>
                 </a:solidFill>
               </a14:hiddenFill>
             </a:ext>
             <a:ext uri="{91240B29-F687-4f45-9708-019B960494DF}">
-              <a14:hiddenLine xmlns:a14="http://schemas.microsoft.com/office/drawing/2010/main" xmlns="" w="9525">
+              <a14:hiddenLine xmlns="" xmlns:a14="http://schemas.microsoft.com/office/drawing/2010/main" w="9525">
                 <a:solidFill>
                   <a:srgbClr val="000000"/>
                 </a:solidFill>
@@ -25448,14 +25431,14 @@
           <a:effectLst/>
           <a:extLst>
             <a:ext uri="{909E8E84-426E-40dd-AFC4-6F175D3DCCD1}">
-              <a14:hiddenFill xmlns:a14="http://schemas.microsoft.com/office/drawing/2010/main" xmlns="">
+              <a14:hiddenFill xmlns="" xmlns:a14="http://schemas.microsoft.com/office/drawing/2010/main">
                 <a:solidFill>
                   <a:schemeClr val="accent1"/>
                 </a:solidFill>
               </a14:hiddenFill>
             </a:ext>
             <a:ext uri="{91240B29-F687-4f45-9708-019B960494DF}">
-              <a14:hiddenLine xmlns:a14="http://schemas.microsoft.com/office/drawing/2010/main" xmlns="" w="9525">
+              <a14:hiddenLine xmlns="" xmlns:a14="http://schemas.microsoft.com/office/drawing/2010/main" w="9525">
                 <a:solidFill>
                   <a:schemeClr val="tx1"/>
                 </a:solidFill>
@@ -25465,7 +25448,7 @@
               </a14:hiddenLine>
             </a:ext>
             <a:ext uri="{AF507438-7753-43e0-B8FC-AC1667EBCBE1}">
-              <a14:hiddenEffects xmlns:a14="http://schemas.microsoft.com/office/drawing/2010/main" xmlns="">
+              <a14:hiddenEffects xmlns="" xmlns:a14="http://schemas.microsoft.com/office/drawing/2010/main">
                 <a:effectLst>
                   <a:outerShdw blurRad="63500" dist="38099" dir="2700000" algn="ctr" rotWithShape="0">
                     <a:schemeClr val="bg2">
@@ -25701,14 +25684,14 @@
           <a:effectLst/>
           <a:extLst>
             <a:ext uri="{909E8E84-426E-40dd-AFC4-6F175D3DCCD1}">
-              <a14:hiddenFill xmlns:a14="http://schemas.microsoft.com/office/drawing/2010/main" xmlns="">
+              <a14:hiddenFill xmlns="" xmlns:a14="http://schemas.microsoft.com/office/drawing/2010/main">
                 <a:solidFill>
                   <a:schemeClr val="accent1"/>
                 </a:solidFill>
               </a14:hiddenFill>
             </a:ext>
             <a:ext uri="{91240B29-F687-4f45-9708-019B960494DF}">
-              <a14:hiddenLine xmlns:a14="http://schemas.microsoft.com/office/drawing/2010/main" xmlns="" w="9525">
+              <a14:hiddenLine xmlns="" xmlns:a14="http://schemas.microsoft.com/office/drawing/2010/main" w="9525">
                 <a:solidFill>
                   <a:schemeClr val="tx1"/>
                 </a:solidFill>
@@ -25718,7 +25701,7 @@
               </a14:hiddenLine>
             </a:ext>
             <a:ext uri="{AF507438-7753-43e0-B8FC-AC1667EBCBE1}">
-              <a14:hiddenEffects xmlns:a14="http://schemas.microsoft.com/office/drawing/2010/main" xmlns="">
+              <a14:hiddenEffects xmlns="" xmlns:a14="http://schemas.microsoft.com/office/drawing/2010/main">
                 <a:effectLst>
                   <a:outerShdw blurRad="63500" dist="38099" dir="2700000" algn="ctr" rotWithShape="0">
                     <a:schemeClr val="bg2">
@@ -25929,14 +25912,14 @@
           <a:effectLst/>
           <a:extLst>
             <a:ext uri="{909E8E84-426E-40dd-AFC4-6F175D3DCCD1}">
-              <a14:hiddenFill xmlns:a14="http://schemas.microsoft.com/office/drawing/2010/main" xmlns="">
+              <a14:hiddenFill xmlns="" xmlns:a14="http://schemas.microsoft.com/office/drawing/2010/main">
                 <a:solidFill>
                   <a:schemeClr val="accent1"/>
                 </a:solidFill>
               </a14:hiddenFill>
             </a:ext>
             <a:ext uri="{91240B29-F687-4f45-9708-019B960494DF}">
-              <a14:hiddenLine xmlns:a14="http://schemas.microsoft.com/office/drawing/2010/main" xmlns="" w="9525">
+              <a14:hiddenLine xmlns="" xmlns:a14="http://schemas.microsoft.com/office/drawing/2010/main" w="9525">
                 <a:solidFill>
                   <a:schemeClr val="tx1"/>
                 </a:solidFill>
@@ -25946,7 +25929,7 @@
               </a14:hiddenLine>
             </a:ext>
             <a:ext uri="{AF507438-7753-43e0-B8FC-AC1667EBCBE1}">
-              <a14:hiddenEffects xmlns:a14="http://schemas.microsoft.com/office/drawing/2010/main" xmlns="">
+              <a14:hiddenEffects xmlns="" xmlns:a14="http://schemas.microsoft.com/office/drawing/2010/main">
                 <a:effectLst>
                   <a:outerShdw blurRad="63500" dist="38099" dir="2700000" algn="ctr" rotWithShape="0">
                     <a:schemeClr val="bg2">
@@ -26007,14 +25990,14 @@
           <a:effectLst/>
           <a:extLst>
             <a:ext uri="{909E8E84-426E-40dd-AFC4-6F175D3DCCD1}">
-              <a14:hiddenFill xmlns:a14="http://schemas.microsoft.com/office/drawing/2010/main" xmlns="">
+              <a14:hiddenFill xmlns="" xmlns:a14="http://schemas.microsoft.com/office/drawing/2010/main">
                 <a:solidFill>
                   <a:schemeClr val="accent1"/>
                 </a:solidFill>
               </a14:hiddenFill>
             </a:ext>
             <a:ext uri="{AF507438-7753-43e0-B8FC-AC1667EBCBE1}">
-              <a14:hiddenEffects xmlns:a14="http://schemas.microsoft.com/office/drawing/2010/main" xmlns="">
+              <a14:hiddenEffects xmlns="" xmlns:a14="http://schemas.microsoft.com/office/drawing/2010/main">
                 <a:effectLst>
                   <a:outerShdw blurRad="63500" dist="38099" dir="2700000" algn="ctr" rotWithShape="0">
                     <a:schemeClr val="bg2">
@@ -26062,14 +26045,14 @@
           <a:effectLst/>
           <a:extLst>
             <a:ext uri="{909E8E84-426E-40dd-AFC4-6F175D3DCCD1}">
-              <a14:hiddenFill xmlns:a14="http://schemas.microsoft.com/office/drawing/2010/main" xmlns="">
+              <a14:hiddenFill xmlns="" xmlns:a14="http://schemas.microsoft.com/office/drawing/2010/main">
                 <a:solidFill>
                   <a:schemeClr val="accent1"/>
                 </a:solidFill>
               </a14:hiddenFill>
             </a:ext>
             <a:ext uri="{91240B29-F687-4f45-9708-019B960494DF}">
-              <a14:hiddenLine xmlns:a14="http://schemas.microsoft.com/office/drawing/2010/main" xmlns="" w="9525">
+              <a14:hiddenLine xmlns="" xmlns:a14="http://schemas.microsoft.com/office/drawing/2010/main" w="9525">
                 <a:solidFill>
                   <a:schemeClr val="tx1"/>
                 </a:solidFill>
@@ -26079,7 +26062,7 @@
               </a14:hiddenLine>
             </a:ext>
             <a:ext uri="{AF507438-7753-43e0-B8FC-AC1667EBCBE1}">
-              <a14:hiddenEffects xmlns:a14="http://schemas.microsoft.com/office/drawing/2010/main" xmlns="">
+              <a14:hiddenEffects xmlns="" xmlns:a14="http://schemas.microsoft.com/office/drawing/2010/main">
                 <a:effectLst>
                   <a:outerShdw blurRad="63500" dist="38099" dir="2700000" algn="ctr" rotWithShape="0">
                     <a:schemeClr val="bg2">
@@ -26173,12 +26156,12 @@
           <a:effectLst/>
           <a:extLst>
             <a:ext uri="{909E8E84-426E-40dd-AFC4-6F175D3DCCD1}">
-              <a14:hiddenFill xmlns:a14="http://schemas.microsoft.com/office/drawing/2010/main" xmlns="">
+              <a14:hiddenFill xmlns="" xmlns:a14="http://schemas.microsoft.com/office/drawing/2010/main">
                 <a:noFill/>
               </a14:hiddenFill>
             </a:ext>
             <a:ext uri="{AF507438-7753-43e0-B8FC-AC1667EBCBE1}">
-              <a14:hiddenEffects xmlns:a14="http://schemas.microsoft.com/office/drawing/2010/main" xmlns="">
+              <a14:hiddenEffects xmlns="" xmlns:a14="http://schemas.microsoft.com/office/drawing/2010/main">
                 <a:effectLst>
                   <a:outerShdw blurRad="63500" dist="38099" dir="2700000" algn="ctr" rotWithShape="0">
                     <a:schemeClr val="bg2">
@@ -26231,14 +26214,14 @@
           <a:effectLst/>
           <a:extLst>
             <a:ext uri="{909E8E84-426E-40dd-AFC4-6F175D3DCCD1}">
-              <a14:hiddenFill xmlns:a14="http://schemas.microsoft.com/office/drawing/2010/main" xmlns="">
+              <a14:hiddenFill xmlns="" xmlns:a14="http://schemas.microsoft.com/office/drawing/2010/main">
                 <a:solidFill>
                   <a:schemeClr val="accent1"/>
                 </a:solidFill>
               </a14:hiddenFill>
             </a:ext>
             <a:ext uri="{AF507438-7753-43e0-B8FC-AC1667EBCBE1}">
-              <a14:hiddenEffects xmlns:a14="http://schemas.microsoft.com/office/drawing/2010/main" xmlns="">
+              <a14:hiddenEffects xmlns="" xmlns:a14="http://schemas.microsoft.com/office/drawing/2010/main">
                 <a:effectLst>
                   <a:outerShdw blurRad="63500" dist="38099" dir="2700000" algn="ctr" rotWithShape="0">
                     <a:schemeClr val="bg2">
@@ -26288,14 +26271,14 @@
           </a:ln>
           <a:extLst>
             <a:ext uri="{909E8E84-426E-40dd-AFC4-6F175D3DCCD1}">
-              <a14:hiddenFill xmlns:a14="http://schemas.microsoft.com/office/drawing/2010/main" xmlns="">
+              <a14:hiddenFill xmlns="" xmlns:a14="http://schemas.microsoft.com/office/drawing/2010/main">
                 <a:solidFill>
                   <a:srgbClr val="FFFFFF"/>
                 </a:solidFill>
               </a14:hiddenFill>
             </a:ext>
             <a:ext uri="{91240B29-F687-4f45-9708-019B960494DF}">
-              <a14:hiddenLine xmlns:a14="http://schemas.microsoft.com/office/drawing/2010/main" xmlns="" w="9525">
+              <a14:hiddenLine xmlns="" xmlns:a14="http://schemas.microsoft.com/office/drawing/2010/main" w="9525">
                 <a:solidFill>
                   <a:srgbClr val="000000"/>
                 </a:solidFill>
@@ -26449,14 +26432,14 @@
           </a:ln>
           <a:extLst>
             <a:ext uri="{909E8E84-426E-40dd-AFC4-6F175D3DCCD1}">
-              <a14:hiddenFill xmlns:a14="http://schemas.microsoft.com/office/drawing/2010/main" xmlns="">
+              <a14:hiddenFill xmlns="" xmlns:a14="http://schemas.microsoft.com/office/drawing/2010/main">
                 <a:solidFill>
                   <a:srgbClr val="FFFFFF"/>
                 </a:solidFill>
               </a14:hiddenFill>
             </a:ext>
             <a:ext uri="{91240B29-F687-4f45-9708-019B960494DF}">
-              <a14:hiddenLine xmlns:a14="http://schemas.microsoft.com/office/drawing/2010/main" xmlns="" w="9525">
+              <a14:hiddenLine xmlns="" xmlns:a14="http://schemas.microsoft.com/office/drawing/2010/main" w="9525">
                 <a:solidFill>
                   <a:srgbClr val="000000"/>
                 </a:solidFill>
@@ -26658,7 +26641,7 @@
         <p:spPr>
           <a:xfrm>
             <a:off x="381000" y="1143000"/>
-            <a:ext cx="8229600" cy="5486400"/>
+            <a:ext cx="8229600" cy="2362200"/>
           </a:xfrm>
         </p:spPr>
         <p:txBody>
@@ -27114,7 +27097,7 @@
           <a:effectLst/>
           <a:extLst>
             <a:ext uri="{AF507438-7753-43e0-B8FC-AC1667EBCBE1}">
-              <a14:hiddenEffects xmlns:a14="http://schemas.microsoft.com/office/drawing/2010/main" xmlns="">
+              <a14:hiddenEffects xmlns="" xmlns:a14="http://schemas.microsoft.com/office/drawing/2010/main">
                 <a:effectLst>
                   <a:outerShdw blurRad="63500" dist="38099" dir="2700000" algn="ctr" rotWithShape="0">
                     <a:schemeClr val="bg2">
@@ -27169,7 +27152,7 @@
           <a:effectLst/>
           <a:extLst>
             <a:ext uri="{AF507438-7753-43e0-B8FC-AC1667EBCBE1}">
-              <a14:hiddenEffects xmlns:a14="http://schemas.microsoft.com/office/drawing/2010/main" xmlns="">
+              <a14:hiddenEffects xmlns="" xmlns:a14="http://schemas.microsoft.com/office/drawing/2010/main">
                 <a:effectLst>
                   <a:outerShdw blurRad="63500" dist="38099" dir="2700000" algn="ctr" rotWithShape="0">
                     <a:schemeClr val="bg2">
@@ -27224,7 +27207,7 @@
           <a:effectLst/>
           <a:extLst>
             <a:ext uri="{AF507438-7753-43e0-B8FC-AC1667EBCBE1}">
-              <a14:hiddenEffects xmlns:a14="http://schemas.microsoft.com/office/drawing/2010/main" xmlns="">
+              <a14:hiddenEffects xmlns="" xmlns:a14="http://schemas.microsoft.com/office/drawing/2010/main">
                 <a:effectLst>
                   <a:outerShdw blurRad="63500" dist="38099" dir="2700000" algn="ctr" rotWithShape="0">
                     <a:schemeClr val="bg2">
@@ -27314,14 +27297,14 @@
                       <a:effectLst/>
                       <a:extLst>
                         <a:ext uri="{909E8E84-426E-40dd-AFC4-6F175D3DCCD1}">
-                          <a14:hiddenFill xmlns:a14="http://schemas.microsoft.com/office/drawing/2010/main" xmlns="">
+                          <a14:hiddenFill xmlns="" xmlns:a14="http://schemas.microsoft.com/office/drawing/2010/main">
                             <a:solidFill>
                               <a:srgbClr val="FFFFFF"/>
                             </a:solidFill>
                           </a14:hiddenFill>
                         </a:ext>
                         <a:ext uri="{91240B29-F687-4f45-9708-019B960494DF}">
-                          <a14:hiddenLine xmlns:a14="http://schemas.microsoft.com/office/drawing/2010/main" xmlns="" w="9525">
+                          <a14:hiddenLine xmlns="" xmlns:a14="http://schemas.microsoft.com/office/drawing/2010/main" w="9525">
                             <a:solidFill>
                               <a:srgbClr val="000000"/>
                             </a:solidFill>
@@ -27331,7 +27314,7 @@
                           </a14:hiddenLine>
                         </a:ext>
                         <a:ext uri="{AF507438-7753-43e0-B8FC-AC1667EBCBE1}">
-                          <a14:hiddenEffects xmlns:a14="http://schemas.microsoft.com/office/drawing/2010/main" xmlns="">
+                          <a14:hiddenEffects xmlns="" xmlns:a14="http://schemas.microsoft.com/office/drawing/2010/main">
                             <a:effectLst>
                               <a:outerShdw blurRad="63500" dist="38099" dir="2700000" algn="ctr" rotWithShape="0">
                                 <a:srgbClr val="000000">
@@ -27869,7 +27852,7 @@
           <a:effectLst/>
           <a:extLst>
             <a:ext uri="{AF507438-7753-43e0-B8FC-AC1667EBCBE1}">
-              <a14:hiddenEffects xmlns:a14="http://schemas.microsoft.com/office/drawing/2010/main" xmlns="">
+              <a14:hiddenEffects xmlns="" xmlns:a14="http://schemas.microsoft.com/office/drawing/2010/main">
                 <a:effectLst>
                   <a:outerShdw blurRad="63500" dist="38099" dir="2700000" algn="ctr" rotWithShape="0">
                     <a:schemeClr val="bg2">
@@ -27924,7 +27907,7 @@
           <a:effectLst/>
           <a:extLst>
             <a:ext uri="{AF507438-7753-43e0-B8FC-AC1667EBCBE1}">
-              <a14:hiddenEffects xmlns:a14="http://schemas.microsoft.com/office/drawing/2010/main" xmlns="">
+              <a14:hiddenEffects xmlns="" xmlns:a14="http://schemas.microsoft.com/office/drawing/2010/main">
                 <a:effectLst>
                   <a:outerShdw blurRad="63500" dist="38099" dir="2700000" algn="ctr" rotWithShape="0">
                     <a:schemeClr val="bg2">
@@ -27979,7 +27962,7 @@
           <a:effectLst/>
           <a:extLst>
             <a:ext uri="{AF507438-7753-43e0-B8FC-AC1667EBCBE1}">
-              <a14:hiddenEffects xmlns:a14="http://schemas.microsoft.com/office/drawing/2010/main" xmlns="">
+              <a14:hiddenEffects xmlns="" xmlns:a14="http://schemas.microsoft.com/office/drawing/2010/main">
                 <a:effectLst>
                   <a:outerShdw blurRad="63500" dist="38099" dir="2700000" algn="ctr" rotWithShape="0">
                     <a:schemeClr val="bg2">
@@ -28220,14 +28203,14 @@
           <a:effectLst/>
           <a:extLst>
             <a:ext uri="{909E8E84-426E-40dd-AFC4-6F175D3DCCD1}">
-              <a14:hiddenFill xmlns:a14="http://schemas.microsoft.com/office/drawing/2010/main" xmlns="">
+              <a14:hiddenFill xmlns="" xmlns:a14="http://schemas.microsoft.com/office/drawing/2010/main">
                 <a:solidFill>
                   <a:schemeClr val="accent1"/>
                 </a:solidFill>
               </a14:hiddenFill>
             </a:ext>
             <a:ext uri="{91240B29-F687-4f45-9708-019B960494DF}">
-              <a14:hiddenLine xmlns:a14="http://schemas.microsoft.com/office/drawing/2010/main" xmlns="" w="9525">
+              <a14:hiddenLine xmlns="" xmlns:a14="http://schemas.microsoft.com/office/drawing/2010/main" w="9525">
                 <a:solidFill>
                   <a:schemeClr val="tx1"/>
                 </a:solidFill>
@@ -28237,7 +28220,7 @@
               </a14:hiddenLine>
             </a:ext>
             <a:ext uri="{AF507438-7753-43e0-B8FC-AC1667EBCBE1}">
-              <a14:hiddenEffects xmlns:a14="http://schemas.microsoft.com/office/drawing/2010/main" xmlns="">
+              <a14:hiddenEffects xmlns="" xmlns:a14="http://schemas.microsoft.com/office/drawing/2010/main">
                 <a:effectLst>
                   <a:outerShdw blurRad="63500" dist="38099" dir="2700000" algn="ctr" rotWithShape="0">
                     <a:schemeClr val="bg2">
@@ -28523,8 +28506,8 @@
           </a:p>
         </p:txBody>
       </p:sp>
-      <mc:AlternateContent xmlns:mc="http://schemas.openxmlformats.org/markup-compatibility/2006" xmlns:a14="http://schemas.microsoft.com/office/drawing/2010/main">
-        <mc:Choice Requires="a14">
+      <mc:AlternateContent xmlns:mc="http://schemas.openxmlformats.org/markup-compatibility/2006">
+        <mc:Choice xmlns:a14="http://schemas.microsoft.com/office/drawing/2010/main" Requires="a14">
           <p:sp>
             <p:nvSpPr>
               <p:cNvPr id="129027" name="Rectangle 3"/>
@@ -28535,7 +28518,12 @@
                 <p:ph type="body" idx="1"/>
               </p:nvPr>
             </p:nvSpPr>
-            <p:spPr/>
+            <p:spPr>
+              <a:xfrm>
+                <a:off x="457200" y="1719263"/>
+                <a:ext cx="8229600" cy="3843337"/>
+              </a:xfrm>
+            </p:spPr>
             <p:txBody>
               <a:bodyPr/>
               <a:lstStyle/>
@@ -28646,8 +28634,20 @@
                 </a:pPr>
                 <a:r>
                   <a:rPr lang="en-US" dirty="0"/>
-                  <a:t>As with Quicksort, we can get unlucky</a:t>
+                  <a:t>As with Quicksort, we can get unlucky.</a:t>
                 </a:r>
+              </a:p>
+              <a:p>
+                <a:pPr marL="0" indent="0" eaLnBrk="1" hangingPunct="1">
+                  <a:buNone/>
+                  <a:defRPr/>
+                </a:pPr>
+                <a:endParaRPr lang="en-US" dirty="0">
+                  <a:solidFill>
+                    <a:srgbClr val="FF0000"/>
+                  </a:solidFill>
+                  <a:cs typeface="+mn-cs"/>
+                </a:endParaRPr>
               </a:p>
               <a:p>
                 <a:pPr marL="0" indent="0" eaLnBrk="1" hangingPunct="1">
@@ -28667,7 +28667,7 @@
             </p:txBody>
           </p:sp>
         </mc:Choice>
-        <mc:Fallback xmlns="">
+        <mc:Fallback>
           <p:sp>
             <p:nvSpPr>
               <p:cNvPr id="129027" name="Rectangle 3"/>
@@ -28679,10 +28679,14 @@
               </p:nvPr>
             </p:nvSpPr>
             <p:spPr>
+              <a:xfrm>
+                <a:off x="457200" y="1719263"/>
+                <a:ext cx="8229600" cy="3843337"/>
+              </a:xfrm>
               <a:blipFill>
                 <a:blip r:embed="rId2"/>
                 <a:stretch>
-                  <a:fillRect l="-1852" t="-1724"/>
+                  <a:fillRect l="-1852" t="-1974"/>
                 </a:stretch>
               </a:blipFill>
             </p:spPr>
@@ -28745,10 +28749,10 @@
               <a:defRPr/>
             </a:pPr>
             <a:r>
-              <a:rPr lang="en-US">
+              <a:rPr lang="en-US" dirty="0">
                 <a:cs typeface="+mj-cs"/>
               </a:rPr>
-              <a:t>Average case</a:t>
+              <a:t>Average Case</a:t>
             </a:r>
           </a:p>
         </p:txBody>
@@ -28765,8 +28769,8 @@
         </p:nvSpPr>
         <p:spPr>
           <a:xfrm>
-            <a:off x="457200" y="1600200"/>
-            <a:ext cx="7010400" cy="1600200"/>
+            <a:off x="304800" y="1606731"/>
+            <a:ext cx="8153400" cy="1136469"/>
           </a:xfrm>
         </p:spPr>
         <p:txBody>
@@ -28781,7 +28785,7 @@
               <a:rPr lang="en-US" sz="2800" dirty="0">
                 <a:cs typeface="+mn-cs"/>
               </a:rPr>
-              <a:t>Depends on how much data we throw away at each step</a:t>
+              <a:t>Depends on how much data we throw away at each step.</a:t>
             </a:r>
           </a:p>
         </p:txBody>
@@ -28814,12 +28818,12 @@
           <a:effectLst/>
           <a:extLst>
             <a:ext uri="{909E8E84-426E-40dd-AFC4-6F175D3DCCD1}">
-              <a14:hiddenFill xmlns:a14="http://schemas.microsoft.com/office/drawing/2010/main" xmlns="">
+              <a14:hiddenFill xmlns="" xmlns:a14="http://schemas.microsoft.com/office/drawing/2010/main">
                 <a:noFill/>
               </a14:hiddenFill>
             </a:ext>
             <a:ext uri="{AF507438-7753-43e0-B8FC-AC1667EBCBE1}">
-              <a14:hiddenEffects xmlns:a14="http://schemas.microsoft.com/office/drawing/2010/main" xmlns="">
+              <a14:hiddenEffects xmlns="" xmlns:a14="http://schemas.microsoft.com/office/drawing/2010/main">
                 <a:effectLst>
                   <a:outerShdw blurRad="63500" dist="38099" dir="2700000" algn="ctr" rotWithShape="0">
                     <a:schemeClr val="bg2">
@@ -28876,7 +28880,7 @@
           <a:effectLst/>
           <a:extLst>
             <a:ext uri="{AF507438-7753-43e0-B8FC-AC1667EBCBE1}">
-              <a14:hiddenEffects xmlns:a14="http://schemas.microsoft.com/office/drawing/2010/main" xmlns="">
+              <a14:hiddenEffects xmlns="" xmlns:a14="http://schemas.microsoft.com/office/drawing/2010/main">
                 <a:effectLst>
                   <a:outerShdw blurRad="63500" dist="38099" dir="2700000" algn="ctr" rotWithShape="0">
                     <a:schemeClr val="bg2">
@@ -28929,12 +28933,12 @@
           <a:effectLst/>
           <a:extLst>
             <a:ext uri="{909E8E84-426E-40dd-AFC4-6F175D3DCCD1}">
-              <a14:hiddenFill xmlns:a14="http://schemas.microsoft.com/office/drawing/2010/main" xmlns="">
+              <a14:hiddenFill xmlns="" xmlns:a14="http://schemas.microsoft.com/office/drawing/2010/main">
                 <a:noFill/>
               </a14:hiddenFill>
             </a:ext>
             <a:ext uri="{AF507438-7753-43e0-B8FC-AC1667EBCBE1}">
-              <a14:hiddenEffects xmlns:a14="http://schemas.microsoft.com/office/drawing/2010/main" xmlns="">
+              <a14:hiddenEffects xmlns="" xmlns:a14="http://schemas.microsoft.com/office/drawing/2010/main">
                 <a:effectLst>
                   <a:outerShdw blurRad="63500" dist="38099" dir="2700000" algn="ctr" rotWithShape="0">
                     <a:schemeClr val="bg2">
@@ -28991,7 +28995,7 @@
           <a:effectLst/>
           <a:extLst>
             <a:ext uri="{AF507438-7753-43e0-B8FC-AC1667EBCBE1}">
-              <a14:hiddenEffects xmlns:a14="http://schemas.microsoft.com/office/drawing/2010/main" xmlns="">
+              <a14:hiddenEffects xmlns="" xmlns:a14="http://schemas.microsoft.com/office/drawing/2010/main">
                 <a:effectLst>
                   <a:outerShdw blurRad="63500" dist="38099" dir="2700000" algn="ctr" rotWithShape="0">
                     <a:schemeClr val="bg2">
@@ -29529,12 +29533,12 @@
           <a:effectLst/>
           <a:extLst>
             <a:ext uri="{909E8E84-426E-40dd-AFC4-6F175D3DCCD1}">
-              <a14:hiddenFill xmlns:a14="http://schemas.microsoft.com/office/drawing/2010/main" xmlns="">
+              <a14:hiddenFill xmlns="" xmlns:a14="http://schemas.microsoft.com/office/drawing/2010/main">
                 <a:noFill/>
               </a14:hiddenFill>
             </a:ext>
             <a:ext uri="{AF507438-7753-43e0-B8FC-AC1667EBCBE1}">
-              <a14:hiddenEffects xmlns:a14="http://schemas.microsoft.com/office/drawing/2010/main" xmlns="">
+              <a14:hiddenEffects xmlns="" xmlns:a14="http://schemas.microsoft.com/office/drawing/2010/main">
                 <a:effectLst>
                   <a:outerShdw blurRad="63500" dist="38099" dir="2700000" algn="ctr" rotWithShape="0">
                     <a:schemeClr val="bg2">
@@ -29591,7 +29595,7 @@
           <a:effectLst/>
           <a:extLst>
             <a:ext uri="{AF507438-7753-43e0-B8FC-AC1667EBCBE1}">
-              <a14:hiddenEffects xmlns:a14="http://schemas.microsoft.com/office/drawing/2010/main" xmlns="">
+              <a14:hiddenEffects xmlns="" xmlns:a14="http://schemas.microsoft.com/office/drawing/2010/main">
                 <a:effectLst>
                   <a:outerShdw blurRad="63500" dist="38099" dir="2700000" algn="ctr" rotWithShape="0">
                     <a:schemeClr val="bg2">
@@ -29644,12 +29648,12 @@
           <a:effectLst/>
           <a:extLst>
             <a:ext uri="{909E8E84-426E-40dd-AFC4-6F175D3DCCD1}">
-              <a14:hiddenFill xmlns:a14="http://schemas.microsoft.com/office/drawing/2010/main" xmlns="">
+              <a14:hiddenFill xmlns="" xmlns:a14="http://schemas.microsoft.com/office/drawing/2010/main">
                 <a:noFill/>
               </a14:hiddenFill>
             </a:ext>
             <a:ext uri="{AF507438-7753-43e0-B8FC-AC1667EBCBE1}">
-              <a14:hiddenEffects xmlns:a14="http://schemas.microsoft.com/office/drawing/2010/main" xmlns="">
+              <a14:hiddenEffects xmlns="" xmlns:a14="http://schemas.microsoft.com/office/drawing/2010/main">
                 <a:effectLst>
                   <a:outerShdw blurRad="63500" dist="38099" dir="2700000" algn="ctr" rotWithShape="0">
                     <a:schemeClr val="bg2">
@@ -29706,7 +29710,7 @@
           <a:effectLst/>
           <a:extLst>
             <a:ext uri="{AF507438-7753-43e0-B8FC-AC1667EBCBE1}">
-              <a14:hiddenEffects xmlns:a14="http://schemas.microsoft.com/office/drawing/2010/main" xmlns="">
+              <a14:hiddenEffects xmlns="" xmlns:a14="http://schemas.microsoft.com/office/drawing/2010/main">
                 <a:effectLst>
                   <a:outerShdw blurRad="63500" dist="38099" dir="2700000" algn="ctr" rotWithShape="0">
                     <a:schemeClr val="bg2">
@@ -29763,7 +29767,7 @@
           <a:effectLst/>
           <a:extLst>
             <a:ext uri="{AF507438-7753-43e0-B8FC-AC1667EBCBE1}">
-              <a14:hiddenEffects xmlns:a14="http://schemas.microsoft.com/office/drawing/2010/main" xmlns="">
+              <a14:hiddenEffects xmlns="" xmlns:a14="http://schemas.microsoft.com/office/drawing/2010/main">
                 <a:effectLst>
                   <a:outerShdw blurRad="63500" dist="38099" dir="2700000" algn="ctr" rotWithShape="0">
                     <a:schemeClr val="bg2">
@@ -29820,7 +29824,7 @@
           <a:effectLst/>
           <a:extLst>
             <a:ext uri="{AF507438-7753-43e0-B8FC-AC1667EBCBE1}">
-              <a14:hiddenEffects xmlns:a14="http://schemas.microsoft.com/office/drawing/2010/main" xmlns="">
+              <a14:hiddenEffects xmlns="" xmlns:a14="http://schemas.microsoft.com/office/drawing/2010/main">
                 <a:effectLst>
                   <a:outerShdw blurRad="63500" dist="38099" dir="2700000" algn="ctr" rotWithShape="0">
                     <a:schemeClr val="bg2">
@@ -29873,12 +29877,12 @@
           <a:effectLst/>
           <a:extLst>
             <a:ext uri="{909E8E84-426E-40dd-AFC4-6F175D3DCCD1}">
-              <a14:hiddenFill xmlns:a14="http://schemas.microsoft.com/office/drawing/2010/main" xmlns="">
+              <a14:hiddenFill xmlns="" xmlns:a14="http://schemas.microsoft.com/office/drawing/2010/main">
                 <a:noFill/>
               </a14:hiddenFill>
             </a:ext>
             <a:ext uri="{AF507438-7753-43e0-B8FC-AC1667EBCBE1}">
-              <a14:hiddenEffects xmlns:a14="http://schemas.microsoft.com/office/drawing/2010/main" xmlns="">
+              <a14:hiddenEffects xmlns="" xmlns:a14="http://schemas.microsoft.com/office/drawing/2010/main">
                 <a:effectLst>
                   <a:outerShdw blurRad="63500" dist="38099" dir="2700000" algn="ctr" rotWithShape="0">
                     <a:schemeClr val="bg2">
@@ -29931,12 +29935,12 @@
           <a:effectLst/>
           <a:extLst>
             <a:ext uri="{909E8E84-426E-40dd-AFC4-6F175D3DCCD1}">
-              <a14:hiddenFill xmlns:a14="http://schemas.microsoft.com/office/drawing/2010/main" xmlns="">
+              <a14:hiddenFill xmlns="" xmlns:a14="http://schemas.microsoft.com/office/drawing/2010/main">
                 <a:noFill/>
               </a14:hiddenFill>
             </a:ext>
             <a:ext uri="{AF507438-7753-43e0-B8FC-AC1667EBCBE1}">
-              <a14:hiddenEffects xmlns:a14="http://schemas.microsoft.com/office/drawing/2010/main" xmlns="">
+              <a14:hiddenEffects xmlns="" xmlns:a14="http://schemas.microsoft.com/office/drawing/2010/main">
                 <a:effectLst>
                   <a:outerShdw blurRad="63500" dist="38099" dir="2700000" algn="ctr" rotWithShape="0">
                     <a:schemeClr val="bg2">
@@ -29994,7 +29998,7 @@
           <a:effectLst/>
           <a:extLst>
             <a:ext uri="{AF507438-7753-43e0-B8FC-AC1667EBCBE1}">
-              <a14:hiddenEffects xmlns:a14="http://schemas.microsoft.com/office/drawing/2010/main" xmlns="">
+              <a14:hiddenEffects xmlns="" xmlns:a14="http://schemas.microsoft.com/office/drawing/2010/main">
                 <a:effectLst>
                   <a:outerShdw blurRad="63500" dist="38099" dir="2700000" algn="ctr" rotWithShape="0">
                     <a:schemeClr val="bg2">
@@ -30051,7 +30055,7 @@
           <a:effectLst/>
           <a:extLst>
             <a:ext uri="{AF507438-7753-43e0-B8FC-AC1667EBCBE1}">
-              <a14:hiddenEffects xmlns:a14="http://schemas.microsoft.com/office/drawing/2010/main" xmlns="">
+              <a14:hiddenEffects xmlns="" xmlns:a14="http://schemas.microsoft.com/office/drawing/2010/main">
                 <a:effectLst>
                   <a:outerShdw blurRad="63500" dist="38099" dir="2700000" algn="ctr" rotWithShape="0">
                     <a:schemeClr val="bg2">
@@ -30108,7 +30112,7 @@
           <a:effectLst/>
           <a:extLst>
             <a:ext uri="{AF507438-7753-43e0-B8FC-AC1667EBCBE1}">
-              <a14:hiddenEffects xmlns:a14="http://schemas.microsoft.com/office/drawing/2010/main" xmlns="">
+              <a14:hiddenEffects xmlns="" xmlns:a14="http://schemas.microsoft.com/office/drawing/2010/main">
                 <a:effectLst>
                   <a:outerShdw blurRad="63500" dist="38099" dir="2700000" algn="ctr" rotWithShape="0">
                     <a:schemeClr val="bg2">
@@ -30161,12 +30165,12 @@
           <a:effectLst/>
           <a:extLst>
             <a:ext uri="{909E8E84-426E-40dd-AFC4-6F175D3DCCD1}">
-              <a14:hiddenFill xmlns:a14="http://schemas.microsoft.com/office/drawing/2010/main" xmlns="">
+              <a14:hiddenFill xmlns="" xmlns:a14="http://schemas.microsoft.com/office/drawing/2010/main">
                 <a:noFill/>
               </a14:hiddenFill>
             </a:ext>
             <a:ext uri="{AF507438-7753-43e0-B8FC-AC1667EBCBE1}">
-              <a14:hiddenEffects xmlns:a14="http://schemas.microsoft.com/office/drawing/2010/main" xmlns="">
+              <a14:hiddenEffects xmlns="" xmlns:a14="http://schemas.microsoft.com/office/drawing/2010/main">
                 <a:effectLst>
                   <a:outerShdw blurRad="63500" dist="38099" dir="2700000" algn="ctr" rotWithShape="0">
                     <a:schemeClr val="bg2">
@@ -30219,12 +30223,12 @@
           <a:effectLst/>
           <a:extLst>
             <a:ext uri="{909E8E84-426E-40dd-AFC4-6F175D3DCCD1}">
-              <a14:hiddenFill xmlns:a14="http://schemas.microsoft.com/office/drawing/2010/main" xmlns="">
+              <a14:hiddenFill xmlns="" xmlns:a14="http://schemas.microsoft.com/office/drawing/2010/main">
                 <a:noFill/>
               </a14:hiddenFill>
             </a:ext>
             <a:ext uri="{AF507438-7753-43e0-B8FC-AC1667EBCBE1}">
-              <a14:hiddenEffects xmlns:a14="http://schemas.microsoft.com/office/drawing/2010/main" xmlns="">
+              <a14:hiddenEffects xmlns="" xmlns:a14="http://schemas.microsoft.com/office/drawing/2010/main">
                 <a:effectLst>
                   <a:outerShdw blurRad="63500" dist="38099" dir="2700000" algn="ctr" rotWithShape="0">
                     <a:schemeClr val="bg2">
@@ -30413,14 +30417,14 @@
           <a:effectLst/>
           <a:extLst>
             <a:ext uri="{909E8E84-426E-40dd-AFC4-6F175D3DCCD1}">
-              <a14:hiddenFill xmlns:a14="http://schemas.microsoft.com/office/drawing/2010/main" xmlns="">
+              <a14:hiddenFill xmlns="" xmlns:a14="http://schemas.microsoft.com/office/drawing/2010/main">
                 <a:solidFill>
                   <a:schemeClr val="accent1"/>
                 </a:solidFill>
               </a14:hiddenFill>
             </a:ext>
             <a:ext uri="{91240B29-F687-4f45-9708-019B960494DF}">
-              <a14:hiddenLine xmlns:a14="http://schemas.microsoft.com/office/drawing/2010/main" xmlns="" w="9525">
+              <a14:hiddenLine xmlns="" xmlns:a14="http://schemas.microsoft.com/office/drawing/2010/main" w="9525">
                 <a:solidFill>
                   <a:schemeClr val="tx1"/>
                 </a:solidFill>
@@ -30430,7 +30434,7 @@
               </a14:hiddenLine>
             </a:ext>
             <a:ext uri="{AF507438-7753-43e0-B8FC-AC1667EBCBE1}">
-              <a14:hiddenEffects xmlns:a14="http://schemas.microsoft.com/office/drawing/2010/main" xmlns="">
+              <a14:hiddenEffects xmlns="" xmlns:a14="http://schemas.microsoft.com/office/drawing/2010/main">
                 <a:effectLst>
                   <a:outerShdw blurRad="63500" dist="38099" dir="2700000" algn="ctr" rotWithShape="0">
                     <a:schemeClr val="bg2">
@@ -30491,14 +30495,14 @@
           <a:effectLst/>
           <a:extLst>
             <a:ext uri="{909E8E84-426E-40dd-AFC4-6F175D3DCCD1}">
-              <a14:hiddenFill xmlns:a14="http://schemas.microsoft.com/office/drawing/2010/main" xmlns="">
+              <a14:hiddenFill xmlns="" xmlns:a14="http://schemas.microsoft.com/office/drawing/2010/main">
                 <a:solidFill>
                   <a:schemeClr val="accent1"/>
                 </a:solidFill>
               </a14:hiddenFill>
             </a:ext>
             <a:ext uri="{AF507438-7753-43e0-B8FC-AC1667EBCBE1}">
-              <a14:hiddenEffects xmlns:a14="http://schemas.microsoft.com/office/drawing/2010/main" xmlns="">
+              <a14:hiddenEffects xmlns="" xmlns:a14="http://schemas.microsoft.com/office/drawing/2010/main">
                 <a:effectLst>
                   <a:outerShdw blurRad="63500" dist="38099" dir="2700000" algn="ctr" rotWithShape="0">
                     <a:schemeClr val="bg2">
@@ -30546,14 +30550,14 @@
           <a:effectLst/>
           <a:extLst>
             <a:ext uri="{909E8E84-426E-40dd-AFC4-6F175D3DCCD1}">
-              <a14:hiddenFill xmlns:a14="http://schemas.microsoft.com/office/drawing/2010/main" xmlns="">
+              <a14:hiddenFill xmlns="" xmlns:a14="http://schemas.microsoft.com/office/drawing/2010/main">
                 <a:solidFill>
                   <a:schemeClr val="accent1"/>
                 </a:solidFill>
               </a14:hiddenFill>
             </a:ext>
             <a:ext uri="{91240B29-F687-4f45-9708-019B960494DF}">
-              <a14:hiddenLine xmlns:a14="http://schemas.microsoft.com/office/drawing/2010/main" xmlns="" w="9525">
+              <a14:hiddenLine xmlns="" xmlns:a14="http://schemas.microsoft.com/office/drawing/2010/main" w="9525">
                 <a:solidFill>
                   <a:schemeClr val="tx1"/>
                 </a:solidFill>
@@ -30563,7 +30567,7 @@
               </a14:hiddenLine>
             </a:ext>
             <a:ext uri="{AF507438-7753-43e0-B8FC-AC1667EBCBE1}">
-              <a14:hiddenEffects xmlns:a14="http://schemas.microsoft.com/office/drawing/2010/main" xmlns="">
+              <a14:hiddenEffects xmlns="" xmlns:a14="http://schemas.microsoft.com/office/drawing/2010/main">
                 <a:effectLst>
                   <a:outerShdw blurRad="63500" dist="38099" dir="2700000" algn="ctr" rotWithShape="0">
                     <a:schemeClr val="bg2">
@@ -30624,14 +30628,14 @@
           <a:effectLst/>
           <a:extLst>
             <a:ext uri="{909E8E84-426E-40dd-AFC4-6F175D3DCCD1}">
-              <a14:hiddenFill xmlns:a14="http://schemas.microsoft.com/office/drawing/2010/main" xmlns="">
+              <a14:hiddenFill xmlns="" xmlns:a14="http://schemas.microsoft.com/office/drawing/2010/main">
                 <a:solidFill>
                   <a:schemeClr val="accent1"/>
                 </a:solidFill>
               </a14:hiddenFill>
             </a:ext>
             <a:ext uri="{AF507438-7753-43e0-B8FC-AC1667EBCBE1}">
-              <a14:hiddenEffects xmlns:a14="http://schemas.microsoft.com/office/drawing/2010/main" xmlns="">
+              <a14:hiddenEffects xmlns="" xmlns:a14="http://schemas.microsoft.com/office/drawing/2010/main">
                 <a:effectLst>
                   <a:outerShdw blurRad="63500" dist="38099" dir="2700000" algn="ctr" rotWithShape="0">
                     <a:schemeClr val="bg2">
@@ -30679,14 +30683,14 @@
           <a:effectLst/>
           <a:extLst>
             <a:ext uri="{909E8E84-426E-40dd-AFC4-6F175D3DCCD1}">
-              <a14:hiddenFill xmlns:a14="http://schemas.microsoft.com/office/drawing/2010/main" xmlns="">
+              <a14:hiddenFill xmlns="" xmlns:a14="http://schemas.microsoft.com/office/drawing/2010/main">
                 <a:solidFill>
                   <a:schemeClr val="accent1"/>
                 </a:solidFill>
               </a14:hiddenFill>
             </a:ext>
             <a:ext uri="{91240B29-F687-4f45-9708-019B960494DF}">
-              <a14:hiddenLine xmlns:a14="http://schemas.microsoft.com/office/drawing/2010/main" xmlns="" w="9525">
+              <a14:hiddenLine xmlns="" xmlns:a14="http://schemas.microsoft.com/office/drawing/2010/main" w="9525">
                 <a:solidFill>
                   <a:schemeClr val="tx1"/>
                 </a:solidFill>
@@ -30696,7 +30700,7 @@
               </a14:hiddenLine>
             </a:ext>
             <a:ext uri="{AF507438-7753-43e0-B8FC-AC1667EBCBE1}">
-              <a14:hiddenEffects xmlns:a14="http://schemas.microsoft.com/office/drawing/2010/main" xmlns="">
+              <a14:hiddenEffects xmlns="" xmlns:a14="http://schemas.microsoft.com/office/drawing/2010/main">
                 <a:effectLst>
                   <a:outerShdw blurRad="63500" dist="38099" dir="2700000" algn="ctr" rotWithShape="0">
                     <a:schemeClr val="bg2">
@@ -30933,14 +30937,14 @@
                       <a:effectLst/>
                       <a:extLst>
                         <a:ext uri="{909E8E84-426E-40dd-AFC4-6F175D3DCCD1}">
-                          <a14:hiddenFill xmlns:a14="http://schemas.microsoft.com/office/drawing/2010/main" xmlns="">
+                          <a14:hiddenFill xmlns="" xmlns:a14="http://schemas.microsoft.com/office/drawing/2010/main">
                             <a:solidFill>
                               <a:srgbClr val="FFFFFF"/>
                             </a:solidFill>
                           </a14:hiddenFill>
                         </a:ext>
                         <a:ext uri="{91240B29-F687-4f45-9708-019B960494DF}">
-                          <a14:hiddenLine xmlns:a14="http://schemas.microsoft.com/office/drawing/2010/main" xmlns="" w="9525">
+                          <a14:hiddenLine xmlns="" xmlns:a14="http://schemas.microsoft.com/office/drawing/2010/main" w="9525">
                             <a:solidFill>
                               <a:srgbClr val="000000"/>
                             </a:solidFill>
@@ -30950,7 +30954,7 @@
                           </a14:hiddenLine>
                         </a:ext>
                         <a:ext uri="{AF507438-7753-43e0-B8FC-AC1667EBCBE1}">
-                          <a14:hiddenEffects xmlns:a14="http://schemas.microsoft.com/office/drawing/2010/main" xmlns="">
+                          <a14:hiddenEffects xmlns="" xmlns:a14="http://schemas.microsoft.com/office/drawing/2010/main">
                             <a:effectLst>
                               <a:outerShdw blurRad="63500" dist="38099" dir="2700000" algn="ctr" rotWithShape="0">
                                 <a:srgbClr val="000000">
@@ -31028,14 +31032,14 @@
                       <a:effectLst/>
                       <a:extLst>
                         <a:ext uri="{909E8E84-426E-40dd-AFC4-6F175D3DCCD1}">
-                          <a14:hiddenFill xmlns:a14="http://schemas.microsoft.com/office/drawing/2010/main" xmlns="">
+                          <a14:hiddenFill xmlns="" xmlns:a14="http://schemas.microsoft.com/office/drawing/2010/main">
                             <a:solidFill>
                               <a:srgbClr val="FFFFFF"/>
                             </a:solidFill>
                           </a14:hiddenFill>
                         </a:ext>
                         <a:ext uri="{91240B29-F687-4f45-9708-019B960494DF}">
-                          <a14:hiddenLine xmlns:a14="http://schemas.microsoft.com/office/drawing/2010/main" xmlns="" w="9525">
+                          <a14:hiddenLine xmlns="" xmlns:a14="http://schemas.microsoft.com/office/drawing/2010/main" w="9525">
                             <a:solidFill>
                               <a:srgbClr val="000000"/>
                             </a:solidFill>
@@ -31045,7 +31049,7 @@
                           </a14:hiddenLine>
                         </a:ext>
                         <a:ext uri="{AF507438-7753-43e0-B8FC-AC1667EBCBE1}">
-                          <a14:hiddenEffects xmlns:a14="http://schemas.microsoft.com/office/drawing/2010/main" xmlns="">
+                          <a14:hiddenEffects xmlns="" xmlns:a14="http://schemas.microsoft.com/office/drawing/2010/main">
                             <a:effectLst>
                               <a:outerShdw blurRad="63500" dist="38099" dir="2700000" algn="ctr" rotWithShape="0">
                                 <a:srgbClr val="000000">
@@ -31123,14 +31127,14 @@
                       <a:effectLst/>
                       <a:extLst>
                         <a:ext uri="{909E8E84-426E-40dd-AFC4-6F175D3DCCD1}">
-                          <a14:hiddenFill xmlns:a14="http://schemas.microsoft.com/office/drawing/2010/main" xmlns="">
+                          <a14:hiddenFill xmlns="" xmlns:a14="http://schemas.microsoft.com/office/drawing/2010/main">
                             <a:solidFill>
                               <a:srgbClr val="FFFFFF"/>
                             </a:solidFill>
                           </a14:hiddenFill>
                         </a:ext>
                         <a:ext uri="{91240B29-F687-4f45-9708-019B960494DF}">
-                          <a14:hiddenLine xmlns:a14="http://schemas.microsoft.com/office/drawing/2010/main" xmlns="" w="9525">
+                          <a14:hiddenLine xmlns="" xmlns:a14="http://schemas.microsoft.com/office/drawing/2010/main" w="9525">
                             <a:solidFill>
                               <a:srgbClr val="000000"/>
                             </a:solidFill>
@@ -31140,7 +31144,7 @@
                           </a14:hiddenLine>
                         </a:ext>
                         <a:ext uri="{AF507438-7753-43e0-B8FC-AC1667EBCBE1}">
-                          <a14:hiddenEffects xmlns:a14="http://schemas.microsoft.com/office/drawing/2010/main" xmlns="">
+                          <a14:hiddenEffects xmlns="" xmlns:a14="http://schemas.microsoft.com/office/drawing/2010/main">
                             <a:effectLst>
                               <a:outerShdw blurRad="63500" dist="38099" dir="2700000" algn="ctr" rotWithShape="0">
                                 <a:srgbClr val="000000">
@@ -31182,14 +31186,14 @@
           <a:effectLst/>
           <a:extLst>
             <a:ext uri="{909E8E84-426E-40dd-AFC4-6F175D3DCCD1}">
-              <a14:hiddenFill xmlns:a14="http://schemas.microsoft.com/office/drawing/2010/main" xmlns="">
+              <a14:hiddenFill xmlns="" xmlns:a14="http://schemas.microsoft.com/office/drawing/2010/main">
                 <a:solidFill>
                   <a:schemeClr val="accent1"/>
                 </a:solidFill>
               </a14:hiddenFill>
             </a:ext>
             <a:ext uri="{91240B29-F687-4f45-9708-019B960494DF}">
-              <a14:hiddenLine xmlns:a14="http://schemas.microsoft.com/office/drawing/2010/main" xmlns="" w="9525">
+              <a14:hiddenLine xmlns="" xmlns:a14="http://schemas.microsoft.com/office/drawing/2010/main" w="9525">
                 <a:solidFill>
                   <a:schemeClr val="tx1"/>
                 </a:solidFill>
@@ -31199,7 +31203,7 @@
               </a14:hiddenLine>
             </a:ext>
             <a:ext uri="{AF507438-7753-43e0-B8FC-AC1667EBCBE1}">
-              <a14:hiddenEffects xmlns:a14="http://schemas.microsoft.com/office/drawing/2010/main" xmlns="">
+              <a14:hiddenEffects xmlns="" xmlns:a14="http://schemas.microsoft.com/office/drawing/2010/main">
                 <a:effectLst>
                   <a:outerShdw blurRad="63500" dist="38099" dir="2700000" algn="ctr" rotWithShape="0">
                     <a:schemeClr val="bg2">
@@ -31627,14 +31631,14 @@
           </a:ln>
           <a:extLst>
             <a:ext uri="{909E8E84-426E-40dd-AFC4-6F175D3DCCD1}">
-              <a14:hiddenFill xmlns:a14="http://schemas.microsoft.com/office/drawing/2010/main" xmlns="">
+              <a14:hiddenFill xmlns="" xmlns:a14="http://schemas.microsoft.com/office/drawing/2010/main">
                 <a:solidFill>
                   <a:srgbClr val="FFFFFF"/>
                 </a:solidFill>
               </a14:hiddenFill>
             </a:ext>
             <a:ext uri="{91240B29-F687-4f45-9708-019B960494DF}">
-              <a14:hiddenLine xmlns:a14="http://schemas.microsoft.com/office/drawing/2010/main" xmlns="" w="9525">
+              <a14:hiddenLine xmlns="" xmlns:a14="http://schemas.microsoft.com/office/drawing/2010/main" w="9525">
                 <a:solidFill>
                   <a:srgbClr val="000000"/>
                 </a:solidFill>
@@ -31681,14 +31685,14 @@
           </a:ln>
           <a:extLst>
             <a:ext uri="{909E8E84-426E-40dd-AFC4-6F175D3DCCD1}">
-              <a14:hiddenFill xmlns:a14="http://schemas.microsoft.com/office/drawing/2010/main" xmlns="">
+              <a14:hiddenFill xmlns="" xmlns:a14="http://schemas.microsoft.com/office/drawing/2010/main">
                 <a:solidFill>
                   <a:srgbClr val="FFFFFF"/>
                 </a:solidFill>
               </a14:hiddenFill>
             </a:ext>
             <a:ext uri="{91240B29-F687-4f45-9708-019B960494DF}">
-              <a14:hiddenLine xmlns:a14="http://schemas.microsoft.com/office/drawing/2010/main" xmlns="" w="9525">
+              <a14:hiddenLine xmlns="" xmlns:a14="http://schemas.microsoft.com/office/drawing/2010/main" w="9525">
                 <a:solidFill>
                   <a:srgbClr val="000000"/>
                 </a:solidFill>
@@ -31872,14 +31876,14 @@
                       <a:effectLst/>
                       <a:extLst>
                         <a:ext uri="{909E8E84-426E-40dd-AFC4-6F175D3DCCD1}">
-                          <a14:hiddenFill xmlns:a14="http://schemas.microsoft.com/office/drawing/2010/main" xmlns="">
+                          <a14:hiddenFill xmlns="" xmlns:a14="http://schemas.microsoft.com/office/drawing/2010/main">
                             <a:solidFill>
                               <a:srgbClr val="FFFFFF"/>
                             </a:solidFill>
                           </a14:hiddenFill>
                         </a:ext>
                         <a:ext uri="{91240B29-F687-4f45-9708-019B960494DF}">
-                          <a14:hiddenLine xmlns:a14="http://schemas.microsoft.com/office/drawing/2010/main" xmlns="" w="9525">
+                          <a14:hiddenLine xmlns="" xmlns:a14="http://schemas.microsoft.com/office/drawing/2010/main" w="9525">
                             <a:solidFill>
                               <a:srgbClr val="000000"/>
                             </a:solidFill>
@@ -31889,7 +31893,7 @@
                           </a14:hiddenLine>
                         </a:ext>
                         <a:ext uri="{AF507438-7753-43e0-B8FC-AC1667EBCBE1}">
-                          <a14:hiddenEffects xmlns:a14="http://schemas.microsoft.com/office/drawing/2010/main" xmlns="">
+                          <a14:hiddenEffects xmlns="" xmlns:a14="http://schemas.microsoft.com/office/drawing/2010/main">
                             <a:effectLst>
                               <a:outerShdw blurRad="63500" dist="38099" dir="2700000" algn="ctr" rotWithShape="0">
                                 <a:srgbClr val="000000">
@@ -31967,14 +31971,14 @@
                       <a:effectLst/>
                       <a:extLst>
                         <a:ext uri="{909E8E84-426E-40dd-AFC4-6F175D3DCCD1}">
-                          <a14:hiddenFill xmlns:a14="http://schemas.microsoft.com/office/drawing/2010/main" xmlns="">
+                          <a14:hiddenFill xmlns="" xmlns:a14="http://schemas.microsoft.com/office/drawing/2010/main">
                             <a:solidFill>
                               <a:srgbClr val="FFFFFF"/>
                             </a:solidFill>
                           </a14:hiddenFill>
                         </a:ext>
                         <a:ext uri="{91240B29-F687-4f45-9708-019B960494DF}">
-                          <a14:hiddenLine xmlns:a14="http://schemas.microsoft.com/office/drawing/2010/main" xmlns="" w="9525">
+                          <a14:hiddenLine xmlns="" xmlns:a14="http://schemas.microsoft.com/office/drawing/2010/main" w="9525">
                             <a:solidFill>
                               <a:srgbClr val="000000"/>
                             </a:solidFill>
@@ -31984,7 +31988,7 @@
                           </a14:hiddenLine>
                         </a:ext>
                         <a:ext uri="{AF507438-7753-43e0-B8FC-AC1667EBCBE1}">
-                          <a14:hiddenEffects xmlns:a14="http://schemas.microsoft.com/office/drawing/2010/main" xmlns="">
+                          <a14:hiddenEffects xmlns="" xmlns:a14="http://schemas.microsoft.com/office/drawing/2010/main">
                             <a:effectLst>
                               <a:outerShdw blurRad="63500" dist="38099" dir="2700000" algn="ctr" rotWithShape="0">
                                 <a:srgbClr val="000000">
@@ -32062,14 +32066,14 @@
                       <a:effectLst/>
                       <a:extLst>
                         <a:ext uri="{909E8E84-426E-40dd-AFC4-6F175D3DCCD1}">
-                          <a14:hiddenFill xmlns:a14="http://schemas.microsoft.com/office/drawing/2010/main" xmlns="">
+                          <a14:hiddenFill xmlns="" xmlns:a14="http://schemas.microsoft.com/office/drawing/2010/main">
                             <a:solidFill>
                               <a:srgbClr val="FFFFFF"/>
                             </a:solidFill>
                           </a14:hiddenFill>
                         </a:ext>
                         <a:ext uri="{91240B29-F687-4f45-9708-019B960494DF}">
-                          <a14:hiddenLine xmlns:a14="http://schemas.microsoft.com/office/drawing/2010/main" xmlns="" w="9525">
+                          <a14:hiddenLine xmlns="" xmlns:a14="http://schemas.microsoft.com/office/drawing/2010/main" w="9525">
                             <a:solidFill>
                               <a:srgbClr val="000000"/>
                             </a:solidFill>
@@ -32079,7 +32083,7 @@
                           </a14:hiddenLine>
                         </a:ext>
                         <a:ext uri="{AF507438-7753-43e0-B8FC-AC1667EBCBE1}">
-                          <a14:hiddenEffects xmlns:a14="http://schemas.microsoft.com/office/drawing/2010/main" xmlns="">
+                          <a14:hiddenEffects xmlns="" xmlns:a14="http://schemas.microsoft.com/office/drawing/2010/main">
                             <a:effectLst>
                               <a:outerShdw blurRad="63500" dist="38099" dir="2700000" algn="ctr" rotWithShape="0">
                                 <a:srgbClr val="000000">
@@ -32157,14 +32161,14 @@
                       <a:effectLst/>
                       <a:extLst>
                         <a:ext uri="{909E8E84-426E-40dd-AFC4-6F175D3DCCD1}">
-                          <a14:hiddenFill xmlns:a14="http://schemas.microsoft.com/office/drawing/2010/main" xmlns="">
+                          <a14:hiddenFill xmlns="" xmlns:a14="http://schemas.microsoft.com/office/drawing/2010/main">
                             <a:solidFill>
                               <a:srgbClr val="FFFFFF"/>
                             </a:solidFill>
                           </a14:hiddenFill>
                         </a:ext>
                         <a:ext uri="{91240B29-F687-4f45-9708-019B960494DF}">
-                          <a14:hiddenLine xmlns:a14="http://schemas.microsoft.com/office/drawing/2010/main" xmlns="" w="9525">
+                          <a14:hiddenLine xmlns="" xmlns:a14="http://schemas.microsoft.com/office/drawing/2010/main" w="9525">
                             <a:solidFill>
                               <a:srgbClr val="000000"/>
                             </a:solidFill>
@@ -32174,7 +32178,7 @@
                           </a14:hiddenLine>
                         </a:ext>
                         <a:ext uri="{AF507438-7753-43e0-B8FC-AC1667EBCBE1}">
-                          <a14:hiddenEffects xmlns:a14="http://schemas.microsoft.com/office/drawing/2010/main" xmlns="">
+                          <a14:hiddenEffects xmlns="" xmlns:a14="http://schemas.microsoft.com/office/drawing/2010/main">
                             <a:effectLst>
                               <a:outerShdw blurRad="63500" dist="38099" dir="2700000" algn="ctr" rotWithShape="0">
                                 <a:srgbClr val="000000">
@@ -32252,14 +32256,14 @@
                       <a:effectLst/>
                       <a:extLst>
                         <a:ext uri="{909E8E84-426E-40dd-AFC4-6F175D3DCCD1}">
-                          <a14:hiddenFill xmlns:a14="http://schemas.microsoft.com/office/drawing/2010/main" xmlns="">
+                          <a14:hiddenFill xmlns="" xmlns:a14="http://schemas.microsoft.com/office/drawing/2010/main">
                             <a:solidFill>
                               <a:srgbClr val="FFFFFF"/>
                             </a:solidFill>
                           </a14:hiddenFill>
                         </a:ext>
                         <a:ext uri="{91240B29-F687-4f45-9708-019B960494DF}">
-                          <a14:hiddenLine xmlns:a14="http://schemas.microsoft.com/office/drawing/2010/main" xmlns="" w="9525">
+                          <a14:hiddenLine xmlns="" xmlns:a14="http://schemas.microsoft.com/office/drawing/2010/main" w="9525">
                             <a:solidFill>
                               <a:srgbClr val="000000"/>
                             </a:solidFill>
@@ -32269,7 +32273,7 @@
                           </a14:hiddenLine>
                         </a:ext>
                         <a:ext uri="{AF507438-7753-43e0-B8FC-AC1667EBCBE1}">
-                          <a14:hiddenEffects xmlns:a14="http://schemas.microsoft.com/office/drawing/2010/main" xmlns="">
+                          <a14:hiddenEffects xmlns="" xmlns:a14="http://schemas.microsoft.com/office/drawing/2010/main">
                             <a:effectLst>
                               <a:outerShdw blurRad="63500" dist="38099" dir="2700000" algn="ctr" rotWithShape="0">
                                 <a:srgbClr val="000000">
@@ -32772,12 +32776,12 @@
           <a:effectLst/>
           <a:extLst>
             <a:ext uri="{909E8E84-426E-40dd-AFC4-6F175D3DCCD1}">
-              <a14:hiddenFill xmlns:a14="http://schemas.microsoft.com/office/drawing/2010/main" xmlns="">
+              <a14:hiddenFill xmlns="" xmlns:a14="http://schemas.microsoft.com/office/drawing/2010/main">
                 <a:noFill/>
               </a14:hiddenFill>
             </a:ext>
             <a:ext uri="{AF507438-7753-43e0-B8FC-AC1667EBCBE1}">
-              <a14:hiddenEffects xmlns:a14="http://schemas.microsoft.com/office/drawing/2010/main" xmlns="">
+              <a14:hiddenEffects xmlns="" xmlns:a14="http://schemas.microsoft.com/office/drawing/2010/main">
                 <a:effectLst>
                   <a:outerShdw blurRad="63500" dist="38099" dir="2700000" algn="ctr" rotWithShape="0">
                     <a:schemeClr val="bg2">
@@ -32831,14 +32835,14 @@
           <a:effectLst/>
           <a:extLst>
             <a:ext uri="{909E8E84-426E-40dd-AFC4-6F175D3DCCD1}">
-              <a14:hiddenFill xmlns:a14="http://schemas.microsoft.com/office/drawing/2010/main" xmlns="">
+              <a14:hiddenFill xmlns="" xmlns:a14="http://schemas.microsoft.com/office/drawing/2010/main">
                 <a:solidFill>
                   <a:schemeClr val="accent1"/>
                 </a:solidFill>
               </a14:hiddenFill>
             </a:ext>
             <a:ext uri="{91240B29-F687-4f45-9708-019B960494DF}">
-              <a14:hiddenLine xmlns:a14="http://schemas.microsoft.com/office/drawing/2010/main" xmlns="" w="9525">
+              <a14:hiddenLine xmlns="" xmlns:a14="http://schemas.microsoft.com/office/drawing/2010/main" w="9525">
                 <a:solidFill>
                   <a:schemeClr val="tx1"/>
                 </a:solidFill>
@@ -32848,7 +32852,7 @@
               </a14:hiddenLine>
             </a:ext>
             <a:ext uri="{AF507438-7753-43e0-B8FC-AC1667EBCBE1}">
-              <a14:hiddenEffects xmlns:a14="http://schemas.microsoft.com/office/drawing/2010/main" xmlns="">
+              <a14:hiddenEffects xmlns="" xmlns:a14="http://schemas.microsoft.com/office/drawing/2010/main">
                 <a:effectLst>
                   <a:outerShdw blurRad="63500" dist="38099" dir="2700000" algn="ctr" rotWithShape="0">
                     <a:schemeClr val="bg2">
@@ -32941,12 +32945,12 @@
           <a:effectLst/>
           <a:extLst>
             <a:ext uri="{909E8E84-426E-40dd-AFC4-6F175D3DCCD1}">
-              <a14:hiddenFill xmlns:a14="http://schemas.microsoft.com/office/drawing/2010/main" xmlns="">
+              <a14:hiddenFill xmlns="" xmlns:a14="http://schemas.microsoft.com/office/drawing/2010/main">
                 <a:noFill/>
               </a14:hiddenFill>
             </a:ext>
             <a:ext uri="{AF507438-7753-43e0-B8FC-AC1667EBCBE1}">
-              <a14:hiddenEffects xmlns:a14="http://schemas.microsoft.com/office/drawing/2010/main" xmlns="">
+              <a14:hiddenEffects xmlns="" xmlns:a14="http://schemas.microsoft.com/office/drawing/2010/main">
                 <a:effectLst>
                   <a:outerShdw blurRad="63500" dist="38099" dir="2700000" algn="ctr" rotWithShape="0">
                     <a:schemeClr val="bg2">
@@ -33000,14 +33004,14 @@
           <a:effectLst/>
           <a:extLst>
             <a:ext uri="{909E8E84-426E-40dd-AFC4-6F175D3DCCD1}">
-              <a14:hiddenFill xmlns:a14="http://schemas.microsoft.com/office/drawing/2010/main" xmlns="">
+              <a14:hiddenFill xmlns="" xmlns:a14="http://schemas.microsoft.com/office/drawing/2010/main">
                 <a:solidFill>
                   <a:schemeClr val="accent1"/>
                 </a:solidFill>
               </a14:hiddenFill>
             </a:ext>
             <a:ext uri="{91240B29-F687-4f45-9708-019B960494DF}">
-              <a14:hiddenLine xmlns:a14="http://schemas.microsoft.com/office/drawing/2010/main" xmlns="" w="9525">
+              <a14:hiddenLine xmlns="" xmlns:a14="http://schemas.microsoft.com/office/drawing/2010/main" w="9525">
                 <a:solidFill>
                   <a:schemeClr val="tx1"/>
                 </a:solidFill>
@@ -33017,7 +33021,7 @@
               </a14:hiddenLine>
             </a:ext>
             <a:ext uri="{AF507438-7753-43e0-B8FC-AC1667EBCBE1}">
-              <a14:hiddenEffects xmlns:a14="http://schemas.microsoft.com/office/drawing/2010/main" xmlns="">
+              <a14:hiddenEffects xmlns="" xmlns:a14="http://schemas.microsoft.com/office/drawing/2010/main">
                 <a:effectLst>
                   <a:outerShdw blurRad="63500" dist="38099" dir="2700000" algn="ctr" rotWithShape="0">
                     <a:schemeClr val="bg2">
@@ -33370,14 +33374,14 @@
                       <a:effectLst/>
                       <a:extLst>
                         <a:ext uri="{909E8E84-426E-40dd-AFC4-6F175D3DCCD1}">
-                          <a14:hiddenFill xmlns:a14="http://schemas.microsoft.com/office/drawing/2010/main" xmlns="">
+                          <a14:hiddenFill xmlns="" xmlns:a14="http://schemas.microsoft.com/office/drawing/2010/main">
                             <a:solidFill>
                               <a:srgbClr val="FFFFFF"/>
                             </a:solidFill>
                           </a14:hiddenFill>
                         </a:ext>
                         <a:ext uri="{91240B29-F687-4f45-9708-019B960494DF}">
-                          <a14:hiddenLine xmlns:a14="http://schemas.microsoft.com/office/drawing/2010/main" xmlns="" w="9525">
+                          <a14:hiddenLine xmlns="" xmlns:a14="http://schemas.microsoft.com/office/drawing/2010/main" w="9525">
                             <a:solidFill>
                               <a:srgbClr val="000000"/>
                             </a:solidFill>
@@ -33387,7 +33391,7 @@
                           </a14:hiddenLine>
                         </a:ext>
                         <a:ext uri="{AF507438-7753-43e0-B8FC-AC1667EBCBE1}">
-                          <a14:hiddenEffects xmlns:a14="http://schemas.microsoft.com/office/drawing/2010/main" xmlns="">
+                          <a14:hiddenEffects xmlns="" xmlns:a14="http://schemas.microsoft.com/office/drawing/2010/main">
                             <a:effectLst>
                               <a:outerShdw blurRad="63500" dist="38099" dir="2700000" algn="ctr" rotWithShape="0">
                                 <a:srgbClr val="000000">
@@ -33490,14 +33494,14 @@
                       <a:effectLst/>
                       <a:extLst>
                         <a:ext uri="{909E8E84-426E-40dd-AFC4-6F175D3DCCD1}">
-                          <a14:hiddenFill xmlns:a14="http://schemas.microsoft.com/office/drawing/2010/main" xmlns="">
+                          <a14:hiddenFill xmlns="" xmlns:a14="http://schemas.microsoft.com/office/drawing/2010/main">
                             <a:solidFill>
                               <a:srgbClr val="FFFFFF"/>
                             </a:solidFill>
                           </a14:hiddenFill>
                         </a:ext>
                         <a:ext uri="{91240B29-F687-4f45-9708-019B960494DF}">
-                          <a14:hiddenLine xmlns:a14="http://schemas.microsoft.com/office/drawing/2010/main" xmlns="" w="9525">
+                          <a14:hiddenLine xmlns="" xmlns:a14="http://schemas.microsoft.com/office/drawing/2010/main" w="9525">
                             <a:solidFill>
                               <a:srgbClr val="000000"/>
                             </a:solidFill>
@@ -33507,7 +33511,7 @@
                           </a14:hiddenLine>
                         </a:ext>
                         <a:ext uri="{AF507438-7753-43e0-B8FC-AC1667EBCBE1}">
-                          <a14:hiddenEffects xmlns:a14="http://schemas.microsoft.com/office/drawing/2010/main" xmlns="">
+                          <a14:hiddenEffects xmlns="" xmlns:a14="http://schemas.microsoft.com/office/drawing/2010/main">
                             <a:effectLst>
                               <a:outerShdw blurRad="63500" dist="38099" dir="2700000" algn="ctr" rotWithShape="0">
                                 <a:srgbClr val="000000">
@@ -33549,14 +33553,14 @@
           <a:effectLst/>
           <a:extLst>
             <a:ext uri="{909E8E84-426E-40dd-AFC4-6F175D3DCCD1}">
-              <a14:hiddenFill xmlns:a14="http://schemas.microsoft.com/office/drawing/2010/main" xmlns="">
+              <a14:hiddenFill xmlns="" xmlns:a14="http://schemas.microsoft.com/office/drawing/2010/main">
                 <a:solidFill>
                   <a:schemeClr val="accent1"/>
                 </a:solidFill>
               </a14:hiddenFill>
             </a:ext>
             <a:ext uri="{91240B29-F687-4f45-9708-019B960494DF}">
-              <a14:hiddenLine xmlns:a14="http://schemas.microsoft.com/office/drawing/2010/main" xmlns="" w="9525">
+              <a14:hiddenLine xmlns="" xmlns:a14="http://schemas.microsoft.com/office/drawing/2010/main" w="9525">
                 <a:solidFill>
                   <a:schemeClr val="tx1"/>
                 </a:solidFill>
@@ -33566,7 +33570,7 @@
               </a14:hiddenLine>
             </a:ext>
             <a:ext uri="{AF507438-7753-43e0-B8FC-AC1667EBCBE1}">
-              <a14:hiddenEffects xmlns:a14="http://schemas.microsoft.com/office/drawing/2010/main" xmlns="">
+              <a14:hiddenEffects xmlns="" xmlns:a14="http://schemas.microsoft.com/office/drawing/2010/main">
                 <a:effectLst>
                   <a:outerShdw blurRad="63500" dist="38099" dir="2700000" algn="ctr" rotWithShape="0">
                     <a:schemeClr val="bg2">
@@ -33634,14 +33638,14 @@
           <a:effectLst/>
           <a:extLst>
             <a:ext uri="{909E8E84-426E-40dd-AFC4-6F175D3DCCD1}">
-              <a14:hiddenFill xmlns:a14="http://schemas.microsoft.com/office/drawing/2010/main" xmlns="">
+              <a14:hiddenFill xmlns="" xmlns:a14="http://schemas.microsoft.com/office/drawing/2010/main">
                 <a:solidFill>
                   <a:schemeClr val="accent1"/>
                 </a:solidFill>
               </a14:hiddenFill>
             </a:ext>
             <a:ext uri="{91240B29-F687-4f45-9708-019B960494DF}">
-              <a14:hiddenLine xmlns:a14="http://schemas.microsoft.com/office/drawing/2010/main" xmlns="" w="9525">
+              <a14:hiddenLine xmlns="" xmlns:a14="http://schemas.microsoft.com/office/drawing/2010/main" w="9525">
                 <a:solidFill>
                   <a:schemeClr val="tx1"/>
                 </a:solidFill>
@@ -33651,7 +33655,7 @@
               </a14:hiddenLine>
             </a:ext>
             <a:ext uri="{AF507438-7753-43e0-B8FC-AC1667EBCBE1}">
-              <a14:hiddenEffects xmlns:a14="http://schemas.microsoft.com/office/drawing/2010/main" xmlns="">
+              <a14:hiddenEffects xmlns="" xmlns:a14="http://schemas.microsoft.com/office/drawing/2010/main">
                 <a:effectLst>
                   <a:outerShdw blurRad="63500" dist="38099" dir="2700000" algn="ctr" rotWithShape="0">
                     <a:schemeClr val="bg2">
@@ -33705,14 +33709,14 @@
           <a:effectLst/>
           <a:extLst>
             <a:ext uri="{909E8E84-426E-40dd-AFC4-6F175D3DCCD1}">
-              <a14:hiddenFill xmlns:a14="http://schemas.microsoft.com/office/drawing/2010/main" xmlns="">
+              <a14:hiddenFill xmlns="" xmlns:a14="http://schemas.microsoft.com/office/drawing/2010/main">
                 <a:solidFill>
                   <a:schemeClr val="accent1"/>
                 </a:solidFill>
               </a14:hiddenFill>
             </a:ext>
             <a:ext uri="{91240B29-F687-4f45-9708-019B960494DF}">
-              <a14:hiddenLine xmlns:a14="http://schemas.microsoft.com/office/drawing/2010/main" xmlns="" w="9525">
+              <a14:hiddenLine xmlns="" xmlns:a14="http://schemas.microsoft.com/office/drawing/2010/main" w="9525">
                 <a:solidFill>
                   <a:schemeClr val="tx1"/>
                 </a:solidFill>
@@ -33722,7 +33726,7 @@
               </a14:hiddenLine>
             </a:ext>
             <a:ext uri="{AF507438-7753-43e0-B8FC-AC1667EBCBE1}">
-              <a14:hiddenEffects xmlns:a14="http://schemas.microsoft.com/office/drawing/2010/main" xmlns="">
+              <a14:hiddenEffects xmlns="" xmlns:a14="http://schemas.microsoft.com/office/drawing/2010/main">
                 <a:effectLst>
                   <a:outerShdw blurRad="63500" dist="38099" dir="2700000" algn="ctr" rotWithShape="0">
                     <a:schemeClr val="bg2">
@@ -33776,14 +33780,14 @@
           <a:effectLst/>
           <a:extLst>
             <a:ext uri="{909E8E84-426E-40dd-AFC4-6F175D3DCCD1}">
-              <a14:hiddenFill xmlns:a14="http://schemas.microsoft.com/office/drawing/2010/main" xmlns="">
+              <a14:hiddenFill xmlns="" xmlns:a14="http://schemas.microsoft.com/office/drawing/2010/main">
                 <a:solidFill>
                   <a:schemeClr val="accent1"/>
                 </a:solidFill>
               </a14:hiddenFill>
             </a:ext>
             <a:ext uri="{91240B29-F687-4f45-9708-019B960494DF}">
-              <a14:hiddenLine xmlns:a14="http://schemas.microsoft.com/office/drawing/2010/main" xmlns="" w="9525">
+              <a14:hiddenLine xmlns="" xmlns:a14="http://schemas.microsoft.com/office/drawing/2010/main" w="9525">
                 <a:solidFill>
                   <a:schemeClr val="tx1"/>
                 </a:solidFill>
@@ -33793,7 +33797,7 @@
               </a14:hiddenLine>
             </a:ext>
             <a:ext uri="{AF507438-7753-43e0-B8FC-AC1667EBCBE1}">
-              <a14:hiddenEffects xmlns:a14="http://schemas.microsoft.com/office/drawing/2010/main" xmlns="">
+              <a14:hiddenEffects xmlns="" xmlns:a14="http://schemas.microsoft.com/office/drawing/2010/main">
                 <a:effectLst>
                   <a:outerShdw blurRad="63500" dist="38099" dir="2700000" algn="ctr" rotWithShape="0">
                     <a:schemeClr val="bg2">
@@ -33883,14 +33887,14 @@
                       <a:effectLst/>
                       <a:extLst>
                         <a:ext uri="{909E8E84-426E-40dd-AFC4-6F175D3DCCD1}">
-                          <a14:hiddenFill xmlns:a14="http://schemas.microsoft.com/office/drawing/2010/main" xmlns="">
+                          <a14:hiddenFill xmlns="" xmlns:a14="http://schemas.microsoft.com/office/drawing/2010/main">
                             <a:solidFill>
                               <a:srgbClr val="FFFFFF"/>
                             </a:solidFill>
                           </a14:hiddenFill>
                         </a:ext>
                         <a:ext uri="{91240B29-F687-4f45-9708-019B960494DF}">
-                          <a14:hiddenLine xmlns:a14="http://schemas.microsoft.com/office/drawing/2010/main" xmlns="" w="9525">
+                          <a14:hiddenLine xmlns="" xmlns:a14="http://schemas.microsoft.com/office/drawing/2010/main" w="9525">
                             <a:solidFill>
                               <a:srgbClr val="000000"/>
                             </a:solidFill>
@@ -33900,7 +33904,7 @@
                           </a14:hiddenLine>
                         </a:ext>
                         <a:ext uri="{AF507438-7753-43e0-B8FC-AC1667EBCBE1}">
-                          <a14:hiddenEffects xmlns:a14="http://schemas.microsoft.com/office/drawing/2010/main" xmlns="">
+                          <a14:hiddenEffects xmlns="" xmlns:a14="http://schemas.microsoft.com/office/drawing/2010/main">
                             <a:effectLst>
                               <a:outerShdw blurRad="63500" dist="38099" dir="2700000" algn="ctr" rotWithShape="0">
                                 <a:srgbClr val="000000">
@@ -33978,14 +33982,14 @@
                       <a:effectLst/>
                       <a:extLst>
                         <a:ext uri="{909E8E84-426E-40dd-AFC4-6F175D3DCCD1}">
-                          <a14:hiddenFill xmlns:a14="http://schemas.microsoft.com/office/drawing/2010/main" xmlns="">
+                          <a14:hiddenFill xmlns="" xmlns:a14="http://schemas.microsoft.com/office/drawing/2010/main">
                             <a:solidFill>
                               <a:srgbClr val="FFFFFF"/>
                             </a:solidFill>
                           </a14:hiddenFill>
                         </a:ext>
                         <a:ext uri="{91240B29-F687-4f45-9708-019B960494DF}">
-                          <a14:hiddenLine xmlns:a14="http://schemas.microsoft.com/office/drawing/2010/main" xmlns="" w="9525">
+                          <a14:hiddenLine xmlns="" xmlns:a14="http://schemas.microsoft.com/office/drawing/2010/main" w="9525">
                             <a:solidFill>
                               <a:srgbClr val="000000"/>
                             </a:solidFill>
@@ -33995,7 +33999,7 @@
                           </a14:hiddenLine>
                         </a:ext>
                         <a:ext uri="{AF507438-7753-43e0-B8FC-AC1667EBCBE1}">
-                          <a14:hiddenEffects xmlns:a14="http://schemas.microsoft.com/office/drawing/2010/main" xmlns="">
+                          <a14:hiddenEffects xmlns="" xmlns:a14="http://schemas.microsoft.com/office/drawing/2010/main">
                             <a:effectLst>
                               <a:outerShdw blurRad="63500" dist="38099" dir="2700000" algn="ctr" rotWithShape="0">
                                 <a:srgbClr val="000000">
@@ -34073,14 +34077,14 @@
                       <a:effectLst/>
                       <a:extLst>
                         <a:ext uri="{909E8E84-426E-40dd-AFC4-6F175D3DCCD1}">
-                          <a14:hiddenFill xmlns:a14="http://schemas.microsoft.com/office/drawing/2010/main" xmlns="">
+                          <a14:hiddenFill xmlns="" xmlns:a14="http://schemas.microsoft.com/office/drawing/2010/main">
                             <a:solidFill>
                               <a:srgbClr val="FFFFFF"/>
                             </a:solidFill>
                           </a14:hiddenFill>
                         </a:ext>
                         <a:ext uri="{91240B29-F687-4f45-9708-019B960494DF}">
-                          <a14:hiddenLine xmlns:a14="http://schemas.microsoft.com/office/drawing/2010/main" xmlns="" w="9525">
+                          <a14:hiddenLine xmlns="" xmlns:a14="http://schemas.microsoft.com/office/drawing/2010/main" w="9525">
                             <a:solidFill>
                               <a:srgbClr val="000000"/>
                             </a:solidFill>
@@ -34090,7 +34094,7 @@
                           </a14:hiddenLine>
                         </a:ext>
                         <a:ext uri="{AF507438-7753-43e0-B8FC-AC1667EBCBE1}">
-                          <a14:hiddenEffects xmlns:a14="http://schemas.microsoft.com/office/drawing/2010/main" xmlns="">
+                          <a14:hiddenEffects xmlns="" xmlns:a14="http://schemas.microsoft.com/office/drawing/2010/main">
                             <a:effectLst>
                               <a:outerShdw blurRad="63500" dist="38099" dir="2700000" algn="ctr" rotWithShape="0">
                                 <a:srgbClr val="000000">
@@ -34168,14 +34172,14 @@
                       <a:effectLst/>
                       <a:extLst>
                         <a:ext uri="{909E8E84-426E-40dd-AFC4-6F175D3DCCD1}">
-                          <a14:hiddenFill xmlns:a14="http://schemas.microsoft.com/office/drawing/2010/main" xmlns="">
+                          <a14:hiddenFill xmlns="" xmlns:a14="http://schemas.microsoft.com/office/drawing/2010/main">
                             <a:solidFill>
                               <a:srgbClr val="FFFFFF"/>
                             </a:solidFill>
                           </a14:hiddenFill>
                         </a:ext>
                         <a:ext uri="{91240B29-F687-4f45-9708-019B960494DF}">
-                          <a14:hiddenLine xmlns:a14="http://schemas.microsoft.com/office/drawing/2010/main" xmlns="" w="9525">
+                          <a14:hiddenLine xmlns="" xmlns:a14="http://schemas.microsoft.com/office/drawing/2010/main" w="9525">
                             <a:solidFill>
                               <a:srgbClr val="000000"/>
                             </a:solidFill>
@@ -34185,7 +34189,7 @@
                           </a14:hiddenLine>
                         </a:ext>
                         <a:ext uri="{AF507438-7753-43e0-B8FC-AC1667EBCBE1}">
-                          <a14:hiddenEffects xmlns:a14="http://schemas.microsoft.com/office/drawing/2010/main" xmlns="">
+                          <a14:hiddenEffects xmlns="" xmlns:a14="http://schemas.microsoft.com/office/drawing/2010/main">
                             <a:effectLst>
                               <a:outerShdw blurRad="63500" dist="38099" dir="2700000" algn="ctr" rotWithShape="0">
                                 <a:srgbClr val="000000">
@@ -34263,14 +34267,14 @@
                       <a:effectLst/>
                       <a:extLst>
                         <a:ext uri="{909E8E84-426E-40dd-AFC4-6F175D3DCCD1}">
-                          <a14:hiddenFill xmlns:a14="http://schemas.microsoft.com/office/drawing/2010/main" xmlns="">
+                          <a14:hiddenFill xmlns="" xmlns:a14="http://schemas.microsoft.com/office/drawing/2010/main">
                             <a:solidFill>
                               <a:srgbClr val="FFFFFF"/>
                             </a:solidFill>
                           </a14:hiddenFill>
                         </a:ext>
                         <a:ext uri="{91240B29-F687-4f45-9708-019B960494DF}">
-                          <a14:hiddenLine xmlns:a14="http://schemas.microsoft.com/office/drawing/2010/main" xmlns="" w="9525">
+                          <a14:hiddenLine xmlns="" xmlns:a14="http://schemas.microsoft.com/office/drawing/2010/main" w="9525">
                             <a:solidFill>
                               <a:srgbClr val="000000"/>
                             </a:solidFill>
@@ -34280,7 +34284,7 @@
                           </a14:hiddenLine>
                         </a:ext>
                         <a:ext uri="{AF507438-7753-43e0-B8FC-AC1667EBCBE1}">
-                          <a14:hiddenEffects xmlns:a14="http://schemas.microsoft.com/office/drawing/2010/main" xmlns="">
+                          <a14:hiddenEffects xmlns="" xmlns:a14="http://schemas.microsoft.com/office/drawing/2010/main">
                             <a:effectLst>
                               <a:outerShdw blurRad="63500" dist="38099" dir="2700000" algn="ctr" rotWithShape="0">
                                 <a:srgbClr val="000000">
@@ -34358,14 +34362,14 @@
                       <a:effectLst/>
                       <a:extLst>
                         <a:ext uri="{909E8E84-426E-40dd-AFC4-6F175D3DCCD1}">
-                          <a14:hiddenFill xmlns:a14="http://schemas.microsoft.com/office/drawing/2010/main" xmlns="">
+                          <a14:hiddenFill xmlns="" xmlns:a14="http://schemas.microsoft.com/office/drawing/2010/main">
                             <a:solidFill>
                               <a:srgbClr val="FFFFFF"/>
                             </a:solidFill>
                           </a14:hiddenFill>
                         </a:ext>
                         <a:ext uri="{91240B29-F687-4f45-9708-019B960494DF}">
-                          <a14:hiddenLine xmlns:a14="http://schemas.microsoft.com/office/drawing/2010/main" xmlns="" w="9525">
+                          <a14:hiddenLine xmlns="" xmlns:a14="http://schemas.microsoft.com/office/drawing/2010/main" w="9525">
                             <a:solidFill>
                               <a:srgbClr val="000000"/>
                             </a:solidFill>
@@ -34375,7 +34379,7 @@
                           </a14:hiddenLine>
                         </a:ext>
                         <a:ext uri="{AF507438-7753-43e0-B8FC-AC1667EBCBE1}">
-                          <a14:hiddenEffects xmlns:a14="http://schemas.microsoft.com/office/drawing/2010/main" xmlns="">
+                          <a14:hiddenEffects xmlns="" xmlns:a14="http://schemas.microsoft.com/office/drawing/2010/main">
                             <a:effectLst>
                               <a:outerShdw blurRad="63500" dist="38099" dir="2700000" algn="ctr" rotWithShape="0">
                                 <a:srgbClr val="000000">
@@ -34453,14 +34457,14 @@
                       <a:effectLst/>
                       <a:extLst>
                         <a:ext uri="{909E8E84-426E-40dd-AFC4-6F175D3DCCD1}">
-                          <a14:hiddenFill xmlns:a14="http://schemas.microsoft.com/office/drawing/2010/main" xmlns="">
+                          <a14:hiddenFill xmlns="" xmlns:a14="http://schemas.microsoft.com/office/drawing/2010/main">
                             <a:solidFill>
                               <a:srgbClr val="FFFFFF"/>
                             </a:solidFill>
                           </a14:hiddenFill>
                         </a:ext>
                         <a:ext uri="{91240B29-F687-4f45-9708-019B960494DF}">
-                          <a14:hiddenLine xmlns:a14="http://schemas.microsoft.com/office/drawing/2010/main" xmlns="" w="9525">
+                          <a14:hiddenLine xmlns="" xmlns:a14="http://schemas.microsoft.com/office/drawing/2010/main" w="9525">
                             <a:solidFill>
                               <a:srgbClr val="000000"/>
                             </a:solidFill>
@@ -34470,7 +34474,7 @@
                           </a14:hiddenLine>
                         </a:ext>
                         <a:ext uri="{AF507438-7753-43e0-B8FC-AC1667EBCBE1}">
-                          <a14:hiddenEffects xmlns:a14="http://schemas.microsoft.com/office/drawing/2010/main" xmlns="">
+                          <a14:hiddenEffects xmlns="" xmlns:a14="http://schemas.microsoft.com/office/drawing/2010/main">
                             <a:effectLst>
                               <a:outerShdw blurRad="63500" dist="38099" dir="2700000" algn="ctr" rotWithShape="0">
                                 <a:srgbClr val="000000">
@@ -34512,14 +34516,14 @@
           <a:effectLst/>
           <a:extLst>
             <a:ext uri="{909E8E84-426E-40dd-AFC4-6F175D3DCCD1}">
-              <a14:hiddenFill xmlns:a14="http://schemas.microsoft.com/office/drawing/2010/main" xmlns="">
+              <a14:hiddenFill xmlns="" xmlns:a14="http://schemas.microsoft.com/office/drawing/2010/main">
                 <a:solidFill>
                   <a:schemeClr val="accent1"/>
                 </a:solidFill>
               </a14:hiddenFill>
             </a:ext>
             <a:ext uri="{91240B29-F687-4f45-9708-019B960494DF}">
-              <a14:hiddenLine xmlns:a14="http://schemas.microsoft.com/office/drawing/2010/main" xmlns="" w="9525">
+              <a14:hiddenLine xmlns="" xmlns:a14="http://schemas.microsoft.com/office/drawing/2010/main" w="9525">
                 <a:solidFill>
                   <a:schemeClr val="tx1"/>
                 </a:solidFill>
@@ -34529,7 +34533,7 @@
               </a14:hiddenLine>
             </a:ext>
             <a:ext uri="{AF507438-7753-43e0-B8FC-AC1667EBCBE1}">
-              <a14:hiddenEffects xmlns:a14="http://schemas.microsoft.com/office/drawing/2010/main" xmlns="">
+              <a14:hiddenEffects xmlns="" xmlns:a14="http://schemas.microsoft.com/office/drawing/2010/main">
                 <a:effectLst>
                   <a:outerShdw blurRad="63500" dist="38099" dir="2700000" algn="ctr" rotWithShape="0">
                     <a:schemeClr val="bg2">
@@ -34608,14 +34612,14 @@
           </a:ln>
           <a:extLst>
             <a:ext uri="{909E8E84-426E-40dd-AFC4-6F175D3DCCD1}">
-              <a14:hiddenFill xmlns:a14="http://schemas.microsoft.com/office/drawing/2010/main" xmlns="">
+              <a14:hiddenFill xmlns="" xmlns:a14="http://schemas.microsoft.com/office/drawing/2010/main">
                 <a:solidFill>
                   <a:srgbClr val="FFFFFF"/>
                 </a:solidFill>
               </a14:hiddenFill>
             </a:ext>
             <a:ext uri="{91240B29-F687-4f45-9708-019B960494DF}">
-              <a14:hiddenLine xmlns:a14="http://schemas.microsoft.com/office/drawing/2010/main" xmlns="" w="9525">
+              <a14:hiddenLine xmlns="" xmlns:a14="http://schemas.microsoft.com/office/drawing/2010/main" w="9525">
                 <a:solidFill>
                   <a:srgbClr val="000000"/>
                 </a:solidFill>
@@ -35467,14 +35471,14 @@
                       </a:ln>
                       <a:extLst>
                         <a:ext uri="{909E8E84-426E-40dd-AFC4-6F175D3DCCD1}">
-                          <a14:hiddenFill xmlns:a14="http://schemas.microsoft.com/office/drawing/2010/main" xmlns="">
+                          <a14:hiddenFill xmlns="" xmlns:a14="http://schemas.microsoft.com/office/drawing/2010/main">
                             <a:solidFill>
                               <a:srgbClr val="FFFFFF"/>
                             </a:solidFill>
                           </a14:hiddenFill>
                         </a:ext>
                         <a:ext uri="{91240B29-F687-4f45-9708-019B960494DF}">
-                          <a14:hiddenLine xmlns:a14="http://schemas.microsoft.com/office/drawing/2010/main" xmlns="" w="9525">
+                          <a14:hiddenLine xmlns="" xmlns:a14="http://schemas.microsoft.com/office/drawing/2010/main" w="9525">
                             <a:solidFill>
                               <a:srgbClr val="000000"/>
                             </a:solidFill>
@@ -35550,14 +35554,14 @@
                       </a:ln>
                       <a:extLst>
                         <a:ext uri="{909E8E84-426E-40dd-AFC4-6F175D3DCCD1}">
-                          <a14:hiddenFill xmlns:a14="http://schemas.microsoft.com/office/drawing/2010/main" xmlns="">
+                          <a14:hiddenFill xmlns="" xmlns:a14="http://schemas.microsoft.com/office/drawing/2010/main">
                             <a:solidFill>
                               <a:srgbClr val="FFFFFF"/>
                             </a:solidFill>
                           </a14:hiddenFill>
                         </a:ext>
                         <a:ext uri="{91240B29-F687-4f45-9708-019B960494DF}">
-                          <a14:hiddenLine xmlns:a14="http://schemas.microsoft.com/office/drawing/2010/main" xmlns="" w="9525">
+                          <a14:hiddenLine xmlns="" xmlns:a14="http://schemas.microsoft.com/office/drawing/2010/main" w="9525">
                             <a:solidFill>
                               <a:srgbClr val="000000"/>
                             </a:solidFill>
@@ -35597,14 +35601,14 @@
           </a:ln>
           <a:extLst>
             <a:ext uri="{909E8E84-426E-40dd-AFC4-6F175D3DCCD1}">
-              <a14:hiddenFill xmlns:a14="http://schemas.microsoft.com/office/drawing/2010/main" xmlns="">
+              <a14:hiddenFill xmlns="" xmlns:a14="http://schemas.microsoft.com/office/drawing/2010/main">
                 <a:solidFill>
                   <a:srgbClr val="FFFFFF"/>
                 </a:solidFill>
               </a14:hiddenFill>
             </a:ext>
             <a:ext uri="{91240B29-F687-4f45-9708-019B960494DF}">
-              <a14:hiddenLine xmlns:a14="http://schemas.microsoft.com/office/drawing/2010/main" xmlns="" w="9525">
+              <a14:hiddenLine xmlns="" xmlns:a14="http://schemas.microsoft.com/office/drawing/2010/main" w="9525">
                 <a:solidFill>
                   <a:srgbClr val="000000"/>
                 </a:solidFill>
@@ -35668,14 +35672,14 @@
           </a:ln>
           <a:extLst>
             <a:ext uri="{909E8E84-426E-40dd-AFC4-6F175D3DCCD1}">
-              <a14:hiddenFill xmlns:a14="http://schemas.microsoft.com/office/drawing/2010/main" xmlns="">
+              <a14:hiddenFill xmlns="" xmlns:a14="http://schemas.microsoft.com/office/drawing/2010/main">
                 <a:solidFill>
                   <a:srgbClr val="FFFFFF"/>
                 </a:solidFill>
               </a14:hiddenFill>
             </a:ext>
             <a:ext uri="{91240B29-F687-4f45-9708-019B960494DF}">
-              <a14:hiddenLine xmlns:a14="http://schemas.microsoft.com/office/drawing/2010/main" xmlns="" w="9525">
+              <a14:hiddenLine xmlns="" xmlns:a14="http://schemas.microsoft.com/office/drawing/2010/main" w="9525">
                 <a:solidFill>
                   <a:srgbClr val="000000"/>
                 </a:solidFill>
@@ -35800,14 +35804,14 @@
                       </a:ln>
                       <a:extLst>
                         <a:ext uri="{909E8E84-426E-40dd-AFC4-6F175D3DCCD1}">
-                          <a14:hiddenFill xmlns:a14="http://schemas.microsoft.com/office/drawing/2010/main" xmlns="">
+                          <a14:hiddenFill xmlns="" xmlns:a14="http://schemas.microsoft.com/office/drawing/2010/main">
                             <a:solidFill>
                               <a:srgbClr val="FFFFFF"/>
                             </a:solidFill>
                           </a14:hiddenFill>
                         </a:ext>
                         <a:ext uri="{91240B29-F687-4f45-9708-019B960494DF}">
-                          <a14:hiddenLine xmlns:a14="http://schemas.microsoft.com/office/drawing/2010/main" xmlns="" w="9525">
+                          <a14:hiddenLine xmlns="" xmlns:a14="http://schemas.microsoft.com/office/drawing/2010/main" w="9525">
                             <a:solidFill>
                               <a:srgbClr val="000000"/>
                             </a:solidFill>
@@ -35835,8 +35839,8 @@
         </p:nvSpPr>
         <p:spPr bwMode="auto">
           <a:xfrm>
-            <a:off x="609600" y="2765425"/>
-            <a:ext cx="1295400" cy="1373188"/>
+            <a:off x="609599" y="2765425"/>
+            <a:ext cx="1897061" cy="1373188"/>
           </a:xfrm>
           <a:prstGeom prst="rect">
             <a:avLst/>
@@ -35848,14 +35852,14 @@
           <a:effectLst/>
           <a:extLst>
             <a:ext uri="{909E8E84-426E-40dd-AFC4-6F175D3DCCD1}">
-              <a14:hiddenFill xmlns:a14="http://schemas.microsoft.com/office/drawing/2010/main" xmlns="">
+              <a14:hiddenFill xmlns="" xmlns:a14="http://schemas.microsoft.com/office/drawing/2010/main">
                 <a:solidFill>
                   <a:schemeClr val="accent1"/>
                 </a:solidFill>
               </a14:hiddenFill>
             </a:ext>
             <a:ext uri="{91240B29-F687-4f45-9708-019B960494DF}">
-              <a14:hiddenLine xmlns:a14="http://schemas.microsoft.com/office/drawing/2010/main" xmlns="" w="9525">
+              <a14:hiddenLine xmlns="" xmlns:a14="http://schemas.microsoft.com/office/drawing/2010/main" w="9525">
                 <a:solidFill>
                   <a:schemeClr val="tx1"/>
                 </a:solidFill>
@@ -35865,7 +35869,7 @@
               </a14:hiddenLine>
             </a:ext>
             <a:ext uri="{AF507438-7753-43e0-B8FC-AC1667EBCBE1}">
-              <a14:hiddenEffects xmlns:a14="http://schemas.microsoft.com/office/drawing/2010/main" xmlns="">
+              <a14:hiddenEffects xmlns="" xmlns:a14="http://schemas.microsoft.com/office/drawing/2010/main">
                 <a:effectLst>
                   <a:outerShdw blurRad="63500" dist="38099" dir="2700000" algn="ctr" rotWithShape="0">
                     <a:schemeClr val="bg2">
@@ -35878,7 +35882,7 @@
           </a:extLst>
         </p:spPr>
         <p:txBody>
-          <a:bodyPr>
+          <a:bodyPr wrap="square">
             <a:spAutoFit/>
           </a:bodyPr>
           <a:lstStyle/>
@@ -35933,14 +35937,14 @@
           <a:effectLst/>
           <a:extLst>
             <a:ext uri="{909E8E84-426E-40dd-AFC4-6F175D3DCCD1}">
-              <a14:hiddenFill xmlns:a14="http://schemas.microsoft.com/office/drawing/2010/main" xmlns="">
+              <a14:hiddenFill xmlns="" xmlns:a14="http://schemas.microsoft.com/office/drawing/2010/main">
                 <a:solidFill>
                   <a:schemeClr val="accent1"/>
                 </a:solidFill>
               </a14:hiddenFill>
             </a:ext>
             <a:ext uri="{91240B29-F687-4f45-9708-019B960494DF}">
-              <a14:hiddenLine xmlns:a14="http://schemas.microsoft.com/office/drawing/2010/main" xmlns="" w="9525">
+              <a14:hiddenLine xmlns="" xmlns:a14="http://schemas.microsoft.com/office/drawing/2010/main" w="9525">
                 <a:solidFill>
                   <a:schemeClr val="tx1"/>
                 </a:solidFill>
@@ -35950,7 +35954,7 @@
               </a14:hiddenLine>
             </a:ext>
             <a:ext uri="{AF507438-7753-43e0-B8FC-AC1667EBCBE1}">
-              <a14:hiddenEffects xmlns:a14="http://schemas.microsoft.com/office/drawing/2010/main" xmlns="">
+              <a14:hiddenEffects xmlns="" xmlns:a14="http://schemas.microsoft.com/office/drawing/2010/main">
                 <a:effectLst>
                   <a:outerShdw blurRad="63500" dist="38099" dir="2700000" algn="ctr" rotWithShape="0">
                     <a:schemeClr val="bg2">
@@ -36004,14 +36008,14 @@
           <a:effectLst/>
           <a:extLst>
             <a:ext uri="{909E8E84-426E-40dd-AFC4-6F175D3DCCD1}">
-              <a14:hiddenFill xmlns:a14="http://schemas.microsoft.com/office/drawing/2010/main" xmlns="">
+              <a14:hiddenFill xmlns="" xmlns:a14="http://schemas.microsoft.com/office/drawing/2010/main">
                 <a:solidFill>
                   <a:schemeClr val="accent1"/>
                 </a:solidFill>
               </a14:hiddenFill>
             </a:ext>
             <a:ext uri="{91240B29-F687-4f45-9708-019B960494DF}">
-              <a14:hiddenLine xmlns:a14="http://schemas.microsoft.com/office/drawing/2010/main" xmlns="" w="9525">
+              <a14:hiddenLine xmlns="" xmlns:a14="http://schemas.microsoft.com/office/drawing/2010/main" w="9525">
                 <a:solidFill>
                   <a:schemeClr val="tx1"/>
                 </a:solidFill>
@@ -36021,7 +36025,7 @@
               </a14:hiddenLine>
             </a:ext>
             <a:ext uri="{AF507438-7753-43e0-B8FC-AC1667EBCBE1}">
-              <a14:hiddenEffects xmlns:a14="http://schemas.microsoft.com/office/drawing/2010/main" xmlns="">
+              <a14:hiddenEffects xmlns="" xmlns:a14="http://schemas.microsoft.com/office/drawing/2010/main">
                 <a:effectLst>
                   <a:outerShdw blurRad="63500" dist="38099" dir="2700000" algn="ctr" rotWithShape="0">
                     <a:schemeClr val="bg2">
@@ -36075,14 +36079,14 @@
           <a:effectLst/>
           <a:extLst>
             <a:ext uri="{909E8E84-426E-40dd-AFC4-6F175D3DCCD1}">
-              <a14:hiddenFill xmlns:a14="http://schemas.microsoft.com/office/drawing/2010/main" xmlns="">
+              <a14:hiddenFill xmlns="" xmlns:a14="http://schemas.microsoft.com/office/drawing/2010/main">
                 <a:solidFill>
                   <a:schemeClr val="accent1"/>
                 </a:solidFill>
               </a14:hiddenFill>
             </a:ext>
             <a:ext uri="{91240B29-F687-4f45-9708-019B960494DF}">
-              <a14:hiddenLine xmlns:a14="http://schemas.microsoft.com/office/drawing/2010/main" xmlns="" w="9525">
+              <a14:hiddenLine xmlns="" xmlns:a14="http://schemas.microsoft.com/office/drawing/2010/main" w="9525">
                 <a:solidFill>
                   <a:schemeClr val="tx1"/>
                 </a:solidFill>
@@ -36092,7 +36096,7 @@
               </a14:hiddenLine>
             </a:ext>
             <a:ext uri="{AF507438-7753-43e0-B8FC-AC1667EBCBE1}">
-              <a14:hiddenEffects xmlns:a14="http://schemas.microsoft.com/office/drawing/2010/main" xmlns="">
+              <a14:hiddenEffects xmlns="" xmlns:a14="http://schemas.microsoft.com/office/drawing/2010/main">
                 <a:effectLst>
                   <a:outerShdw blurRad="63500" dist="38099" dir="2700000" algn="ctr" rotWithShape="0">
                     <a:schemeClr val="bg2">
@@ -36182,14 +36186,14 @@
                       <a:effectLst/>
                       <a:extLst>
                         <a:ext uri="{909E8E84-426E-40dd-AFC4-6F175D3DCCD1}">
-                          <a14:hiddenFill xmlns:a14="http://schemas.microsoft.com/office/drawing/2010/main" xmlns="">
+                          <a14:hiddenFill xmlns="" xmlns:a14="http://schemas.microsoft.com/office/drawing/2010/main">
                             <a:solidFill>
                               <a:srgbClr val="FFFFFF"/>
                             </a:solidFill>
                           </a14:hiddenFill>
                         </a:ext>
                         <a:ext uri="{91240B29-F687-4f45-9708-019B960494DF}">
-                          <a14:hiddenLine xmlns:a14="http://schemas.microsoft.com/office/drawing/2010/main" xmlns="" w="9525">
+                          <a14:hiddenLine xmlns="" xmlns:a14="http://schemas.microsoft.com/office/drawing/2010/main" w="9525">
                             <a:solidFill>
                               <a:srgbClr val="000000"/>
                             </a:solidFill>
@@ -36199,7 +36203,7 @@
                           </a14:hiddenLine>
                         </a:ext>
                         <a:ext uri="{AF507438-7753-43e0-B8FC-AC1667EBCBE1}">
-                          <a14:hiddenEffects xmlns:a14="http://schemas.microsoft.com/office/drawing/2010/main" xmlns="">
+                          <a14:hiddenEffects xmlns="" xmlns:a14="http://schemas.microsoft.com/office/drawing/2010/main">
                             <a:effectLst>
                               <a:outerShdw blurRad="63500" dist="38099" dir="2700000" algn="ctr" rotWithShape="0">
                                 <a:srgbClr val="000000">
@@ -36277,14 +36281,14 @@
                       <a:effectLst/>
                       <a:extLst>
                         <a:ext uri="{909E8E84-426E-40dd-AFC4-6F175D3DCCD1}">
-                          <a14:hiddenFill xmlns:a14="http://schemas.microsoft.com/office/drawing/2010/main" xmlns="">
+                          <a14:hiddenFill xmlns="" xmlns:a14="http://schemas.microsoft.com/office/drawing/2010/main">
                             <a:solidFill>
                               <a:srgbClr val="FFFFFF"/>
                             </a:solidFill>
                           </a14:hiddenFill>
                         </a:ext>
                         <a:ext uri="{91240B29-F687-4f45-9708-019B960494DF}">
-                          <a14:hiddenLine xmlns:a14="http://schemas.microsoft.com/office/drawing/2010/main" xmlns="" w="9525">
+                          <a14:hiddenLine xmlns="" xmlns:a14="http://schemas.microsoft.com/office/drawing/2010/main" w="9525">
                             <a:solidFill>
                               <a:srgbClr val="000000"/>
                             </a:solidFill>
@@ -36294,7 +36298,7 @@
                           </a14:hiddenLine>
                         </a:ext>
                         <a:ext uri="{AF507438-7753-43e0-B8FC-AC1667EBCBE1}">
-                          <a14:hiddenEffects xmlns:a14="http://schemas.microsoft.com/office/drawing/2010/main" xmlns="">
+                          <a14:hiddenEffects xmlns="" xmlns:a14="http://schemas.microsoft.com/office/drawing/2010/main">
                             <a:effectLst>
                               <a:outerShdw blurRad="63500" dist="38099" dir="2700000" algn="ctr" rotWithShape="0">
                                 <a:srgbClr val="000000">
@@ -36372,14 +36376,14 @@
                       <a:effectLst/>
                       <a:extLst>
                         <a:ext uri="{909E8E84-426E-40dd-AFC4-6F175D3DCCD1}">
-                          <a14:hiddenFill xmlns:a14="http://schemas.microsoft.com/office/drawing/2010/main" xmlns="">
+                          <a14:hiddenFill xmlns="" xmlns:a14="http://schemas.microsoft.com/office/drawing/2010/main">
                             <a:solidFill>
                               <a:srgbClr val="FFFFFF"/>
                             </a:solidFill>
                           </a14:hiddenFill>
                         </a:ext>
                         <a:ext uri="{91240B29-F687-4f45-9708-019B960494DF}">
-                          <a14:hiddenLine xmlns:a14="http://schemas.microsoft.com/office/drawing/2010/main" xmlns="" w="9525">
+                          <a14:hiddenLine xmlns="" xmlns:a14="http://schemas.microsoft.com/office/drawing/2010/main" w="9525">
                             <a:solidFill>
                               <a:srgbClr val="000000"/>
                             </a:solidFill>
@@ -36389,7 +36393,7 @@
                           </a14:hiddenLine>
                         </a:ext>
                         <a:ext uri="{AF507438-7753-43e0-B8FC-AC1667EBCBE1}">
-                          <a14:hiddenEffects xmlns:a14="http://schemas.microsoft.com/office/drawing/2010/main" xmlns="">
+                          <a14:hiddenEffects xmlns="" xmlns:a14="http://schemas.microsoft.com/office/drawing/2010/main">
                             <a:effectLst>
                               <a:outerShdw blurRad="63500" dist="38099" dir="2700000" algn="ctr" rotWithShape="0">
                                 <a:srgbClr val="000000">
@@ -36467,14 +36471,14 @@
                       <a:effectLst/>
                       <a:extLst>
                         <a:ext uri="{909E8E84-426E-40dd-AFC4-6F175D3DCCD1}">
-                          <a14:hiddenFill xmlns:a14="http://schemas.microsoft.com/office/drawing/2010/main" xmlns="">
+                          <a14:hiddenFill xmlns="" xmlns:a14="http://schemas.microsoft.com/office/drawing/2010/main">
                             <a:solidFill>
                               <a:srgbClr val="FFFFFF"/>
                             </a:solidFill>
                           </a14:hiddenFill>
                         </a:ext>
                         <a:ext uri="{91240B29-F687-4f45-9708-019B960494DF}">
-                          <a14:hiddenLine xmlns:a14="http://schemas.microsoft.com/office/drawing/2010/main" xmlns="" w="9525">
+                          <a14:hiddenLine xmlns="" xmlns:a14="http://schemas.microsoft.com/office/drawing/2010/main" w="9525">
                             <a:solidFill>
                               <a:srgbClr val="000000"/>
                             </a:solidFill>
@@ -36484,7 +36488,7 @@
                           </a14:hiddenLine>
                         </a:ext>
                         <a:ext uri="{AF507438-7753-43e0-B8FC-AC1667EBCBE1}">
-                          <a14:hiddenEffects xmlns:a14="http://schemas.microsoft.com/office/drawing/2010/main" xmlns="">
+                          <a14:hiddenEffects xmlns="" xmlns:a14="http://schemas.microsoft.com/office/drawing/2010/main">
                             <a:effectLst>
                               <a:outerShdw blurRad="63500" dist="38099" dir="2700000" algn="ctr" rotWithShape="0">
                                 <a:srgbClr val="000000">
@@ -36562,14 +36566,14 @@
                       <a:effectLst/>
                       <a:extLst>
                         <a:ext uri="{909E8E84-426E-40dd-AFC4-6F175D3DCCD1}">
-                          <a14:hiddenFill xmlns:a14="http://schemas.microsoft.com/office/drawing/2010/main" xmlns="">
+                          <a14:hiddenFill xmlns="" xmlns:a14="http://schemas.microsoft.com/office/drawing/2010/main">
                             <a:solidFill>
                               <a:srgbClr val="FFFFFF"/>
                             </a:solidFill>
                           </a14:hiddenFill>
                         </a:ext>
                         <a:ext uri="{91240B29-F687-4f45-9708-019B960494DF}">
-                          <a14:hiddenLine xmlns:a14="http://schemas.microsoft.com/office/drawing/2010/main" xmlns="" w="9525">
+                          <a14:hiddenLine xmlns="" xmlns:a14="http://schemas.microsoft.com/office/drawing/2010/main" w="9525">
                             <a:solidFill>
                               <a:srgbClr val="000000"/>
                             </a:solidFill>
@@ -36579,7 +36583,7 @@
                           </a14:hiddenLine>
                         </a:ext>
                         <a:ext uri="{AF507438-7753-43e0-B8FC-AC1667EBCBE1}">
-                          <a14:hiddenEffects xmlns:a14="http://schemas.microsoft.com/office/drawing/2010/main" xmlns="">
+                          <a14:hiddenEffects xmlns="" xmlns:a14="http://schemas.microsoft.com/office/drawing/2010/main">
                             <a:effectLst>
                               <a:outerShdw blurRad="63500" dist="38099" dir="2700000" algn="ctr" rotWithShape="0">
                                 <a:srgbClr val="000000">
@@ -36657,14 +36661,14 @@
                       <a:effectLst/>
                       <a:extLst>
                         <a:ext uri="{909E8E84-426E-40dd-AFC4-6F175D3DCCD1}">
-                          <a14:hiddenFill xmlns:a14="http://schemas.microsoft.com/office/drawing/2010/main" xmlns="">
+                          <a14:hiddenFill xmlns="" xmlns:a14="http://schemas.microsoft.com/office/drawing/2010/main">
                             <a:solidFill>
                               <a:srgbClr val="FFFFFF"/>
                             </a:solidFill>
                           </a14:hiddenFill>
                         </a:ext>
                         <a:ext uri="{91240B29-F687-4f45-9708-019B960494DF}">
-                          <a14:hiddenLine xmlns:a14="http://schemas.microsoft.com/office/drawing/2010/main" xmlns="" w="9525">
+                          <a14:hiddenLine xmlns="" xmlns:a14="http://schemas.microsoft.com/office/drawing/2010/main" w="9525">
                             <a:solidFill>
                               <a:srgbClr val="000000"/>
                             </a:solidFill>
@@ -36674,7 +36678,7 @@
                           </a14:hiddenLine>
                         </a:ext>
                         <a:ext uri="{AF507438-7753-43e0-B8FC-AC1667EBCBE1}">
-                          <a14:hiddenEffects xmlns:a14="http://schemas.microsoft.com/office/drawing/2010/main" xmlns="">
+                          <a14:hiddenEffects xmlns="" xmlns:a14="http://schemas.microsoft.com/office/drawing/2010/main">
                             <a:effectLst>
                               <a:outerShdw blurRad="63500" dist="38099" dir="2700000" algn="ctr" rotWithShape="0">
                                 <a:srgbClr val="000000">
@@ -36716,14 +36720,14 @@
           <a:effectLst/>
           <a:extLst>
             <a:ext uri="{909E8E84-426E-40dd-AFC4-6F175D3DCCD1}">
-              <a14:hiddenFill xmlns:a14="http://schemas.microsoft.com/office/drawing/2010/main" xmlns="">
+              <a14:hiddenFill xmlns="" xmlns:a14="http://schemas.microsoft.com/office/drawing/2010/main">
                 <a:solidFill>
                   <a:schemeClr val="accent1"/>
                 </a:solidFill>
               </a14:hiddenFill>
             </a:ext>
             <a:ext uri="{91240B29-F687-4f45-9708-019B960494DF}">
-              <a14:hiddenLine xmlns:a14="http://schemas.microsoft.com/office/drawing/2010/main" xmlns="" w="9525">
+              <a14:hiddenLine xmlns="" xmlns:a14="http://schemas.microsoft.com/office/drawing/2010/main" w="9525">
                 <a:solidFill>
                   <a:schemeClr val="tx1"/>
                 </a:solidFill>
@@ -36733,7 +36737,7 @@
               </a14:hiddenLine>
             </a:ext>
             <a:ext uri="{AF507438-7753-43e0-B8FC-AC1667EBCBE1}">
-              <a14:hiddenEffects xmlns:a14="http://schemas.microsoft.com/office/drawing/2010/main" xmlns="">
+              <a14:hiddenEffects xmlns="" xmlns:a14="http://schemas.microsoft.com/office/drawing/2010/main">
                 <a:effectLst>
                   <a:outerShdw blurRad="63500" dist="38099" dir="2700000" algn="ctr" rotWithShape="0">
                     <a:schemeClr val="bg2">
@@ -38995,7 +38999,7 @@
             </a:pPr>
             <a:r>
               <a:rPr lang="en-US" dirty="0"/>
-              <a:t>selection problem</a:t>
+              <a:t>Selection Problem</a:t>
             </a:r>
           </a:p>
         </p:txBody>
@@ -39104,7 +39108,7 @@
         </p:blipFill>
         <p:spPr bwMode="auto">
           <a:xfrm>
-            <a:off x="7086600" y="4267200"/>
+            <a:off x="6407331" y="3733800"/>
             <a:ext cx="1600200" cy="2286000"/>
           </a:xfrm>
           <a:prstGeom prst="rect">
@@ -39116,14 +39120,14 @@
           </a:ln>
           <a:extLst>
             <a:ext uri="{909E8E84-426E-40dd-AFC4-6F175D3DCCD1}">
-              <a14:hiddenFill xmlns:a14="http://schemas.microsoft.com/office/drawing/2010/main" xmlns="">
+              <a14:hiddenFill xmlns="" xmlns:a14="http://schemas.microsoft.com/office/drawing/2010/main">
                 <a:solidFill>
                   <a:srgbClr val="FFFFFF"/>
                 </a:solidFill>
               </a14:hiddenFill>
             </a:ext>
             <a:ext uri="{91240B29-F687-4f45-9708-019B960494DF}">
-              <a14:hiddenLine xmlns:a14="http://schemas.microsoft.com/office/drawing/2010/main" xmlns="" w="9525">
+              <a14:hiddenLine xmlns="" xmlns:a14="http://schemas.microsoft.com/office/drawing/2010/main" w="9525">
                 <a:solidFill>
                   <a:srgbClr val="000000"/>
                 </a:solidFill>
@@ -39417,14 +39421,14 @@
           </a:ln>
           <a:extLst>
             <a:ext uri="{909E8E84-426E-40dd-AFC4-6F175D3DCCD1}">
-              <a14:hiddenFill xmlns:a14="http://schemas.microsoft.com/office/drawing/2010/main" xmlns="">
+              <a14:hiddenFill xmlns="" xmlns:a14="http://schemas.microsoft.com/office/drawing/2010/main">
                 <a:solidFill>
                   <a:srgbClr val="FFFFFF"/>
                 </a:solidFill>
               </a14:hiddenFill>
             </a:ext>
             <a:ext uri="{91240B29-F687-4f45-9708-019B960494DF}">
-              <a14:hiddenLine xmlns:a14="http://schemas.microsoft.com/office/drawing/2010/main" xmlns="" w="9525">
+              <a14:hiddenLine xmlns="" xmlns:a14="http://schemas.microsoft.com/office/drawing/2010/main" w="9525">
                 <a:solidFill>
                   <a:srgbClr val="000000"/>
                 </a:solidFill>
@@ -39578,14 +39582,14 @@
           </a:ln>
           <a:extLst>
             <a:ext uri="{909E8E84-426E-40dd-AFC4-6F175D3DCCD1}">
-              <a14:hiddenFill xmlns:a14="http://schemas.microsoft.com/office/drawing/2010/main" xmlns="">
+              <a14:hiddenFill xmlns="" xmlns:a14="http://schemas.microsoft.com/office/drawing/2010/main">
                 <a:solidFill>
                   <a:srgbClr val="FFFFFF"/>
                 </a:solidFill>
               </a14:hiddenFill>
             </a:ext>
             <a:ext uri="{91240B29-F687-4f45-9708-019B960494DF}">
-              <a14:hiddenLine xmlns:a14="http://schemas.microsoft.com/office/drawing/2010/main" xmlns="" w="9525">
+              <a14:hiddenLine xmlns="" xmlns:a14="http://schemas.microsoft.com/office/drawing/2010/main" w="9525">
                 <a:solidFill>
                   <a:srgbClr val="000000"/>
                 </a:solidFill>
@@ -39747,14 +39751,14 @@
           </a:ln>
           <a:extLst>
             <a:ext uri="{909E8E84-426E-40dd-AFC4-6F175D3DCCD1}">
-              <a14:hiddenFill xmlns:a14="http://schemas.microsoft.com/office/drawing/2010/main" xmlns="">
+              <a14:hiddenFill xmlns="" xmlns:a14="http://schemas.microsoft.com/office/drawing/2010/main">
                 <a:solidFill>
                   <a:srgbClr val="FFFFFF"/>
                 </a:solidFill>
               </a14:hiddenFill>
             </a:ext>
             <a:ext uri="{91240B29-F687-4f45-9708-019B960494DF}">
-              <a14:hiddenLine xmlns:a14="http://schemas.microsoft.com/office/drawing/2010/main" xmlns="" w="9525">
+              <a14:hiddenLine xmlns="" xmlns:a14="http://schemas.microsoft.com/office/drawing/2010/main" w="9525">
                 <a:solidFill>
                   <a:srgbClr val="000000"/>
                 </a:solidFill>
@@ -39912,14 +39916,14 @@
           </a:ln>
           <a:extLst>
             <a:ext uri="{909E8E84-426E-40dd-AFC4-6F175D3DCCD1}">
-              <a14:hiddenFill xmlns:a14="http://schemas.microsoft.com/office/drawing/2010/main" xmlns="">
+              <a14:hiddenFill xmlns="" xmlns:a14="http://schemas.microsoft.com/office/drawing/2010/main">
                 <a:solidFill>
                   <a:srgbClr val="FFFFFF"/>
                 </a:solidFill>
               </a14:hiddenFill>
             </a:ext>
             <a:ext uri="{91240B29-F687-4f45-9708-019B960494DF}">
-              <a14:hiddenLine xmlns:a14="http://schemas.microsoft.com/office/drawing/2010/main" xmlns="" w="9525">
+              <a14:hiddenLine xmlns="" xmlns:a14="http://schemas.microsoft.com/office/drawing/2010/main" w="9525">
                 <a:solidFill>
                   <a:srgbClr val="000000"/>
                 </a:solidFill>
@@ -40073,14 +40077,14 @@
           </a:ln>
           <a:extLst>
             <a:ext uri="{909E8E84-426E-40dd-AFC4-6F175D3DCCD1}">
-              <a14:hiddenFill xmlns:a14="http://schemas.microsoft.com/office/drawing/2010/main" xmlns="">
+              <a14:hiddenFill xmlns="" xmlns:a14="http://schemas.microsoft.com/office/drawing/2010/main">
                 <a:solidFill>
                   <a:srgbClr val="FFFFFF"/>
                 </a:solidFill>
               </a14:hiddenFill>
             </a:ext>
             <a:ext uri="{91240B29-F687-4f45-9708-019B960494DF}">
-              <a14:hiddenLine xmlns:a14="http://schemas.microsoft.com/office/drawing/2010/main" xmlns="" w="9525">
+              <a14:hiddenLine xmlns="" xmlns:a14="http://schemas.microsoft.com/office/drawing/2010/main" w="9525">
                 <a:solidFill>
                   <a:srgbClr val="000000"/>
                 </a:solidFill>
@@ -40234,14 +40238,14 @@
           </a:ln>
           <a:extLst>
             <a:ext uri="{909E8E84-426E-40dd-AFC4-6F175D3DCCD1}">
-              <a14:hiddenFill xmlns:a14="http://schemas.microsoft.com/office/drawing/2010/main" xmlns="">
+              <a14:hiddenFill xmlns="" xmlns:a14="http://schemas.microsoft.com/office/drawing/2010/main">
                 <a:solidFill>
                   <a:srgbClr val="FFFFFF"/>
                 </a:solidFill>
               </a14:hiddenFill>
             </a:ext>
             <a:ext uri="{91240B29-F687-4f45-9708-019B960494DF}">
-              <a14:hiddenLine xmlns:a14="http://schemas.microsoft.com/office/drawing/2010/main" xmlns="" w="9525">
+              <a14:hiddenLine xmlns="" xmlns:a14="http://schemas.microsoft.com/office/drawing/2010/main" w="9525">
                 <a:solidFill>
                   <a:srgbClr val="000000"/>
                 </a:solidFill>
